--- a/estacion90.pptx
+++ b/estacion90.pptx
@@ -6,9 +6,14 @@
   </p:sldMasterIdLst>
   <p:sldIdLst>
     <p:sldId id="256" r:id="rId2"/>
-    <p:sldId id="257" r:id="rId3"/>
-    <p:sldId id="258" r:id="rId4"/>
-    <p:sldId id="259" r:id="rId5"/>
+    <p:sldId id="263" r:id="rId3"/>
+    <p:sldId id="264" r:id="rId4"/>
+    <p:sldId id="257" r:id="rId5"/>
+    <p:sldId id="258" r:id="rId6"/>
+    <p:sldId id="259" r:id="rId7"/>
+    <p:sldId id="260" r:id="rId8"/>
+    <p:sldId id="261" r:id="rId9"/>
+    <p:sldId id="262" r:id="rId10"/>
   </p:sldIdLst>
   <p:sldSz cx="12192000" cy="6858000"/>
   <p:notesSz cx="6858000" cy="9144000"/>
@@ -107,6 +112,11 @@
       </a:defRPr>
     </a:lvl9pPr>
   </p:defaultTextStyle>
+  <p:extLst>
+    <p:ext uri="{EFAFB233-063F-42B5-8137-9DF3F51BA10A}">
+      <p15:sldGuideLst xmlns:p15="http://schemas.microsoft.com/office/powerpoint/2012/main"/>
+    </p:ext>
+  </p:extLst>
 </p:presentation>
 </file>
 
@@ -257,7 +267,7 @@
           <a:p>
             <a:fld id="{DB3237F6-9C76-CF49-A4CB-6D491BD5ABEF}" type="datetimeFigureOut">
               <a:rPr lang="es-ES" smtClean="0"/>
-              <a:t>5/5/25</a:t>
+              <a:t>20/5/25</a:t>
             </a:fld>
             <a:endParaRPr lang="es-ES"/>
           </a:p>
@@ -455,7 +465,7 @@
           <a:p>
             <a:fld id="{DB3237F6-9C76-CF49-A4CB-6D491BD5ABEF}" type="datetimeFigureOut">
               <a:rPr lang="es-ES" smtClean="0"/>
-              <a:t>5/5/25</a:t>
+              <a:t>20/5/25</a:t>
             </a:fld>
             <a:endParaRPr lang="es-ES"/>
           </a:p>
@@ -663,7 +673,7 @@
           <a:p>
             <a:fld id="{DB3237F6-9C76-CF49-A4CB-6D491BD5ABEF}" type="datetimeFigureOut">
               <a:rPr lang="es-ES" smtClean="0"/>
-              <a:t>5/5/25</a:t>
+              <a:t>20/5/25</a:t>
             </a:fld>
             <a:endParaRPr lang="es-ES"/>
           </a:p>
@@ -861,7 +871,7 @@
           <a:p>
             <a:fld id="{DB3237F6-9C76-CF49-A4CB-6D491BD5ABEF}" type="datetimeFigureOut">
               <a:rPr lang="es-ES" smtClean="0"/>
-              <a:t>5/5/25</a:t>
+              <a:t>20/5/25</a:t>
             </a:fld>
             <a:endParaRPr lang="es-ES"/>
           </a:p>
@@ -1136,7 +1146,7 @@
           <a:p>
             <a:fld id="{DB3237F6-9C76-CF49-A4CB-6D491BD5ABEF}" type="datetimeFigureOut">
               <a:rPr lang="es-ES" smtClean="0"/>
-              <a:t>5/5/25</a:t>
+              <a:t>20/5/25</a:t>
             </a:fld>
             <a:endParaRPr lang="es-ES"/>
           </a:p>
@@ -1401,7 +1411,7 @@
           <a:p>
             <a:fld id="{DB3237F6-9C76-CF49-A4CB-6D491BD5ABEF}" type="datetimeFigureOut">
               <a:rPr lang="es-ES" smtClean="0"/>
-              <a:t>5/5/25</a:t>
+              <a:t>20/5/25</a:t>
             </a:fld>
             <a:endParaRPr lang="es-ES"/>
           </a:p>
@@ -1813,7 +1823,7 @@
           <a:p>
             <a:fld id="{DB3237F6-9C76-CF49-A4CB-6D491BD5ABEF}" type="datetimeFigureOut">
               <a:rPr lang="es-ES" smtClean="0"/>
-              <a:t>5/5/25</a:t>
+              <a:t>20/5/25</a:t>
             </a:fld>
             <a:endParaRPr lang="es-ES"/>
           </a:p>
@@ -1954,7 +1964,7 @@
           <a:p>
             <a:fld id="{DB3237F6-9C76-CF49-A4CB-6D491BD5ABEF}" type="datetimeFigureOut">
               <a:rPr lang="es-ES" smtClean="0"/>
-              <a:t>5/5/25</a:t>
+              <a:t>20/5/25</a:t>
             </a:fld>
             <a:endParaRPr lang="es-ES"/>
           </a:p>
@@ -2067,7 +2077,7 @@
           <a:p>
             <a:fld id="{DB3237F6-9C76-CF49-A4CB-6D491BD5ABEF}" type="datetimeFigureOut">
               <a:rPr lang="es-ES" smtClean="0"/>
-              <a:t>5/5/25</a:t>
+              <a:t>20/5/25</a:t>
             </a:fld>
             <a:endParaRPr lang="es-ES"/>
           </a:p>
@@ -2378,7 +2388,7 @@
           <a:p>
             <a:fld id="{DB3237F6-9C76-CF49-A4CB-6D491BD5ABEF}" type="datetimeFigureOut">
               <a:rPr lang="es-ES" smtClean="0"/>
-              <a:t>5/5/25</a:t>
+              <a:t>20/5/25</a:t>
             </a:fld>
             <a:endParaRPr lang="es-ES"/>
           </a:p>
@@ -2666,7 +2676,7 @@
           <a:p>
             <a:fld id="{DB3237F6-9C76-CF49-A4CB-6D491BD5ABEF}" type="datetimeFigureOut">
               <a:rPr lang="es-ES" smtClean="0"/>
-              <a:t>5/5/25</a:t>
+              <a:t>20/5/25</a:t>
             </a:fld>
             <a:endParaRPr lang="es-ES"/>
           </a:p>
@@ -2907,7 +2917,7 @@
           <a:p>
             <a:fld id="{DB3237F6-9C76-CF49-A4CB-6D491BD5ABEF}" type="datetimeFigureOut">
               <a:rPr lang="es-ES" smtClean="0"/>
-              <a:t>5/5/25</a:t>
+              <a:t>20/5/25</a:t>
             </a:fld>
             <a:endParaRPr lang="es-ES"/>
           </a:p>
@@ -4960,6 +4970,120 @@
           </a:p>
         </p:txBody>
       </p:sp>
+      <p:sp>
+        <p:nvSpPr>
+          <p:cNvPr id="2" name="CuadroTexto 1">
+            <a:extLst>
+              <a:ext uri="{FF2B5EF4-FFF2-40B4-BE49-F238E27FC236}">
+                <a16:creationId xmlns:a16="http://schemas.microsoft.com/office/drawing/2014/main" id="{80B4D8F8-C740-03C5-17E6-0243D2890DA8}"/>
+              </a:ext>
+            </a:extLst>
+          </p:cNvPr>
+          <p:cNvSpPr txBox="1"/>
+          <p:nvPr/>
+        </p:nvSpPr>
+        <p:spPr>
+          <a:xfrm>
+            <a:off x="3992893" y="4953487"/>
+            <a:ext cx="1207382" cy="253916"/>
+          </a:xfrm>
+          <a:prstGeom prst="rect">
+            <a:avLst/>
+          </a:prstGeom>
+          <a:noFill/>
+        </p:spPr>
+        <p:txBody>
+          <a:bodyPr wrap="none" rtlCol="0">
+            <a:spAutoFit/>
+          </a:bodyPr>
+          <a:lstStyle/>
+          <a:p>
+            <a:r>
+              <a:rPr lang="es-ES" sz="1050" dirty="0"/>
+              <a:t>1    2   3   4   5  6    7</a:t>
+            </a:r>
+          </a:p>
+        </p:txBody>
+      </p:sp>
+      <p:sp>
+        <p:nvSpPr>
+          <p:cNvPr id="3" name="CuadroTexto 2">
+            <a:extLst>
+              <a:ext uri="{FF2B5EF4-FFF2-40B4-BE49-F238E27FC236}">
+                <a16:creationId xmlns:a16="http://schemas.microsoft.com/office/drawing/2014/main" id="{F3BA229F-7B28-A9CA-F14E-293FDCF748C5}"/>
+              </a:ext>
+            </a:extLst>
+          </p:cNvPr>
+          <p:cNvSpPr txBox="1"/>
+          <p:nvPr/>
+        </p:nvSpPr>
+        <p:spPr>
+          <a:xfrm>
+            <a:off x="9822152" y="2950433"/>
+            <a:ext cx="862737" cy="253916"/>
+          </a:xfrm>
+          <a:prstGeom prst="rect">
+            <a:avLst/>
+          </a:prstGeom>
+          <a:noFill/>
+        </p:spPr>
+        <p:txBody>
+          <a:bodyPr wrap="none" rtlCol="0">
+            <a:spAutoFit/>
+          </a:bodyPr>
+          <a:lstStyle/>
+          <a:p>
+            <a:r>
+              <a:rPr lang="es-ES" sz="1050" dirty="0"/>
+              <a:t>15 registros</a:t>
+            </a:r>
+          </a:p>
+        </p:txBody>
+      </p:sp>
+      <p:sp>
+        <p:nvSpPr>
+          <p:cNvPr id="8" name="Cerrar llave 7">
+            <a:extLst>
+              <a:ext uri="{FF2B5EF4-FFF2-40B4-BE49-F238E27FC236}">
+                <a16:creationId xmlns:a16="http://schemas.microsoft.com/office/drawing/2014/main" id="{6DF42A71-AB70-FDE4-66C0-FC5C732DAC42}"/>
+              </a:ext>
+            </a:extLst>
+          </p:cNvPr>
+          <p:cNvSpPr/>
+          <p:nvPr/>
+        </p:nvSpPr>
+        <p:spPr>
+          <a:xfrm>
+            <a:off x="9470725" y="1813241"/>
+            <a:ext cx="320046" cy="2528300"/>
+          </a:xfrm>
+          <a:prstGeom prst="rightBrace">
+            <a:avLst/>
+          </a:prstGeom>
+        </p:spPr>
+        <p:style>
+          <a:lnRef idx="2">
+            <a:schemeClr val="accent1"/>
+          </a:lnRef>
+          <a:fillRef idx="0">
+            <a:schemeClr val="accent1"/>
+          </a:fillRef>
+          <a:effectRef idx="1">
+            <a:schemeClr val="accent1"/>
+          </a:effectRef>
+          <a:fontRef idx="minor">
+            <a:schemeClr val="tx1"/>
+          </a:fontRef>
+        </p:style>
+        <p:txBody>
+          <a:bodyPr rtlCol="0" anchor="ctr"/>
+          <a:lstStyle/>
+          <a:p>
+            <a:pPr algn="ctr"/>
+            <a:endParaRPr lang="es-ES"/>
+          </a:p>
+        </p:txBody>
+      </p:sp>
     </p:spTree>
     <p:extLst>
       <p:ext uri="{BB962C8B-B14F-4D97-AF65-F5344CB8AC3E}">
@@ -4978,6 +5102,1514 @@
   <p:cSld>
     <p:spTree>
       <p:nvGrpSpPr>
+        <p:cNvPr id="1" name="">
+          <a:extLst>
+            <a:ext uri="{FF2B5EF4-FFF2-40B4-BE49-F238E27FC236}">
+              <a16:creationId xmlns:a16="http://schemas.microsoft.com/office/drawing/2014/main" id="{D5B3F92F-007C-D8D8-18F7-6CC3950FF7CF}"/>
+            </a:ext>
+          </a:extLst>
+        </p:cNvPr>
+        <p:cNvGrpSpPr/>
+        <p:nvPr/>
+      </p:nvGrpSpPr>
+      <p:grpSpPr>
+        <a:xfrm>
+          <a:off x="0" y="0"/>
+          <a:ext cx="0" cy="0"/>
+          <a:chOff x="0" y="0"/>
+          <a:chExt cx="0" cy="0"/>
+        </a:xfrm>
+      </p:grpSpPr>
+      <p:pic>
+        <p:nvPicPr>
+          <p:cNvPr id="13" name="Imagen 12" descr="Interfaz de usuario gráfica, Aplicación&#10;&#10;Descripción generada automáticamente">
+            <a:extLst>
+              <a:ext uri="{FF2B5EF4-FFF2-40B4-BE49-F238E27FC236}">
+                <a16:creationId xmlns:a16="http://schemas.microsoft.com/office/drawing/2014/main" id="{F6EF470D-023F-53C2-C8C7-8BF85C8C2FCD}"/>
+              </a:ext>
+            </a:extLst>
+          </p:cNvPr>
+          <p:cNvPicPr>
+            <a:picLocks noChangeAspect="1"/>
+          </p:cNvPicPr>
+          <p:nvPr/>
+        </p:nvPicPr>
+        <p:blipFill>
+          <a:blip r:embed="rId2"/>
+          <a:stretch>
+            <a:fillRect/>
+          </a:stretch>
+        </p:blipFill>
+        <p:spPr>
+          <a:xfrm>
+            <a:off x="176564" y="0"/>
+            <a:ext cx="11763188" cy="6771296"/>
+          </a:xfrm>
+          <a:prstGeom prst="rect">
+            <a:avLst/>
+          </a:prstGeom>
+        </p:spPr>
+      </p:pic>
+      <p:sp>
+        <p:nvSpPr>
+          <p:cNvPr id="18" name="Rectángulo 17">
+            <a:extLst>
+              <a:ext uri="{FF2B5EF4-FFF2-40B4-BE49-F238E27FC236}">
+                <a16:creationId xmlns:a16="http://schemas.microsoft.com/office/drawing/2014/main" id="{0CD5C014-5DD2-24B2-7383-E8F444796C12}"/>
+              </a:ext>
+            </a:extLst>
+          </p:cNvPr>
+          <p:cNvSpPr/>
+          <p:nvPr/>
+        </p:nvSpPr>
+        <p:spPr>
+          <a:xfrm>
+            <a:off x="1847580" y="1497436"/>
+            <a:ext cx="537328" cy="243406"/>
+          </a:xfrm>
+          <a:prstGeom prst="rect">
+            <a:avLst/>
+          </a:prstGeom>
+          <a:solidFill>
+            <a:schemeClr val="bg1"/>
+          </a:solidFill>
+          <a:ln>
+            <a:solidFill>
+              <a:schemeClr val="bg1">
+                <a:lumMod val="65000"/>
+              </a:schemeClr>
+            </a:solidFill>
+          </a:ln>
+        </p:spPr>
+        <p:style>
+          <a:lnRef idx="2">
+            <a:schemeClr val="accent1">
+              <a:shade val="15000"/>
+            </a:schemeClr>
+          </a:lnRef>
+          <a:fillRef idx="1">
+            <a:schemeClr val="accent1"/>
+          </a:fillRef>
+          <a:effectRef idx="0">
+            <a:schemeClr val="accent1"/>
+          </a:effectRef>
+          <a:fontRef idx="minor">
+            <a:schemeClr val="lt1"/>
+          </a:fontRef>
+        </p:style>
+        <p:txBody>
+          <a:bodyPr rtlCol="0" anchor="ctr"/>
+          <a:lstStyle/>
+          <a:p>
+            <a:pPr algn="ctr"/>
+            <a:endParaRPr lang="es-ES"/>
+          </a:p>
+        </p:txBody>
+      </p:sp>
+      <p:sp>
+        <p:nvSpPr>
+          <p:cNvPr id="21" name="CuadroTexto 20">
+            <a:extLst>
+              <a:ext uri="{FF2B5EF4-FFF2-40B4-BE49-F238E27FC236}">
+                <a16:creationId xmlns:a16="http://schemas.microsoft.com/office/drawing/2014/main" id="{F895FEA7-6F54-FDCC-7E6D-8532AC42914F}"/>
+              </a:ext>
+            </a:extLst>
+          </p:cNvPr>
+          <p:cNvSpPr txBox="1"/>
+          <p:nvPr/>
+        </p:nvSpPr>
+        <p:spPr>
+          <a:xfrm>
+            <a:off x="1826558" y="1497436"/>
+            <a:ext cx="537327" cy="253916"/>
+          </a:xfrm>
+          <a:prstGeom prst="rect">
+            <a:avLst/>
+          </a:prstGeom>
+          <a:noFill/>
+        </p:spPr>
+        <p:txBody>
+          <a:bodyPr wrap="none" rtlCol="0">
+            <a:spAutoFit/>
+          </a:bodyPr>
+          <a:lstStyle/>
+          <a:p>
+            <a:r>
+              <a:rPr lang="es-ES" sz="1050" dirty="0"/>
+              <a:t>Todos</a:t>
+            </a:r>
+          </a:p>
+        </p:txBody>
+      </p:sp>
+    </p:spTree>
+    <p:extLst>
+      <p:ext uri="{BB962C8B-B14F-4D97-AF65-F5344CB8AC3E}">
+        <p14:creationId xmlns:p14="http://schemas.microsoft.com/office/powerpoint/2010/main" val="2214308467"/>
+      </p:ext>
+    </p:extLst>
+  </p:cSld>
+  <p:clrMapOvr>
+    <a:masterClrMapping/>
+  </p:clrMapOvr>
+</p:sld>
+</file>
+
+<file path=ppt/slides/slide3.xml><?xml version="1.0" encoding="utf-8"?>
+<p:sld xmlns:a="http://schemas.openxmlformats.org/drawingml/2006/main" xmlns:r="http://schemas.openxmlformats.org/officeDocument/2006/relationships" xmlns:p="http://schemas.openxmlformats.org/presentationml/2006/main">
+  <p:cSld>
+    <p:spTree>
+      <p:nvGrpSpPr>
+        <p:cNvPr id="1" name="">
+          <a:extLst>
+            <a:ext uri="{FF2B5EF4-FFF2-40B4-BE49-F238E27FC236}">
+              <a16:creationId xmlns:a16="http://schemas.microsoft.com/office/drawing/2014/main" id="{052685DF-EE86-B008-1827-15B4D0A732CF}"/>
+            </a:ext>
+          </a:extLst>
+        </p:cNvPr>
+        <p:cNvGrpSpPr/>
+        <p:nvPr/>
+      </p:nvGrpSpPr>
+      <p:grpSpPr>
+        <a:xfrm>
+          <a:off x="0" y="0"/>
+          <a:ext cx="0" cy="0"/>
+          <a:chOff x="0" y="0"/>
+          <a:chExt cx="0" cy="0"/>
+        </a:xfrm>
+      </p:grpSpPr>
+      <p:sp>
+        <p:nvSpPr>
+          <p:cNvPr id="4" name="Rectángulo 3">
+            <a:extLst>
+              <a:ext uri="{FF2B5EF4-FFF2-40B4-BE49-F238E27FC236}">
+                <a16:creationId xmlns:a16="http://schemas.microsoft.com/office/drawing/2014/main" id="{87DF0889-D0F3-6E2B-A96E-5426064164F3}"/>
+              </a:ext>
+            </a:extLst>
+          </p:cNvPr>
+          <p:cNvSpPr/>
+          <p:nvPr/>
+        </p:nvSpPr>
+        <p:spPr>
+          <a:xfrm>
+            <a:off x="2017609" y="853335"/>
+            <a:ext cx="1339983" cy="277908"/>
+          </a:xfrm>
+          <a:prstGeom prst="rect">
+            <a:avLst/>
+          </a:prstGeom>
+          <a:solidFill>
+            <a:schemeClr val="bg1"/>
+          </a:solidFill>
+          <a:ln>
+            <a:solidFill>
+              <a:schemeClr val="bg1">
+                <a:lumMod val="65000"/>
+              </a:schemeClr>
+            </a:solidFill>
+          </a:ln>
+        </p:spPr>
+        <p:style>
+          <a:lnRef idx="2">
+            <a:schemeClr val="accent1">
+              <a:shade val="15000"/>
+            </a:schemeClr>
+          </a:lnRef>
+          <a:fillRef idx="1">
+            <a:schemeClr val="accent1"/>
+          </a:fillRef>
+          <a:effectRef idx="0">
+            <a:schemeClr val="accent1"/>
+          </a:effectRef>
+          <a:fontRef idx="minor">
+            <a:schemeClr val="lt1"/>
+          </a:fontRef>
+        </p:style>
+        <p:txBody>
+          <a:bodyPr rtlCol="0" anchor="ctr"/>
+          <a:lstStyle/>
+          <a:p>
+            <a:pPr algn="ctr"/>
+            <a:endParaRPr lang="es-ES"/>
+          </a:p>
+        </p:txBody>
+      </p:sp>
+      <p:sp>
+        <p:nvSpPr>
+          <p:cNvPr id="5" name="CuadroTexto 4">
+            <a:extLst>
+              <a:ext uri="{FF2B5EF4-FFF2-40B4-BE49-F238E27FC236}">
+                <a16:creationId xmlns:a16="http://schemas.microsoft.com/office/drawing/2014/main" id="{22846862-9AF1-1B36-390F-D595736C47E6}"/>
+              </a:ext>
+            </a:extLst>
+          </p:cNvPr>
+          <p:cNvSpPr txBox="1"/>
+          <p:nvPr/>
+        </p:nvSpPr>
+        <p:spPr>
+          <a:xfrm>
+            <a:off x="493047" y="317106"/>
+            <a:ext cx="1208857" cy="369332"/>
+          </a:xfrm>
+          <a:prstGeom prst="rect">
+            <a:avLst/>
+          </a:prstGeom>
+          <a:noFill/>
+        </p:spPr>
+        <p:txBody>
+          <a:bodyPr wrap="none" rtlCol="0">
+            <a:spAutoFit/>
+          </a:bodyPr>
+          <a:lstStyle/>
+          <a:p>
+            <a:r>
+              <a:rPr lang="es-ES" dirty="0"/>
+              <a:t>Productos</a:t>
+            </a:r>
+          </a:p>
+        </p:txBody>
+      </p:sp>
+      <p:sp>
+        <p:nvSpPr>
+          <p:cNvPr id="6" name="Rectángulo 5">
+            <a:extLst>
+              <a:ext uri="{FF2B5EF4-FFF2-40B4-BE49-F238E27FC236}">
+                <a16:creationId xmlns:a16="http://schemas.microsoft.com/office/drawing/2014/main" id="{E7843114-3B2C-9FCE-8F4D-3583BC0C98B1}"/>
+              </a:ext>
+            </a:extLst>
+          </p:cNvPr>
+          <p:cNvSpPr/>
+          <p:nvPr/>
+        </p:nvSpPr>
+        <p:spPr>
+          <a:xfrm>
+            <a:off x="3445356" y="853335"/>
+            <a:ext cx="1339983" cy="277908"/>
+          </a:xfrm>
+          <a:prstGeom prst="rect">
+            <a:avLst/>
+          </a:prstGeom>
+          <a:solidFill>
+            <a:schemeClr val="bg1"/>
+          </a:solidFill>
+          <a:ln>
+            <a:solidFill>
+              <a:schemeClr val="bg1">
+                <a:lumMod val="65000"/>
+              </a:schemeClr>
+            </a:solidFill>
+          </a:ln>
+        </p:spPr>
+        <p:style>
+          <a:lnRef idx="2">
+            <a:schemeClr val="accent1">
+              <a:shade val="15000"/>
+            </a:schemeClr>
+          </a:lnRef>
+          <a:fillRef idx="1">
+            <a:schemeClr val="accent1"/>
+          </a:fillRef>
+          <a:effectRef idx="0">
+            <a:schemeClr val="accent1"/>
+          </a:effectRef>
+          <a:fontRef idx="minor">
+            <a:schemeClr val="lt1"/>
+          </a:fontRef>
+        </p:style>
+        <p:txBody>
+          <a:bodyPr rtlCol="0" anchor="ctr"/>
+          <a:lstStyle/>
+          <a:p>
+            <a:pPr algn="ctr"/>
+            <a:endParaRPr lang="es-ES"/>
+          </a:p>
+        </p:txBody>
+      </p:sp>
+      <p:sp>
+        <p:nvSpPr>
+          <p:cNvPr id="7" name="Rectángulo 6">
+            <a:extLst>
+              <a:ext uri="{FF2B5EF4-FFF2-40B4-BE49-F238E27FC236}">
+                <a16:creationId xmlns:a16="http://schemas.microsoft.com/office/drawing/2014/main" id="{4EB83266-A4E3-F32B-AFCB-E6CC7FF0C49E}"/>
+              </a:ext>
+            </a:extLst>
+          </p:cNvPr>
+          <p:cNvSpPr/>
+          <p:nvPr/>
+        </p:nvSpPr>
+        <p:spPr>
+          <a:xfrm>
+            <a:off x="9428590" y="853335"/>
+            <a:ext cx="1339983" cy="277908"/>
+          </a:xfrm>
+          <a:prstGeom prst="rect">
+            <a:avLst/>
+          </a:prstGeom>
+          <a:solidFill>
+            <a:schemeClr val="bg1"/>
+          </a:solidFill>
+          <a:ln>
+            <a:solidFill>
+              <a:schemeClr val="bg1">
+                <a:lumMod val="65000"/>
+              </a:schemeClr>
+            </a:solidFill>
+          </a:ln>
+        </p:spPr>
+        <p:style>
+          <a:lnRef idx="2">
+            <a:schemeClr val="accent1">
+              <a:shade val="15000"/>
+            </a:schemeClr>
+          </a:lnRef>
+          <a:fillRef idx="1">
+            <a:schemeClr val="accent1"/>
+          </a:fillRef>
+          <a:effectRef idx="0">
+            <a:schemeClr val="accent1"/>
+          </a:effectRef>
+          <a:fontRef idx="minor">
+            <a:schemeClr val="lt1"/>
+          </a:fontRef>
+        </p:style>
+        <p:txBody>
+          <a:bodyPr rtlCol="0" anchor="ctr"/>
+          <a:lstStyle/>
+          <a:p>
+            <a:pPr algn="ctr"/>
+            <a:endParaRPr lang="es-ES"/>
+          </a:p>
+        </p:txBody>
+      </p:sp>
+      <p:sp>
+        <p:nvSpPr>
+          <p:cNvPr id="9" name="CuadroTexto 8">
+            <a:extLst>
+              <a:ext uri="{FF2B5EF4-FFF2-40B4-BE49-F238E27FC236}">
+                <a16:creationId xmlns:a16="http://schemas.microsoft.com/office/drawing/2014/main" id="{AC50B96A-0AEF-CE4E-F63B-8A7F33053984}"/>
+              </a:ext>
+            </a:extLst>
+          </p:cNvPr>
+          <p:cNvSpPr txBox="1"/>
+          <p:nvPr/>
+        </p:nvSpPr>
+        <p:spPr>
+          <a:xfrm>
+            <a:off x="2127992" y="865331"/>
+            <a:ext cx="1119217" cy="253916"/>
+          </a:xfrm>
+          <a:prstGeom prst="rect">
+            <a:avLst/>
+          </a:prstGeom>
+          <a:noFill/>
+        </p:spPr>
+        <p:txBody>
+          <a:bodyPr wrap="none" rtlCol="0">
+            <a:spAutoFit/>
+          </a:bodyPr>
+          <a:lstStyle/>
+          <a:p>
+            <a:r>
+              <a:rPr lang="es-ES" sz="1050" dirty="0"/>
+              <a:t>Entrada S/15.00</a:t>
+            </a:r>
+          </a:p>
+        </p:txBody>
+      </p:sp>
+      <p:sp>
+        <p:nvSpPr>
+          <p:cNvPr id="10" name="CuadroTexto 9">
+            <a:extLst>
+              <a:ext uri="{FF2B5EF4-FFF2-40B4-BE49-F238E27FC236}">
+                <a16:creationId xmlns:a16="http://schemas.microsoft.com/office/drawing/2014/main" id="{BE30A61E-9A63-1E8C-2176-8BE28A2159BA}"/>
+              </a:ext>
+            </a:extLst>
+          </p:cNvPr>
+          <p:cNvSpPr txBox="1"/>
+          <p:nvPr/>
+        </p:nvSpPr>
+        <p:spPr>
+          <a:xfrm>
+            <a:off x="3555738" y="865331"/>
+            <a:ext cx="1119217" cy="253916"/>
+          </a:xfrm>
+          <a:prstGeom prst="rect">
+            <a:avLst/>
+          </a:prstGeom>
+          <a:noFill/>
+        </p:spPr>
+        <p:txBody>
+          <a:bodyPr wrap="none" rtlCol="0">
+            <a:spAutoFit/>
+          </a:bodyPr>
+          <a:lstStyle/>
+          <a:p>
+            <a:r>
+              <a:rPr lang="es-ES" sz="1050" dirty="0"/>
+              <a:t>Entrada S/20.00</a:t>
+            </a:r>
+          </a:p>
+        </p:txBody>
+      </p:sp>
+      <p:sp>
+        <p:nvSpPr>
+          <p:cNvPr id="11" name="Rectángulo 10">
+            <a:extLst>
+              <a:ext uri="{FF2B5EF4-FFF2-40B4-BE49-F238E27FC236}">
+                <a16:creationId xmlns:a16="http://schemas.microsoft.com/office/drawing/2014/main" id="{5ABE8372-61DF-6EAF-6A66-1506533D2171}"/>
+              </a:ext>
+            </a:extLst>
+          </p:cNvPr>
+          <p:cNvSpPr/>
+          <p:nvPr/>
+        </p:nvSpPr>
+        <p:spPr>
+          <a:xfrm>
+            <a:off x="10856337" y="841339"/>
+            <a:ext cx="1339983" cy="277908"/>
+          </a:xfrm>
+          <a:prstGeom prst="rect">
+            <a:avLst/>
+          </a:prstGeom>
+          <a:solidFill>
+            <a:schemeClr val="bg1"/>
+          </a:solidFill>
+          <a:ln>
+            <a:solidFill>
+              <a:schemeClr val="bg1">
+                <a:lumMod val="65000"/>
+              </a:schemeClr>
+            </a:solidFill>
+          </a:ln>
+        </p:spPr>
+        <p:style>
+          <a:lnRef idx="2">
+            <a:schemeClr val="accent1">
+              <a:shade val="15000"/>
+            </a:schemeClr>
+          </a:lnRef>
+          <a:fillRef idx="1">
+            <a:schemeClr val="accent1"/>
+          </a:fillRef>
+          <a:effectRef idx="0">
+            <a:schemeClr val="accent1"/>
+          </a:effectRef>
+          <a:fontRef idx="minor">
+            <a:schemeClr val="lt1"/>
+          </a:fontRef>
+        </p:style>
+        <p:txBody>
+          <a:bodyPr rtlCol="0" anchor="ctr"/>
+          <a:lstStyle/>
+          <a:p>
+            <a:pPr algn="ctr"/>
+            <a:endParaRPr lang="es-ES"/>
+          </a:p>
+        </p:txBody>
+      </p:sp>
+      <p:sp>
+        <p:nvSpPr>
+          <p:cNvPr id="14" name="CuadroTexto 13">
+            <a:extLst>
+              <a:ext uri="{FF2B5EF4-FFF2-40B4-BE49-F238E27FC236}">
+                <a16:creationId xmlns:a16="http://schemas.microsoft.com/office/drawing/2014/main" id="{862EFA22-A6FE-14EB-5BE5-DCF13D63A7DD}"/>
+              </a:ext>
+            </a:extLst>
+          </p:cNvPr>
+          <p:cNvSpPr txBox="1"/>
+          <p:nvPr/>
+        </p:nvSpPr>
+        <p:spPr>
+          <a:xfrm>
+            <a:off x="9825910" y="865331"/>
+            <a:ext cx="545342" cy="253916"/>
+          </a:xfrm>
+          <a:prstGeom prst="rect">
+            <a:avLst/>
+          </a:prstGeom>
+          <a:noFill/>
+        </p:spPr>
+        <p:txBody>
+          <a:bodyPr wrap="none" rtlCol="0">
+            <a:spAutoFit/>
+          </a:bodyPr>
+          <a:lstStyle/>
+          <a:p>
+            <a:r>
+              <a:rPr lang="es-ES" sz="1050" dirty="0"/>
+              <a:t>Extras</a:t>
+            </a:r>
+          </a:p>
+        </p:txBody>
+      </p:sp>
+      <p:sp>
+        <p:nvSpPr>
+          <p:cNvPr id="15" name="CuadroTexto 14">
+            <a:extLst>
+              <a:ext uri="{FF2B5EF4-FFF2-40B4-BE49-F238E27FC236}">
+                <a16:creationId xmlns:a16="http://schemas.microsoft.com/office/drawing/2014/main" id="{FF3625C1-EF41-2298-2F46-366E21B5EA53}"/>
+              </a:ext>
+            </a:extLst>
+          </p:cNvPr>
+          <p:cNvSpPr txBox="1"/>
+          <p:nvPr/>
+        </p:nvSpPr>
+        <p:spPr>
+          <a:xfrm>
+            <a:off x="11165893" y="846448"/>
+            <a:ext cx="681597" cy="253916"/>
+          </a:xfrm>
+          <a:prstGeom prst="rect">
+            <a:avLst/>
+          </a:prstGeom>
+          <a:noFill/>
+        </p:spPr>
+        <p:txBody>
+          <a:bodyPr wrap="none" rtlCol="0">
+            <a:spAutoFit/>
+          </a:bodyPr>
+          <a:lstStyle/>
+          <a:p>
+            <a:r>
+              <a:rPr lang="es-ES" sz="1050" dirty="0"/>
+              <a:t>Combos</a:t>
+            </a:r>
+          </a:p>
+        </p:txBody>
+      </p:sp>
+      <p:sp>
+        <p:nvSpPr>
+          <p:cNvPr id="16" name="Rectángulo 15">
+            <a:extLst>
+              <a:ext uri="{FF2B5EF4-FFF2-40B4-BE49-F238E27FC236}">
+                <a16:creationId xmlns:a16="http://schemas.microsoft.com/office/drawing/2014/main" id="{EBB31FCE-8A56-08F4-0D34-71498F648062}"/>
+              </a:ext>
+            </a:extLst>
+          </p:cNvPr>
+          <p:cNvSpPr/>
+          <p:nvPr/>
+        </p:nvSpPr>
+        <p:spPr>
+          <a:xfrm>
+            <a:off x="572200" y="1131243"/>
+            <a:ext cx="10705400" cy="4216934"/>
+          </a:xfrm>
+          <a:prstGeom prst="rect">
+            <a:avLst/>
+          </a:prstGeom>
+          <a:solidFill>
+            <a:schemeClr val="bg1"/>
+          </a:solidFill>
+          <a:ln>
+            <a:solidFill>
+              <a:schemeClr val="bg1">
+                <a:lumMod val="65000"/>
+              </a:schemeClr>
+            </a:solidFill>
+          </a:ln>
+        </p:spPr>
+        <p:style>
+          <a:lnRef idx="2">
+            <a:schemeClr val="accent1">
+              <a:shade val="15000"/>
+            </a:schemeClr>
+          </a:lnRef>
+          <a:fillRef idx="1">
+            <a:schemeClr val="accent1"/>
+          </a:fillRef>
+          <a:effectRef idx="0">
+            <a:schemeClr val="accent1"/>
+          </a:effectRef>
+          <a:fontRef idx="minor">
+            <a:schemeClr val="lt1"/>
+          </a:fontRef>
+        </p:style>
+        <p:txBody>
+          <a:bodyPr rtlCol="0" anchor="ctr"/>
+          <a:lstStyle/>
+          <a:p>
+            <a:pPr algn="ctr"/>
+            <a:endParaRPr lang="es-ES"/>
+          </a:p>
+        </p:txBody>
+      </p:sp>
+      <p:sp>
+        <p:nvSpPr>
+          <p:cNvPr id="46" name="Rectángulo 45">
+            <a:extLst>
+              <a:ext uri="{FF2B5EF4-FFF2-40B4-BE49-F238E27FC236}">
+                <a16:creationId xmlns:a16="http://schemas.microsoft.com/office/drawing/2014/main" id="{4FD6AEC0-F0EA-D741-AD07-FAC21158A8F7}"/>
+              </a:ext>
+            </a:extLst>
+          </p:cNvPr>
+          <p:cNvSpPr/>
+          <p:nvPr/>
+        </p:nvSpPr>
+        <p:spPr>
+          <a:xfrm>
+            <a:off x="4959545" y="847337"/>
+            <a:ext cx="1339983" cy="277908"/>
+          </a:xfrm>
+          <a:prstGeom prst="rect">
+            <a:avLst/>
+          </a:prstGeom>
+          <a:solidFill>
+            <a:schemeClr val="bg1"/>
+          </a:solidFill>
+          <a:ln>
+            <a:solidFill>
+              <a:schemeClr val="bg1">
+                <a:lumMod val="65000"/>
+              </a:schemeClr>
+            </a:solidFill>
+          </a:ln>
+        </p:spPr>
+        <p:style>
+          <a:lnRef idx="2">
+            <a:schemeClr val="accent1">
+              <a:shade val="15000"/>
+            </a:schemeClr>
+          </a:lnRef>
+          <a:fillRef idx="1">
+            <a:schemeClr val="accent1"/>
+          </a:fillRef>
+          <a:effectRef idx="0">
+            <a:schemeClr val="accent1"/>
+          </a:effectRef>
+          <a:fontRef idx="minor">
+            <a:schemeClr val="lt1"/>
+          </a:fontRef>
+        </p:style>
+        <p:txBody>
+          <a:bodyPr rtlCol="0" anchor="ctr"/>
+          <a:lstStyle/>
+          <a:p>
+            <a:pPr algn="ctr"/>
+            <a:endParaRPr lang="es-ES"/>
+          </a:p>
+        </p:txBody>
+      </p:sp>
+      <p:sp>
+        <p:nvSpPr>
+          <p:cNvPr id="47" name="Rectángulo 46">
+            <a:extLst>
+              <a:ext uri="{FF2B5EF4-FFF2-40B4-BE49-F238E27FC236}">
+                <a16:creationId xmlns:a16="http://schemas.microsoft.com/office/drawing/2014/main" id="{8BDC522F-2CDA-42EA-BE9A-A583784A833C}"/>
+              </a:ext>
+            </a:extLst>
+          </p:cNvPr>
+          <p:cNvSpPr/>
+          <p:nvPr/>
+        </p:nvSpPr>
+        <p:spPr>
+          <a:xfrm>
+            <a:off x="6387292" y="847337"/>
+            <a:ext cx="1339983" cy="277908"/>
+          </a:xfrm>
+          <a:prstGeom prst="rect">
+            <a:avLst/>
+          </a:prstGeom>
+          <a:solidFill>
+            <a:schemeClr val="bg1"/>
+          </a:solidFill>
+          <a:ln>
+            <a:solidFill>
+              <a:schemeClr val="bg1">
+                <a:lumMod val="65000"/>
+              </a:schemeClr>
+            </a:solidFill>
+          </a:ln>
+        </p:spPr>
+        <p:style>
+          <a:lnRef idx="2">
+            <a:schemeClr val="accent1">
+              <a:shade val="15000"/>
+            </a:schemeClr>
+          </a:lnRef>
+          <a:fillRef idx="1">
+            <a:schemeClr val="accent1"/>
+          </a:fillRef>
+          <a:effectRef idx="0">
+            <a:schemeClr val="accent1"/>
+          </a:effectRef>
+          <a:fontRef idx="minor">
+            <a:schemeClr val="lt1"/>
+          </a:fontRef>
+        </p:style>
+        <p:txBody>
+          <a:bodyPr rtlCol="0" anchor="ctr"/>
+          <a:lstStyle/>
+          <a:p>
+            <a:pPr algn="ctr"/>
+            <a:endParaRPr lang="es-ES"/>
+          </a:p>
+        </p:txBody>
+      </p:sp>
+      <p:sp>
+        <p:nvSpPr>
+          <p:cNvPr id="48" name="CuadroTexto 47">
+            <a:extLst>
+              <a:ext uri="{FF2B5EF4-FFF2-40B4-BE49-F238E27FC236}">
+                <a16:creationId xmlns:a16="http://schemas.microsoft.com/office/drawing/2014/main" id="{3EED93DB-3598-66BE-0724-365B1E39E5B6}"/>
+              </a:ext>
+            </a:extLst>
+          </p:cNvPr>
+          <p:cNvSpPr txBox="1"/>
+          <p:nvPr/>
+        </p:nvSpPr>
+        <p:spPr>
+          <a:xfrm>
+            <a:off x="5069928" y="859333"/>
+            <a:ext cx="1029449" cy="253916"/>
+          </a:xfrm>
+          <a:prstGeom prst="rect">
+            <a:avLst/>
+          </a:prstGeom>
+          <a:noFill/>
+        </p:spPr>
+        <p:txBody>
+          <a:bodyPr wrap="none" rtlCol="0">
+            <a:spAutoFit/>
+          </a:bodyPr>
+          <a:lstStyle/>
+          <a:p>
+            <a:r>
+              <a:rPr lang="es-ES" sz="1050" dirty="0"/>
+              <a:t>Fondo S/15.00</a:t>
+            </a:r>
+          </a:p>
+        </p:txBody>
+      </p:sp>
+      <p:sp>
+        <p:nvSpPr>
+          <p:cNvPr id="49" name="CuadroTexto 48">
+            <a:extLst>
+              <a:ext uri="{FF2B5EF4-FFF2-40B4-BE49-F238E27FC236}">
+                <a16:creationId xmlns:a16="http://schemas.microsoft.com/office/drawing/2014/main" id="{AF3192D1-C201-F8BB-C5EC-5CA748D4A5EF}"/>
+              </a:ext>
+            </a:extLst>
+          </p:cNvPr>
+          <p:cNvSpPr txBox="1"/>
+          <p:nvPr/>
+        </p:nvSpPr>
+        <p:spPr>
+          <a:xfrm>
+            <a:off x="6497674" y="859333"/>
+            <a:ext cx="1029449" cy="253916"/>
+          </a:xfrm>
+          <a:prstGeom prst="rect">
+            <a:avLst/>
+          </a:prstGeom>
+          <a:noFill/>
+        </p:spPr>
+        <p:txBody>
+          <a:bodyPr wrap="none" rtlCol="0">
+            <a:spAutoFit/>
+          </a:bodyPr>
+          <a:lstStyle/>
+          <a:p>
+            <a:r>
+              <a:rPr lang="es-ES" sz="1050" dirty="0"/>
+              <a:t>Fondo S/20.00</a:t>
+            </a:r>
+          </a:p>
+        </p:txBody>
+      </p:sp>
+      <p:sp>
+        <p:nvSpPr>
+          <p:cNvPr id="51" name="Rectángulo 50">
+            <a:extLst>
+              <a:ext uri="{FF2B5EF4-FFF2-40B4-BE49-F238E27FC236}">
+                <a16:creationId xmlns:a16="http://schemas.microsoft.com/office/drawing/2014/main" id="{B7060474-BAE3-B49D-05FA-08B1D6B5B231}"/>
+              </a:ext>
+            </a:extLst>
+          </p:cNvPr>
+          <p:cNvSpPr/>
+          <p:nvPr/>
+        </p:nvSpPr>
+        <p:spPr>
+          <a:xfrm>
+            <a:off x="583795" y="5660915"/>
+            <a:ext cx="1914078" cy="277908"/>
+          </a:xfrm>
+          <a:prstGeom prst="rect">
+            <a:avLst/>
+          </a:prstGeom>
+          <a:solidFill>
+            <a:schemeClr val="bg1">
+              <a:lumMod val="85000"/>
+            </a:schemeClr>
+          </a:solidFill>
+          <a:ln>
+            <a:solidFill>
+              <a:schemeClr val="bg1">
+                <a:lumMod val="65000"/>
+              </a:schemeClr>
+            </a:solidFill>
+          </a:ln>
+        </p:spPr>
+        <p:style>
+          <a:lnRef idx="2">
+            <a:schemeClr val="accent1">
+              <a:shade val="15000"/>
+            </a:schemeClr>
+          </a:lnRef>
+          <a:fillRef idx="1">
+            <a:schemeClr val="accent1"/>
+          </a:fillRef>
+          <a:effectRef idx="0">
+            <a:schemeClr val="accent1"/>
+          </a:effectRef>
+          <a:fontRef idx="minor">
+            <a:schemeClr val="lt1"/>
+          </a:fontRef>
+        </p:style>
+        <p:txBody>
+          <a:bodyPr rtlCol="0" anchor="ctr"/>
+          <a:lstStyle/>
+          <a:p>
+            <a:pPr algn="ctr"/>
+            <a:endParaRPr lang="es-ES"/>
+          </a:p>
+        </p:txBody>
+      </p:sp>
+      <p:sp>
+        <p:nvSpPr>
+          <p:cNvPr id="52" name="CuadroTexto 51">
+            <a:extLst>
+              <a:ext uri="{FF2B5EF4-FFF2-40B4-BE49-F238E27FC236}">
+                <a16:creationId xmlns:a16="http://schemas.microsoft.com/office/drawing/2014/main" id="{DE1D3DDC-D205-0D4F-5D56-6FC6483568AC}"/>
+              </a:ext>
+            </a:extLst>
+          </p:cNvPr>
+          <p:cNvSpPr txBox="1"/>
+          <p:nvPr/>
+        </p:nvSpPr>
+        <p:spPr>
+          <a:xfrm>
+            <a:off x="765601" y="5681002"/>
+            <a:ext cx="1532792" cy="253916"/>
+          </a:xfrm>
+          <a:prstGeom prst="rect">
+            <a:avLst/>
+          </a:prstGeom>
+          <a:noFill/>
+        </p:spPr>
+        <p:txBody>
+          <a:bodyPr wrap="none" rtlCol="0">
+            <a:spAutoFit/>
+          </a:bodyPr>
+          <a:lstStyle/>
+          <a:p>
+            <a:r>
+              <a:rPr lang="es-ES" sz="1050" b="1" dirty="0"/>
+              <a:t>AGREGAR PRODUCTO</a:t>
+            </a:r>
+          </a:p>
+        </p:txBody>
+      </p:sp>
+      <p:sp>
+        <p:nvSpPr>
+          <p:cNvPr id="3" name="CuadroTexto 2">
+            <a:extLst>
+              <a:ext uri="{FF2B5EF4-FFF2-40B4-BE49-F238E27FC236}">
+                <a16:creationId xmlns:a16="http://schemas.microsoft.com/office/drawing/2014/main" id="{EA45C27A-4333-B542-3C98-1E2BFDFA6974}"/>
+              </a:ext>
+            </a:extLst>
+          </p:cNvPr>
+          <p:cNvSpPr txBox="1"/>
+          <p:nvPr/>
+        </p:nvSpPr>
+        <p:spPr>
+          <a:xfrm>
+            <a:off x="11527777" y="2950433"/>
+            <a:ext cx="862737" cy="253916"/>
+          </a:xfrm>
+          <a:prstGeom prst="rect">
+            <a:avLst/>
+          </a:prstGeom>
+          <a:noFill/>
+        </p:spPr>
+        <p:txBody>
+          <a:bodyPr wrap="none" rtlCol="0">
+            <a:spAutoFit/>
+          </a:bodyPr>
+          <a:lstStyle/>
+          <a:p>
+            <a:r>
+              <a:rPr lang="es-ES" sz="1050" dirty="0"/>
+              <a:t>15 registros</a:t>
+            </a:r>
+          </a:p>
+        </p:txBody>
+      </p:sp>
+      <p:sp>
+        <p:nvSpPr>
+          <p:cNvPr id="8" name="Cerrar llave 7">
+            <a:extLst>
+              <a:ext uri="{FF2B5EF4-FFF2-40B4-BE49-F238E27FC236}">
+                <a16:creationId xmlns:a16="http://schemas.microsoft.com/office/drawing/2014/main" id="{B49B2827-C40F-51B2-8DF6-FBCABB7A90EB}"/>
+              </a:ext>
+            </a:extLst>
+          </p:cNvPr>
+          <p:cNvSpPr/>
+          <p:nvPr/>
+        </p:nvSpPr>
+        <p:spPr>
+          <a:xfrm>
+            <a:off x="11176350" y="1813241"/>
+            <a:ext cx="320046" cy="2528300"/>
+          </a:xfrm>
+          <a:prstGeom prst="rightBrace">
+            <a:avLst/>
+          </a:prstGeom>
+        </p:spPr>
+        <p:style>
+          <a:lnRef idx="2">
+            <a:schemeClr val="accent1"/>
+          </a:lnRef>
+          <a:fillRef idx="0">
+            <a:schemeClr val="accent1"/>
+          </a:fillRef>
+          <a:effectRef idx="1">
+            <a:schemeClr val="accent1"/>
+          </a:effectRef>
+          <a:fontRef idx="minor">
+            <a:schemeClr val="tx1"/>
+          </a:fontRef>
+        </p:style>
+        <p:txBody>
+          <a:bodyPr rtlCol="0" anchor="ctr"/>
+          <a:lstStyle/>
+          <a:p>
+            <a:pPr algn="ctr"/>
+            <a:endParaRPr lang="es-ES"/>
+          </a:p>
+        </p:txBody>
+      </p:sp>
+      <p:sp>
+        <p:nvSpPr>
+          <p:cNvPr id="22" name="Rectángulo 21">
+            <a:extLst>
+              <a:ext uri="{FF2B5EF4-FFF2-40B4-BE49-F238E27FC236}">
+                <a16:creationId xmlns:a16="http://schemas.microsoft.com/office/drawing/2014/main" id="{745886EF-28A4-0321-906A-74CD3851E971}"/>
+              </a:ext>
+            </a:extLst>
+          </p:cNvPr>
+          <p:cNvSpPr/>
+          <p:nvPr/>
+        </p:nvSpPr>
+        <p:spPr>
+          <a:xfrm>
+            <a:off x="573453" y="858291"/>
+            <a:ext cx="1339983" cy="277908"/>
+          </a:xfrm>
+          <a:prstGeom prst="rect">
+            <a:avLst/>
+          </a:prstGeom>
+          <a:solidFill>
+            <a:schemeClr val="bg1"/>
+          </a:solidFill>
+          <a:ln>
+            <a:solidFill>
+              <a:schemeClr val="bg1">
+                <a:lumMod val="65000"/>
+              </a:schemeClr>
+            </a:solidFill>
+          </a:ln>
+        </p:spPr>
+        <p:style>
+          <a:lnRef idx="2">
+            <a:schemeClr val="accent1">
+              <a:shade val="15000"/>
+            </a:schemeClr>
+          </a:lnRef>
+          <a:fillRef idx="1">
+            <a:schemeClr val="accent1"/>
+          </a:fillRef>
+          <a:effectRef idx="0">
+            <a:schemeClr val="accent1"/>
+          </a:effectRef>
+          <a:fontRef idx="minor">
+            <a:schemeClr val="lt1"/>
+          </a:fontRef>
+        </p:style>
+        <p:txBody>
+          <a:bodyPr rtlCol="0" anchor="ctr"/>
+          <a:lstStyle/>
+          <a:p>
+            <a:pPr algn="ctr"/>
+            <a:endParaRPr lang="es-ES"/>
+          </a:p>
+        </p:txBody>
+      </p:sp>
+      <p:sp>
+        <p:nvSpPr>
+          <p:cNvPr id="31" name="CuadroTexto 30">
+            <a:extLst>
+              <a:ext uri="{FF2B5EF4-FFF2-40B4-BE49-F238E27FC236}">
+                <a16:creationId xmlns:a16="http://schemas.microsoft.com/office/drawing/2014/main" id="{92808ABC-DF79-AF66-E196-71107F7D5B9F}"/>
+              </a:ext>
+            </a:extLst>
+          </p:cNvPr>
+          <p:cNvSpPr txBox="1"/>
+          <p:nvPr/>
+        </p:nvSpPr>
+        <p:spPr>
+          <a:xfrm>
+            <a:off x="1015923" y="870287"/>
+            <a:ext cx="537327" cy="253916"/>
+          </a:xfrm>
+          <a:prstGeom prst="rect">
+            <a:avLst/>
+          </a:prstGeom>
+          <a:noFill/>
+        </p:spPr>
+        <p:txBody>
+          <a:bodyPr wrap="none" rtlCol="0">
+            <a:spAutoFit/>
+          </a:bodyPr>
+          <a:lstStyle/>
+          <a:p>
+            <a:r>
+              <a:rPr lang="es-ES" sz="1050" dirty="0"/>
+              <a:t>Todos</a:t>
+            </a:r>
+          </a:p>
+        </p:txBody>
+      </p:sp>
+      <p:sp>
+        <p:nvSpPr>
+          <p:cNvPr id="45" name="Rectángulo 44">
+            <a:extLst>
+              <a:ext uri="{FF2B5EF4-FFF2-40B4-BE49-F238E27FC236}">
+                <a16:creationId xmlns:a16="http://schemas.microsoft.com/office/drawing/2014/main" id="{1ED90881-A7EE-D255-F46B-911CA9CD3B5D}"/>
+              </a:ext>
+            </a:extLst>
+          </p:cNvPr>
+          <p:cNvSpPr/>
+          <p:nvPr/>
+        </p:nvSpPr>
+        <p:spPr>
+          <a:xfrm>
+            <a:off x="7908357" y="847337"/>
+            <a:ext cx="1339983" cy="277908"/>
+          </a:xfrm>
+          <a:prstGeom prst="rect">
+            <a:avLst/>
+          </a:prstGeom>
+          <a:solidFill>
+            <a:schemeClr val="bg1"/>
+          </a:solidFill>
+          <a:ln>
+            <a:solidFill>
+              <a:schemeClr val="bg1">
+                <a:lumMod val="65000"/>
+              </a:schemeClr>
+            </a:solidFill>
+          </a:ln>
+        </p:spPr>
+        <p:style>
+          <a:lnRef idx="2">
+            <a:schemeClr val="accent1">
+              <a:shade val="15000"/>
+            </a:schemeClr>
+          </a:lnRef>
+          <a:fillRef idx="1">
+            <a:schemeClr val="accent1"/>
+          </a:fillRef>
+          <a:effectRef idx="0">
+            <a:schemeClr val="accent1"/>
+          </a:effectRef>
+          <a:fontRef idx="minor">
+            <a:schemeClr val="lt1"/>
+          </a:fontRef>
+        </p:style>
+        <p:txBody>
+          <a:bodyPr rtlCol="0" anchor="ctr"/>
+          <a:lstStyle/>
+          <a:p>
+            <a:pPr algn="ctr"/>
+            <a:endParaRPr lang="es-ES"/>
+          </a:p>
+        </p:txBody>
+      </p:sp>
+      <p:sp>
+        <p:nvSpPr>
+          <p:cNvPr id="50" name="CuadroTexto 49">
+            <a:extLst>
+              <a:ext uri="{FF2B5EF4-FFF2-40B4-BE49-F238E27FC236}">
+                <a16:creationId xmlns:a16="http://schemas.microsoft.com/office/drawing/2014/main" id="{E2E84ED3-5885-6C22-F320-4E89A56C98EA}"/>
+              </a:ext>
+            </a:extLst>
+          </p:cNvPr>
+          <p:cNvSpPr txBox="1"/>
+          <p:nvPr/>
+        </p:nvSpPr>
+        <p:spPr>
+          <a:xfrm>
+            <a:off x="8305677" y="859333"/>
+            <a:ext cx="510076" cy="253916"/>
+          </a:xfrm>
+          <a:prstGeom prst="rect">
+            <a:avLst/>
+          </a:prstGeom>
+          <a:noFill/>
+        </p:spPr>
+        <p:txBody>
+          <a:bodyPr wrap="none" rtlCol="0">
+            <a:spAutoFit/>
+          </a:bodyPr>
+          <a:lstStyle/>
+          <a:p>
+            <a:r>
+              <a:rPr lang="es-ES" sz="1050" dirty="0"/>
+              <a:t>Carta</a:t>
+            </a:r>
+          </a:p>
+        </p:txBody>
+      </p:sp>
+      <p:sp>
+        <p:nvSpPr>
+          <p:cNvPr id="53" name="CuadroTexto 52">
+            <a:extLst>
+              <a:ext uri="{FF2B5EF4-FFF2-40B4-BE49-F238E27FC236}">
+                <a16:creationId xmlns:a16="http://schemas.microsoft.com/office/drawing/2014/main" id="{EC97A009-E58F-4F89-00CE-37E5AFA3B4D8}"/>
+              </a:ext>
+            </a:extLst>
+          </p:cNvPr>
+          <p:cNvSpPr txBox="1"/>
+          <p:nvPr/>
+        </p:nvSpPr>
+        <p:spPr>
+          <a:xfrm>
+            <a:off x="654942" y="1279935"/>
+            <a:ext cx="1415772" cy="253916"/>
+          </a:xfrm>
+          <a:prstGeom prst="rect">
+            <a:avLst/>
+          </a:prstGeom>
+          <a:noFill/>
+        </p:spPr>
+        <p:txBody>
+          <a:bodyPr wrap="none" rtlCol="0">
+            <a:spAutoFit/>
+          </a:bodyPr>
+          <a:lstStyle/>
+          <a:p>
+            <a:r>
+              <a:rPr lang="es-ES" sz="1050" dirty="0"/>
+              <a:t>BUSCAR PRODUCTO</a:t>
+            </a:r>
+          </a:p>
+        </p:txBody>
+      </p:sp>
+      <p:sp>
+        <p:nvSpPr>
+          <p:cNvPr id="54" name="Rectángulo 53">
+            <a:extLst>
+              <a:ext uri="{FF2B5EF4-FFF2-40B4-BE49-F238E27FC236}">
+                <a16:creationId xmlns:a16="http://schemas.microsoft.com/office/drawing/2014/main" id="{00088053-60B5-BB01-2A61-2A9DCB4E1079}"/>
+              </a:ext>
+            </a:extLst>
+          </p:cNvPr>
+          <p:cNvSpPr/>
+          <p:nvPr/>
+        </p:nvSpPr>
+        <p:spPr>
+          <a:xfrm>
+            <a:off x="2017609" y="1238640"/>
+            <a:ext cx="2767730" cy="295212"/>
+          </a:xfrm>
+          <a:prstGeom prst="rect">
+            <a:avLst/>
+          </a:prstGeom>
+          <a:solidFill>
+            <a:schemeClr val="bg1"/>
+          </a:solidFill>
+          <a:ln>
+            <a:solidFill>
+              <a:schemeClr val="bg1">
+                <a:lumMod val="65000"/>
+              </a:schemeClr>
+            </a:solidFill>
+          </a:ln>
+        </p:spPr>
+        <p:style>
+          <a:lnRef idx="2">
+            <a:schemeClr val="accent1">
+              <a:shade val="15000"/>
+            </a:schemeClr>
+          </a:lnRef>
+          <a:fillRef idx="1">
+            <a:schemeClr val="accent1"/>
+          </a:fillRef>
+          <a:effectRef idx="0">
+            <a:schemeClr val="accent1"/>
+          </a:effectRef>
+          <a:fontRef idx="minor">
+            <a:schemeClr val="lt1"/>
+          </a:fontRef>
+        </p:style>
+        <p:txBody>
+          <a:bodyPr rtlCol="0" anchor="ctr"/>
+          <a:lstStyle/>
+          <a:p>
+            <a:pPr algn="ctr"/>
+            <a:endParaRPr lang="es-ES"/>
+          </a:p>
+        </p:txBody>
+      </p:sp>
+      <p:pic>
+        <p:nvPicPr>
+          <p:cNvPr id="56" name="Imagen 55" descr="Interfaz de usuario gráfica, Aplicación&#10;&#10;Descripción generada automáticamente">
+            <a:extLst>
+              <a:ext uri="{FF2B5EF4-FFF2-40B4-BE49-F238E27FC236}">
+                <a16:creationId xmlns:a16="http://schemas.microsoft.com/office/drawing/2014/main" id="{BA799D1B-602B-293A-9376-D7A10413883D}"/>
+              </a:ext>
+            </a:extLst>
+          </p:cNvPr>
+          <p:cNvPicPr>
+            <a:picLocks noChangeAspect="1"/>
+          </p:cNvPicPr>
+          <p:nvPr/>
+        </p:nvPicPr>
+        <p:blipFill rotWithShape="1">
+          <a:blip r:embed="rId2"/>
+          <a:srcRect l="18305" t="26322" r="54728" b="20913"/>
+          <a:stretch/>
+        </p:blipFill>
+        <p:spPr>
+          <a:xfrm>
+            <a:off x="654942" y="1654586"/>
+            <a:ext cx="3172203" cy="3572855"/>
+          </a:xfrm>
+          <a:prstGeom prst="rect">
+            <a:avLst/>
+          </a:prstGeom>
+        </p:spPr>
+      </p:pic>
+      <p:pic>
+        <p:nvPicPr>
+          <p:cNvPr id="57" name="Imagen 56" descr="Interfaz de usuario gráfica, Aplicación&#10;&#10;Descripción generada automáticamente">
+            <a:extLst>
+              <a:ext uri="{FF2B5EF4-FFF2-40B4-BE49-F238E27FC236}">
+                <a16:creationId xmlns:a16="http://schemas.microsoft.com/office/drawing/2014/main" id="{6F699809-075D-66B4-628C-D455B066C657}"/>
+              </a:ext>
+            </a:extLst>
+          </p:cNvPr>
+          <p:cNvPicPr>
+            <a:picLocks noChangeAspect="1"/>
+          </p:cNvPicPr>
+          <p:nvPr/>
+        </p:nvPicPr>
+        <p:blipFill rotWithShape="1">
+          <a:blip r:embed="rId2"/>
+          <a:srcRect l="46088" t="26322" r="3769" b="20913"/>
+          <a:stretch/>
+        </p:blipFill>
+        <p:spPr>
+          <a:xfrm>
+            <a:off x="5069928" y="1641936"/>
+            <a:ext cx="5898458" cy="3572855"/>
+          </a:xfrm>
+          <a:prstGeom prst="rect">
+            <a:avLst/>
+          </a:prstGeom>
+        </p:spPr>
+      </p:pic>
+      <p:sp>
+        <p:nvSpPr>
+          <p:cNvPr id="58" name="CuadroTexto 57">
+            <a:extLst>
+              <a:ext uri="{FF2B5EF4-FFF2-40B4-BE49-F238E27FC236}">
+                <a16:creationId xmlns:a16="http://schemas.microsoft.com/office/drawing/2014/main" id="{3EAFE4B0-57AB-5E95-16FC-ED61122C70CD}"/>
+              </a:ext>
+            </a:extLst>
+          </p:cNvPr>
+          <p:cNvSpPr txBox="1"/>
+          <p:nvPr/>
+        </p:nvSpPr>
+        <p:spPr>
+          <a:xfrm>
+            <a:off x="4086947" y="1724741"/>
+            <a:ext cx="752129" cy="253916"/>
+          </a:xfrm>
+          <a:prstGeom prst="rect">
+            <a:avLst/>
+          </a:prstGeom>
+          <a:noFill/>
+        </p:spPr>
+        <p:txBody>
+          <a:bodyPr wrap="none" rtlCol="0">
+            <a:spAutoFit/>
+          </a:bodyPr>
+          <a:lstStyle/>
+          <a:p>
+            <a:r>
+              <a:rPr lang="es-ES" sz="1050" dirty="0"/>
+              <a:t>Categoría</a:t>
+            </a:r>
+          </a:p>
+        </p:txBody>
+      </p:sp>
+      <p:sp>
+        <p:nvSpPr>
+          <p:cNvPr id="59" name="CuadroTexto 58">
+            <a:extLst>
+              <a:ext uri="{FF2B5EF4-FFF2-40B4-BE49-F238E27FC236}">
+                <a16:creationId xmlns:a16="http://schemas.microsoft.com/office/drawing/2014/main" id="{785C5AAB-A4A7-221C-336B-D5F8BE5CF0BB}"/>
+              </a:ext>
+            </a:extLst>
+          </p:cNvPr>
+          <p:cNvSpPr txBox="1"/>
+          <p:nvPr/>
+        </p:nvSpPr>
+        <p:spPr>
+          <a:xfrm>
+            <a:off x="3898088" y="2008068"/>
+            <a:ext cx="1119217" cy="253916"/>
+          </a:xfrm>
+          <a:prstGeom prst="rect">
+            <a:avLst/>
+          </a:prstGeom>
+          <a:noFill/>
+        </p:spPr>
+        <p:txBody>
+          <a:bodyPr wrap="none" rtlCol="0">
+            <a:spAutoFit/>
+          </a:bodyPr>
+          <a:lstStyle/>
+          <a:p>
+            <a:r>
+              <a:rPr lang="es-ES" sz="1050" dirty="0"/>
+              <a:t>Entrada S/15.00</a:t>
+            </a:r>
+          </a:p>
+        </p:txBody>
+      </p:sp>
+      <p:sp>
+        <p:nvSpPr>
+          <p:cNvPr id="60" name="CuadroTexto 59">
+            <a:extLst>
+              <a:ext uri="{FF2B5EF4-FFF2-40B4-BE49-F238E27FC236}">
+                <a16:creationId xmlns:a16="http://schemas.microsoft.com/office/drawing/2014/main" id="{23983533-1887-0133-6532-D0D2751D48A8}"/>
+              </a:ext>
+            </a:extLst>
+          </p:cNvPr>
+          <p:cNvSpPr txBox="1"/>
+          <p:nvPr/>
+        </p:nvSpPr>
+        <p:spPr>
+          <a:xfrm>
+            <a:off x="3893762" y="2253035"/>
+            <a:ext cx="1119217" cy="253916"/>
+          </a:xfrm>
+          <a:prstGeom prst="rect">
+            <a:avLst/>
+          </a:prstGeom>
+          <a:noFill/>
+        </p:spPr>
+        <p:txBody>
+          <a:bodyPr wrap="none" rtlCol="0">
+            <a:spAutoFit/>
+          </a:bodyPr>
+          <a:lstStyle/>
+          <a:p>
+            <a:r>
+              <a:rPr lang="es-ES" sz="1050" dirty="0"/>
+              <a:t>Entrada S/15.00</a:t>
+            </a:r>
+          </a:p>
+        </p:txBody>
+      </p:sp>
+      <p:sp>
+        <p:nvSpPr>
+          <p:cNvPr id="61" name="CuadroTexto 60">
+            <a:extLst>
+              <a:ext uri="{FF2B5EF4-FFF2-40B4-BE49-F238E27FC236}">
+                <a16:creationId xmlns:a16="http://schemas.microsoft.com/office/drawing/2014/main" id="{E23E5F70-72E7-4BBD-D4CA-199988C481F1}"/>
+              </a:ext>
+            </a:extLst>
+          </p:cNvPr>
+          <p:cNvSpPr txBox="1"/>
+          <p:nvPr/>
+        </p:nvSpPr>
+        <p:spPr>
+          <a:xfrm>
+            <a:off x="3893762" y="2515417"/>
+            <a:ext cx="1119217" cy="253916"/>
+          </a:xfrm>
+          <a:prstGeom prst="rect">
+            <a:avLst/>
+          </a:prstGeom>
+          <a:noFill/>
+        </p:spPr>
+        <p:txBody>
+          <a:bodyPr wrap="none" rtlCol="0">
+            <a:spAutoFit/>
+          </a:bodyPr>
+          <a:lstStyle/>
+          <a:p>
+            <a:r>
+              <a:rPr lang="es-ES" sz="1050" dirty="0"/>
+              <a:t>Entrada S/15.00</a:t>
+            </a:r>
+          </a:p>
+        </p:txBody>
+      </p:sp>
+      <p:sp>
+        <p:nvSpPr>
+          <p:cNvPr id="62" name="CuadroTexto 61">
+            <a:extLst>
+              <a:ext uri="{FF2B5EF4-FFF2-40B4-BE49-F238E27FC236}">
+                <a16:creationId xmlns:a16="http://schemas.microsoft.com/office/drawing/2014/main" id="{C20082E4-B8A8-7D49-0CEE-6780E095F9CA}"/>
+              </a:ext>
+            </a:extLst>
+          </p:cNvPr>
+          <p:cNvSpPr txBox="1"/>
+          <p:nvPr/>
+        </p:nvSpPr>
+        <p:spPr>
+          <a:xfrm>
+            <a:off x="3889436" y="2760384"/>
+            <a:ext cx="1119217" cy="253916"/>
+          </a:xfrm>
+          <a:prstGeom prst="rect">
+            <a:avLst/>
+          </a:prstGeom>
+          <a:noFill/>
+        </p:spPr>
+        <p:txBody>
+          <a:bodyPr wrap="none" rtlCol="0">
+            <a:spAutoFit/>
+          </a:bodyPr>
+          <a:lstStyle/>
+          <a:p>
+            <a:r>
+              <a:rPr lang="es-ES" sz="1050" dirty="0"/>
+              <a:t>Entrada S/15.00</a:t>
+            </a:r>
+          </a:p>
+        </p:txBody>
+      </p:sp>
+    </p:spTree>
+    <p:extLst>
+      <p:ext uri="{BB962C8B-B14F-4D97-AF65-F5344CB8AC3E}">
+        <p14:creationId xmlns:p14="http://schemas.microsoft.com/office/powerpoint/2010/main" val="868898499"/>
+      </p:ext>
+    </p:extLst>
+  </p:cSld>
+  <p:clrMapOvr>
+    <a:masterClrMapping/>
+  </p:clrMapOvr>
+</p:sld>
+</file>
+
+<file path=ppt/slides/slide4.xml><?xml version="1.0" encoding="utf-8"?>
+<p:sld xmlns:a="http://schemas.openxmlformats.org/drawingml/2006/main" xmlns:r="http://schemas.openxmlformats.org/officeDocument/2006/relationships" xmlns:p="http://schemas.openxmlformats.org/presentationml/2006/main">
+  <p:cSld>
+    <p:spTree>
+      <p:nvGrpSpPr>
         <p:cNvPr id="1" name=""/>
         <p:cNvGrpSpPr/>
         <p:nvPr/>
@@ -6028,7 +7660,7 @@
 </p:sld>
 </file>
 
-<file path=ppt/slides/slide3.xml><?xml version="1.0" encoding="utf-8"?>
+<file path=ppt/slides/slide5.xml><?xml version="1.0" encoding="utf-8"?>
 <p:sld xmlns:a="http://schemas.openxmlformats.org/drawingml/2006/main" xmlns:r="http://schemas.openxmlformats.org/officeDocument/2006/relationships" xmlns:p="http://schemas.openxmlformats.org/presentationml/2006/main">
   <p:cSld>
     <p:spTree>
@@ -9127,7 +10759,7 @@
 </p:sld>
 </file>
 
-<file path=ppt/slides/slide4.xml><?xml version="1.0" encoding="utf-8"?>
+<file path=ppt/slides/slide6.xml><?xml version="1.0" encoding="utf-8"?>
 <p:sld xmlns:a="http://schemas.openxmlformats.org/drawingml/2006/main" xmlns:r="http://schemas.openxmlformats.org/officeDocument/2006/relationships" xmlns:p="http://schemas.openxmlformats.org/presentationml/2006/main">
   <p:cSld>
     <p:spTree>
@@ -12360,6 +13992,3597 @@
     <p:extLst>
       <p:ext uri="{BB962C8B-B14F-4D97-AF65-F5344CB8AC3E}">
         <p14:creationId xmlns:p14="http://schemas.microsoft.com/office/powerpoint/2010/main" val="777355237"/>
+      </p:ext>
+    </p:extLst>
+  </p:cSld>
+  <p:clrMapOvr>
+    <a:masterClrMapping/>
+  </p:clrMapOvr>
+</p:sld>
+</file>
+
+<file path=ppt/slides/slide7.xml><?xml version="1.0" encoding="utf-8"?>
+<p:sld xmlns:a="http://schemas.openxmlformats.org/drawingml/2006/main" xmlns:r="http://schemas.openxmlformats.org/officeDocument/2006/relationships" xmlns:p="http://schemas.openxmlformats.org/presentationml/2006/main">
+  <p:cSld>
+    <p:spTree>
+      <p:nvGrpSpPr>
+        <p:cNvPr id="1" name="">
+          <a:extLst>
+            <a:ext uri="{FF2B5EF4-FFF2-40B4-BE49-F238E27FC236}">
+              <a16:creationId xmlns:a16="http://schemas.microsoft.com/office/drawing/2014/main" id="{598E283A-E4CB-491C-1524-8C0858EE369D}"/>
+            </a:ext>
+          </a:extLst>
+        </p:cNvPr>
+        <p:cNvGrpSpPr/>
+        <p:nvPr/>
+      </p:nvGrpSpPr>
+      <p:grpSpPr>
+        <a:xfrm>
+          <a:off x="0" y="0"/>
+          <a:ext cx="0" cy="0"/>
+          <a:chOff x="0" y="0"/>
+          <a:chExt cx="0" cy="0"/>
+        </a:xfrm>
+      </p:grpSpPr>
+      <p:sp>
+        <p:nvSpPr>
+          <p:cNvPr id="5" name="CuadroTexto 4">
+            <a:extLst>
+              <a:ext uri="{FF2B5EF4-FFF2-40B4-BE49-F238E27FC236}">
+                <a16:creationId xmlns:a16="http://schemas.microsoft.com/office/drawing/2014/main" id="{B5E75F10-14F9-EC57-7CA5-6427DA2DF4C2}"/>
+              </a:ext>
+            </a:extLst>
+          </p:cNvPr>
+          <p:cNvSpPr txBox="1"/>
+          <p:nvPr/>
+        </p:nvSpPr>
+        <p:spPr>
+          <a:xfrm>
+            <a:off x="493047" y="317106"/>
+            <a:ext cx="1075679" cy="369332"/>
+          </a:xfrm>
+          <a:prstGeom prst="rect">
+            <a:avLst/>
+          </a:prstGeom>
+          <a:noFill/>
+        </p:spPr>
+        <p:txBody>
+          <a:bodyPr wrap="none" rtlCol="0">
+            <a:spAutoFit/>
+          </a:bodyPr>
+          <a:lstStyle/>
+          <a:p>
+            <a:r>
+              <a:rPr lang="es-ES" dirty="0"/>
+              <a:t>Usuarios</a:t>
+            </a:r>
+          </a:p>
+        </p:txBody>
+      </p:sp>
+      <p:sp>
+        <p:nvSpPr>
+          <p:cNvPr id="16" name="Rectángulo 15">
+            <a:extLst>
+              <a:ext uri="{FF2B5EF4-FFF2-40B4-BE49-F238E27FC236}">
+                <a16:creationId xmlns:a16="http://schemas.microsoft.com/office/drawing/2014/main" id="{01BAF9CF-6405-211E-4DEB-3A214C8BA64D}"/>
+              </a:ext>
+            </a:extLst>
+          </p:cNvPr>
+          <p:cNvSpPr/>
+          <p:nvPr/>
+        </p:nvSpPr>
+        <p:spPr>
+          <a:xfrm>
+            <a:off x="572199" y="919177"/>
+            <a:ext cx="9337517" cy="4216934"/>
+          </a:xfrm>
+          <a:prstGeom prst="rect">
+            <a:avLst/>
+          </a:prstGeom>
+          <a:solidFill>
+            <a:schemeClr val="bg1"/>
+          </a:solidFill>
+          <a:ln>
+            <a:solidFill>
+              <a:schemeClr val="bg1">
+                <a:lumMod val="65000"/>
+              </a:schemeClr>
+            </a:solidFill>
+          </a:ln>
+        </p:spPr>
+        <p:style>
+          <a:lnRef idx="2">
+            <a:schemeClr val="accent1">
+              <a:shade val="15000"/>
+            </a:schemeClr>
+          </a:lnRef>
+          <a:fillRef idx="1">
+            <a:schemeClr val="accent1"/>
+          </a:fillRef>
+          <a:effectRef idx="0">
+            <a:schemeClr val="accent1"/>
+          </a:effectRef>
+          <a:fontRef idx="minor">
+            <a:schemeClr val="lt1"/>
+          </a:fontRef>
+        </p:style>
+        <p:txBody>
+          <a:bodyPr rtlCol="0" anchor="ctr"/>
+          <a:lstStyle/>
+          <a:p>
+            <a:pPr algn="ctr"/>
+            <a:endParaRPr lang="es-ES"/>
+          </a:p>
+        </p:txBody>
+      </p:sp>
+      <p:sp>
+        <p:nvSpPr>
+          <p:cNvPr id="19" name="CuadroTexto 18">
+            <a:extLst>
+              <a:ext uri="{FF2B5EF4-FFF2-40B4-BE49-F238E27FC236}">
+                <a16:creationId xmlns:a16="http://schemas.microsoft.com/office/drawing/2014/main" id="{DF283B12-4D57-6CF9-EEFC-50A704A04CCF}"/>
+              </a:ext>
+            </a:extLst>
+          </p:cNvPr>
+          <p:cNvSpPr txBox="1"/>
+          <p:nvPr/>
+        </p:nvSpPr>
+        <p:spPr>
+          <a:xfrm>
+            <a:off x="4459765" y="1068356"/>
+            <a:ext cx="433132" cy="253916"/>
+          </a:xfrm>
+          <a:prstGeom prst="rect">
+            <a:avLst/>
+          </a:prstGeom>
+          <a:noFill/>
+        </p:spPr>
+        <p:txBody>
+          <a:bodyPr wrap="none" rtlCol="0">
+            <a:spAutoFit/>
+          </a:bodyPr>
+          <a:lstStyle/>
+          <a:p>
+            <a:r>
+              <a:rPr lang="es-ES" sz="1050" dirty="0"/>
+              <a:t>ROL</a:t>
+            </a:r>
+          </a:p>
+        </p:txBody>
+      </p:sp>
+      <p:sp>
+        <p:nvSpPr>
+          <p:cNvPr id="20" name="CuadroTexto 19">
+            <a:extLst>
+              <a:ext uri="{FF2B5EF4-FFF2-40B4-BE49-F238E27FC236}">
+                <a16:creationId xmlns:a16="http://schemas.microsoft.com/office/drawing/2014/main" id="{EED80FEE-F3F1-3B1C-BBD0-EF29ECC51A91}"/>
+              </a:ext>
+            </a:extLst>
+          </p:cNvPr>
+          <p:cNvSpPr txBox="1"/>
+          <p:nvPr/>
+        </p:nvSpPr>
+        <p:spPr>
+          <a:xfrm>
+            <a:off x="5411574" y="1068356"/>
+            <a:ext cx="510076" cy="253916"/>
+          </a:xfrm>
+          <a:prstGeom prst="rect">
+            <a:avLst/>
+          </a:prstGeom>
+          <a:noFill/>
+        </p:spPr>
+        <p:txBody>
+          <a:bodyPr wrap="none" rtlCol="0">
+            <a:spAutoFit/>
+          </a:bodyPr>
+          <a:lstStyle/>
+          <a:p>
+            <a:r>
+              <a:rPr lang="es-ES" sz="1050" dirty="0"/>
+              <a:t>email</a:t>
+            </a:r>
+          </a:p>
+        </p:txBody>
+      </p:sp>
+      <p:sp>
+        <p:nvSpPr>
+          <p:cNvPr id="24" name="CuadroTexto 23">
+            <a:extLst>
+              <a:ext uri="{FF2B5EF4-FFF2-40B4-BE49-F238E27FC236}">
+                <a16:creationId xmlns:a16="http://schemas.microsoft.com/office/drawing/2014/main" id="{0FE79A74-BB5A-17AE-EBC1-49961F660810}"/>
+              </a:ext>
+            </a:extLst>
+          </p:cNvPr>
+          <p:cNvSpPr txBox="1"/>
+          <p:nvPr/>
+        </p:nvSpPr>
+        <p:spPr>
+          <a:xfrm>
+            <a:off x="4147789" y="1475548"/>
+            <a:ext cx="1205779" cy="253916"/>
+          </a:xfrm>
+          <a:prstGeom prst="rect">
+            <a:avLst/>
+          </a:prstGeom>
+          <a:noFill/>
+        </p:spPr>
+        <p:txBody>
+          <a:bodyPr wrap="none" rtlCol="0">
+            <a:spAutoFit/>
+          </a:bodyPr>
+          <a:lstStyle/>
+          <a:p>
+            <a:r>
+              <a:rPr lang="es-ES" sz="1050" dirty="0"/>
+              <a:t>ADMINISTRADOR</a:t>
+            </a:r>
+          </a:p>
+        </p:txBody>
+      </p:sp>
+      <p:sp>
+        <p:nvSpPr>
+          <p:cNvPr id="25" name="CuadroTexto 24">
+            <a:extLst>
+              <a:ext uri="{FF2B5EF4-FFF2-40B4-BE49-F238E27FC236}">
+                <a16:creationId xmlns:a16="http://schemas.microsoft.com/office/drawing/2014/main" id="{1E378E15-77FD-8EFD-3450-A299EF842857}"/>
+              </a:ext>
+            </a:extLst>
+          </p:cNvPr>
+          <p:cNvSpPr txBox="1"/>
+          <p:nvPr/>
+        </p:nvSpPr>
+        <p:spPr>
+          <a:xfrm>
+            <a:off x="5411574" y="1475548"/>
+            <a:ext cx="1515158" cy="253916"/>
+          </a:xfrm>
+          <a:prstGeom prst="rect">
+            <a:avLst/>
+          </a:prstGeom>
+          <a:noFill/>
+        </p:spPr>
+        <p:txBody>
+          <a:bodyPr wrap="none" rtlCol="0">
+            <a:spAutoFit/>
+          </a:bodyPr>
+          <a:lstStyle/>
+          <a:p>
+            <a:r>
+              <a:rPr lang="es-ES" sz="1050" dirty="0" err="1"/>
+              <a:t>usuario@ejemplo.com</a:t>
+            </a:r>
+            <a:endParaRPr lang="es-ES" sz="1050" dirty="0"/>
+          </a:p>
+        </p:txBody>
+      </p:sp>
+      <p:sp>
+        <p:nvSpPr>
+          <p:cNvPr id="26" name="CuadroTexto 25">
+            <a:extLst>
+              <a:ext uri="{FF2B5EF4-FFF2-40B4-BE49-F238E27FC236}">
+                <a16:creationId xmlns:a16="http://schemas.microsoft.com/office/drawing/2014/main" id="{36207D7D-BE13-5C27-1851-1656E062BC41}"/>
+              </a:ext>
+            </a:extLst>
+          </p:cNvPr>
+          <p:cNvSpPr txBox="1"/>
+          <p:nvPr/>
+        </p:nvSpPr>
+        <p:spPr>
+          <a:xfrm>
+            <a:off x="778590" y="1071609"/>
+            <a:ext cx="1109683" cy="253916"/>
+          </a:xfrm>
+          <a:prstGeom prst="rect">
+            <a:avLst/>
+          </a:prstGeom>
+          <a:noFill/>
+        </p:spPr>
+        <p:txBody>
+          <a:bodyPr wrap="square" rtlCol="0">
+            <a:spAutoFit/>
+          </a:bodyPr>
+          <a:lstStyle/>
+          <a:p>
+            <a:r>
+              <a:rPr lang="es-ES" sz="1050" dirty="0"/>
+              <a:t>Fecha creación</a:t>
+            </a:r>
+          </a:p>
+        </p:txBody>
+      </p:sp>
+      <p:sp>
+        <p:nvSpPr>
+          <p:cNvPr id="27" name="CuadroTexto 26">
+            <a:extLst>
+              <a:ext uri="{FF2B5EF4-FFF2-40B4-BE49-F238E27FC236}">
+                <a16:creationId xmlns:a16="http://schemas.microsoft.com/office/drawing/2014/main" id="{267FE0D4-4373-9DFE-BAE6-CDABA95F37A3}"/>
+              </a:ext>
+            </a:extLst>
+          </p:cNvPr>
+          <p:cNvSpPr txBox="1"/>
+          <p:nvPr/>
+        </p:nvSpPr>
+        <p:spPr>
+          <a:xfrm>
+            <a:off x="1965679" y="1072940"/>
+            <a:ext cx="659155" cy="253916"/>
+          </a:xfrm>
+          <a:prstGeom prst="rect">
+            <a:avLst/>
+          </a:prstGeom>
+          <a:noFill/>
+        </p:spPr>
+        <p:txBody>
+          <a:bodyPr wrap="none" rtlCol="0">
+            <a:spAutoFit/>
+          </a:bodyPr>
+          <a:lstStyle/>
+          <a:p>
+            <a:r>
+              <a:rPr lang="es-ES" sz="1050" dirty="0"/>
+              <a:t>Nombre</a:t>
+            </a:r>
+          </a:p>
+        </p:txBody>
+      </p:sp>
+      <p:sp>
+        <p:nvSpPr>
+          <p:cNvPr id="28" name="CuadroTexto 27">
+            <a:extLst>
+              <a:ext uri="{FF2B5EF4-FFF2-40B4-BE49-F238E27FC236}">
+                <a16:creationId xmlns:a16="http://schemas.microsoft.com/office/drawing/2014/main" id="{8599C8F2-2178-4BAF-6630-23A32C02ADC4}"/>
+              </a:ext>
+            </a:extLst>
+          </p:cNvPr>
+          <p:cNvSpPr txBox="1"/>
+          <p:nvPr/>
+        </p:nvSpPr>
+        <p:spPr>
+          <a:xfrm>
+            <a:off x="778590" y="1474217"/>
+            <a:ext cx="984565" cy="253916"/>
+          </a:xfrm>
+          <a:prstGeom prst="rect">
+            <a:avLst/>
+          </a:prstGeom>
+          <a:noFill/>
+        </p:spPr>
+        <p:txBody>
+          <a:bodyPr wrap="none" rtlCol="0">
+            <a:spAutoFit/>
+          </a:bodyPr>
+          <a:lstStyle/>
+          <a:p>
+            <a:r>
+              <a:rPr lang="es-ES" sz="1050" dirty="0"/>
+              <a:t>15 Mayo 2025</a:t>
+            </a:r>
+          </a:p>
+        </p:txBody>
+      </p:sp>
+      <p:sp>
+        <p:nvSpPr>
+          <p:cNvPr id="29" name="CuadroTexto 28">
+            <a:extLst>
+              <a:ext uri="{FF2B5EF4-FFF2-40B4-BE49-F238E27FC236}">
+                <a16:creationId xmlns:a16="http://schemas.microsoft.com/office/drawing/2014/main" id="{FD33831A-39C9-2521-D39B-EAA568857F69}"/>
+              </a:ext>
+            </a:extLst>
+          </p:cNvPr>
+          <p:cNvSpPr txBox="1"/>
+          <p:nvPr/>
+        </p:nvSpPr>
+        <p:spPr>
+          <a:xfrm>
+            <a:off x="1965679" y="1475548"/>
+            <a:ext cx="901209" cy="253916"/>
+          </a:xfrm>
+          <a:prstGeom prst="rect">
+            <a:avLst/>
+          </a:prstGeom>
+          <a:noFill/>
+        </p:spPr>
+        <p:txBody>
+          <a:bodyPr wrap="none" rtlCol="0">
+            <a:spAutoFit/>
+          </a:bodyPr>
+          <a:lstStyle/>
+          <a:p>
+            <a:r>
+              <a:rPr lang="es-ES" sz="1050" dirty="0"/>
+              <a:t>Juan Alberto</a:t>
+            </a:r>
+          </a:p>
+        </p:txBody>
+      </p:sp>
+      <p:sp>
+        <p:nvSpPr>
+          <p:cNvPr id="30" name="CuadroTexto 29">
+            <a:extLst>
+              <a:ext uri="{FF2B5EF4-FFF2-40B4-BE49-F238E27FC236}">
+                <a16:creationId xmlns:a16="http://schemas.microsoft.com/office/drawing/2014/main" id="{8E78385F-599B-0415-A168-A3AD83EBE31E}"/>
+              </a:ext>
+            </a:extLst>
+          </p:cNvPr>
+          <p:cNvSpPr txBox="1"/>
+          <p:nvPr/>
+        </p:nvSpPr>
+        <p:spPr>
+          <a:xfrm>
+            <a:off x="9069705" y="1474217"/>
+            <a:ext cx="631904" cy="253916"/>
+          </a:xfrm>
+          <a:prstGeom prst="rect">
+            <a:avLst/>
+          </a:prstGeom>
+          <a:noFill/>
+        </p:spPr>
+        <p:txBody>
+          <a:bodyPr wrap="none" rtlCol="0">
+            <a:spAutoFit/>
+          </a:bodyPr>
+          <a:lstStyle/>
+          <a:p>
+            <a:r>
+              <a:rPr lang="es-ES" sz="1050" b="1" dirty="0"/>
+              <a:t>EDITAR</a:t>
+            </a:r>
+          </a:p>
+        </p:txBody>
+      </p:sp>
+      <p:cxnSp>
+        <p:nvCxnSpPr>
+          <p:cNvPr id="32" name="Conector recto 31">
+            <a:extLst>
+              <a:ext uri="{FF2B5EF4-FFF2-40B4-BE49-F238E27FC236}">
+                <a16:creationId xmlns:a16="http://schemas.microsoft.com/office/drawing/2014/main" id="{3D9EEA87-2E80-2BF9-0B73-98DE185ED3C5}"/>
+              </a:ext>
+            </a:extLst>
+          </p:cNvPr>
+          <p:cNvCxnSpPr>
+            <a:cxnSpLocks/>
+          </p:cNvCxnSpPr>
+          <p:nvPr/>
+        </p:nvCxnSpPr>
+        <p:spPr>
+          <a:xfrm>
+            <a:off x="691443" y="1322272"/>
+            <a:ext cx="8474859" cy="0"/>
+          </a:xfrm>
+          <a:prstGeom prst="line">
+            <a:avLst/>
+          </a:prstGeom>
+        </p:spPr>
+        <p:style>
+          <a:lnRef idx="2">
+            <a:schemeClr val="accent1"/>
+          </a:lnRef>
+          <a:fillRef idx="0">
+            <a:schemeClr val="accent1"/>
+          </a:fillRef>
+          <a:effectRef idx="1">
+            <a:schemeClr val="accent1"/>
+          </a:effectRef>
+          <a:fontRef idx="minor">
+            <a:schemeClr val="tx1"/>
+          </a:fontRef>
+        </p:style>
+      </p:cxnSp>
+      <p:sp>
+        <p:nvSpPr>
+          <p:cNvPr id="51" name="Rectángulo 50">
+            <a:extLst>
+              <a:ext uri="{FF2B5EF4-FFF2-40B4-BE49-F238E27FC236}">
+                <a16:creationId xmlns:a16="http://schemas.microsoft.com/office/drawing/2014/main" id="{8137AA49-3D13-AD2F-AEBB-C2F418B30261}"/>
+              </a:ext>
+            </a:extLst>
+          </p:cNvPr>
+          <p:cNvSpPr/>
+          <p:nvPr/>
+        </p:nvSpPr>
+        <p:spPr>
+          <a:xfrm>
+            <a:off x="583795" y="5369940"/>
+            <a:ext cx="1914078" cy="277908"/>
+          </a:xfrm>
+          <a:prstGeom prst="rect">
+            <a:avLst/>
+          </a:prstGeom>
+          <a:solidFill>
+            <a:schemeClr val="bg1">
+              <a:lumMod val="85000"/>
+            </a:schemeClr>
+          </a:solidFill>
+          <a:ln>
+            <a:solidFill>
+              <a:schemeClr val="bg1">
+                <a:lumMod val="65000"/>
+              </a:schemeClr>
+            </a:solidFill>
+          </a:ln>
+        </p:spPr>
+        <p:style>
+          <a:lnRef idx="2">
+            <a:schemeClr val="accent1">
+              <a:shade val="15000"/>
+            </a:schemeClr>
+          </a:lnRef>
+          <a:fillRef idx="1">
+            <a:schemeClr val="accent1"/>
+          </a:fillRef>
+          <a:effectRef idx="0">
+            <a:schemeClr val="accent1"/>
+          </a:effectRef>
+          <a:fontRef idx="minor">
+            <a:schemeClr val="lt1"/>
+          </a:fontRef>
+        </p:style>
+        <p:txBody>
+          <a:bodyPr rtlCol="0" anchor="ctr"/>
+          <a:lstStyle/>
+          <a:p>
+            <a:pPr algn="ctr"/>
+            <a:endParaRPr lang="es-ES"/>
+          </a:p>
+        </p:txBody>
+      </p:sp>
+      <p:sp>
+        <p:nvSpPr>
+          <p:cNvPr id="52" name="CuadroTexto 51">
+            <a:extLst>
+              <a:ext uri="{FF2B5EF4-FFF2-40B4-BE49-F238E27FC236}">
+                <a16:creationId xmlns:a16="http://schemas.microsoft.com/office/drawing/2014/main" id="{5078B668-AC55-6E14-FF4F-1BB4DA3F0027}"/>
+              </a:ext>
+            </a:extLst>
+          </p:cNvPr>
+          <p:cNvSpPr txBox="1"/>
+          <p:nvPr/>
+        </p:nvSpPr>
+        <p:spPr>
+          <a:xfrm>
+            <a:off x="765601" y="5390027"/>
+            <a:ext cx="1391728" cy="253916"/>
+          </a:xfrm>
+          <a:prstGeom prst="rect">
+            <a:avLst/>
+          </a:prstGeom>
+          <a:noFill/>
+        </p:spPr>
+        <p:txBody>
+          <a:bodyPr wrap="none" rtlCol="0">
+            <a:spAutoFit/>
+          </a:bodyPr>
+          <a:lstStyle/>
+          <a:p>
+            <a:r>
+              <a:rPr lang="es-ES" sz="1050" b="1" dirty="0"/>
+              <a:t>AGREGAR USUARIO</a:t>
+            </a:r>
+          </a:p>
+        </p:txBody>
+      </p:sp>
+      <p:sp>
+        <p:nvSpPr>
+          <p:cNvPr id="2" name="CuadroTexto 1">
+            <a:extLst>
+              <a:ext uri="{FF2B5EF4-FFF2-40B4-BE49-F238E27FC236}">
+                <a16:creationId xmlns:a16="http://schemas.microsoft.com/office/drawing/2014/main" id="{8DE41928-21BC-7402-4841-47C84116987E}"/>
+              </a:ext>
+            </a:extLst>
+          </p:cNvPr>
+          <p:cNvSpPr txBox="1"/>
+          <p:nvPr/>
+        </p:nvSpPr>
+        <p:spPr>
+          <a:xfrm>
+            <a:off x="3992893" y="4741421"/>
+            <a:ext cx="1207382" cy="253916"/>
+          </a:xfrm>
+          <a:prstGeom prst="rect">
+            <a:avLst/>
+          </a:prstGeom>
+          <a:noFill/>
+        </p:spPr>
+        <p:txBody>
+          <a:bodyPr wrap="none" rtlCol="0">
+            <a:spAutoFit/>
+          </a:bodyPr>
+          <a:lstStyle/>
+          <a:p>
+            <a:r>
+              <a:rPr lang="es-ES" sz="1050" dirty="0"/>
+              <a:t>1    2   3   4   5  6    7</a:t>
+            </a:r>
+          </a:p>
+        </p:txBody>
+      </p:sp>
+      <p:sp>
+        <p:nvSpPr>
+          <p:cNvPr id="3" name="CuadroTexto 2">
+            <a:extLst>
+              <a:ext uri="{FF2B5EF4-FFF2-40B4-BE49-F238E27FC236}">
+                <a16:creationId xmlns:a16="http://schemas.microsoft.com/office/drawing/2014/main" id="{6260BED1-01EC-B36F-27E4-8E22C6AC3AFA}"/>
+              </a:ext>
+            </a:extLst>
+          </p:cNvPr>
+          <p:cNvSpPr txBox="1"/>
+          <p:nvPr/>
+        </p:nvSpPr>
+        <p:spPr>
+          <a:xfrm>
+            <a:off x="10577748" y="2738367"/>
+            <a:ext cx="1632178" cy="253916"/>
+          </a:xfrm>
+          <a:prstGeom prst="rect">
+            <a:avLst/>
+          </a:prstGeom>
+          <a:noFill/>
+        </p:spPr>
+        <p:txBody>
+          <a:bodyPr wrap="none" rtlCol="0">
+            <a:spAutoFit/>
+          </a:bodyPr>
+          <a:lstStyle/>
+          <a:p>
+            <a:r>
+              <a:rPr lang="es-ES" sz="1050" dirty="0"/>
+              <a:t>Paginación a 15 registros</a:t>
+            </a:r>
+          </a:p>
+        </p:txBody>
+      </p:sp>
+      <p:sp>
+        <p:nvSpPr>
+          <p:cNvPr id="8" name="Cerrar llave 7">
+            <a:extLst>
+              <a:ext uri="{FF2B5EF4-FFF2-40B4-BE49-F238E27FC236}">
+                <a16:creationId xmlns:a16="http://schemas.microsoft.com/office/drawing/2014/main" id="{58C5A251-14DF-4E87-19A3-7DA6A580FBD7}"/>
+              </a:ext>
+            </a:extLst>
+          </p:cNvPr>
+          <p:cNvSpPr/>
+          <p:nvPr/>
+        </p:nvSpPr>
+        <p:spPr>
+          <a:xfrm>
+            <a:off x="10226321" y="1601175"/>
+            <a:ext cx="320046" cy="2528300"/>
+          </a:xfrm>
+          <a:prstGeom prst="rightBrace">
+            <a:avLst/>
+          </a:prstGeom>
+        </p:spPr>
+        <p:style>
+          <a:lnRef idx="2">
+            <a:schemeClr val="accent1"/>
+          </a:lnRef>
+          <a:fillRef idx="0">
+            <a:schemeClr val="accent1"/>
+          </a:fillRef>
+          <a:effectRef idx="1">
+            <a:schemeClr val="accent1"/>
+          </a:effectRef>
+          <a:fontRef idx="minor">
+            <a:schemeClr val="tx1"/>
+          </a:fontRef>
+        </p:style>
+        <p:txBody>
+          <a:bodyPr rtlCol="0" anchor="ctr"/>
+          <a:lstStyle/>
+          <a:p>
+            <a:pPr algn="ctr"/>
+            <a:endParaRPr lang="es-ES"/>
+          </a:p>
+        </p:txBody>
+      </p:sp>
+      <p:sp>
+        <p:nvSpPr>
+          <p:cNvPr id="12" name="CuadroTexto 11">
+            <a:extLst>
+              <a:ext uri="{FF2B5EF4-FFF2-40B4-BE49-F238E27FC236}">
+                <a16:creationId xmlns:a16="http://schemas.microsoft.com/office/drawing/2014/main" id="{1FC453E7-C4F0-67C0-2B9B-C0DB4B33A10A}"/>
+              </a:ext>
+            </a:extLst>
+          </p:cNvPr>
+          <p:cNvSpPr txBox="1"/>
+          <p:nvPr/>
+        </p:nvSpPr>
+        <p:spPr>
+          <a:xfrm>
+            <a:off x="2989980" y="1068356"/>
+            <a:ext cx="728084" cy="253916"/>
+          </a:xfrm>
+          <a:prstGeom prst="rect">
+            <a:avLst/>
+          </a:prstGeom>
+          <a:noFill/>
+        </p:spPr>
+        <p:txBody>
+          <a:bodyPr wrap="none" rtlCol="0">
+            <a:spAutoFit/>
+          </a:bodyPr>
+          <a:lstStyle/>
+          <a:p>
+            <a:r>
+              <a:rPr lang="es-ES" sz="1050" dirty="0"/>
+              <a:t>Apellidos</a:t>
+            </a:r>
+          </a:p>
+        </p:txBody>
+      </p:sp>
+      <p:sp>
+        <p:nvSpPr>
+          <p:cNvPr id="13" name="CuadroTexto 12">
+            <a:extLst>
+              <a:ext uri="{FF2B5EF4-FFF2-40B4-BE49-F238E27FC236}">
+                <a16:creationId xmlns:a16="http://schemas.microsoft.com/office/drawing/2014/main" id="{B116B722-24E5-AF69-E3C8-D546DCB84AC2}"/>
+              </a:ext>
+            </a:extLst>
+          </p:cNvPr>
+          <p:cNvSpPr txBox="1"/>
+          <p:nvPr/>
+        </p:nvSpPr>
+        <p:spPr>
+          <a:xfrm>
+            <a:off x="2989980" y="1470964"/>
+            <a:ext cx="910827" cy="253916"/>
+          </a:xfrm>
+          <a:prstGeom prst="rect">
+            <a:avLst/>
+          </a:prstGeom>
+          <a:noFill/>
+        </p:spPr>
+        <p:txBody>
+          <a:bodyPr wrap="none" rtlCol="0">
+            <a:spAutoFit/>
+          </a:bodyPr>
+          <a:lstStyle/>
+          <a:p>
+            <a:r>
+              <a:rPr lang="es-ES" sz="1050" dirty="0" err="1"/>
+              <a:t>Perez</a:t>
+            </a:r>
+            <a:r>
+              <a:rPr lang="es-ES" sz="1050" dirty="0"/>
+              <a:t> </a:t>
+            </a:r>
+            <a:r>
+              <a:rPr lang="es-ES" sz="1050" dirty="0" err="1"/>
+              <a:t>Romin</a:t>
+            </a:r>
+            <a:endParaRPr lang="es-ES" sz="1050" dirty="0"/>
+          </a:p>
+        </p:txBody>
+      </p:sp>
+      <p:sp>
+        <p:nvSpPr>
+          <p:cNvPr id="45" name="CuadroTexto 44">
+            <a:extLst>
+              <a:ext uri="{FF2B5EF4-FFF2-40B4-BE49-F238E27FC236}">
+                <a16:creationId xmlns:a16="http://schemas.microsoft.com/office/drawing/2014/main" id="{3E297118-6D9A-287E-7CC5-85474BD82966}"/>
+              </a:ext>
+            </a:extLst>
+          </p:cNvPr>
+          <p:cNvSpPr txBox="1"/>
+          <p:nvPr/>
+        </p:nvSpPr>
+        <p:spPr>
+          <a:xfrm>
+            <a:off x="7096483" y="1068356"/>
+            <a:ext cx="590226" cy="253916"/>
+          </a:xfrm>
+          <a:prstGeom prst="rect">
+            <a:avLst/>
+          </a:prstGeom>
+          <a:noFill/>
+        </p:spPr>
+        <p:txBody>
+          <a:bodyPr wrap="none" rtlCol="0">
+            <a:spAutoFit/>
+          </a:bodyPr>
+          <a:lstStyle/>
+          <a:p>
+            <a:r>
+              <a:rPr lang="es-ES" sz="1050" dirty="0"/>
+              <a:t>Estado</a:t>
+            </a:r>
+          </a:p>
+        </p:txBody>
+      </p:sp>
+      <p:sp>
+        <p:nvSpPr>
+          <p:cNvPr id="50" name="CuadroTexto 49">
+            <a:extLst>
+              <a:ext uri="{FF2B5EF4-FFF2-40B4-BE49-F238E27FC236}">
+                <a16:creationId xmlns:a16="http://schemas.microsoft.com/office/drawing/2014/main" id="{2506B0BB-1031-3B14-C4BB-F25B26B5289D}"/>
+              </a:ext>
+            </a:extLst>
+          </p:cNvPr>
+          <p:cNvSpPr txBox="1"/>
+          <p:nvPr/>
+        </p:nvSpPr>
+        <p:spPr>
+          <a:xfrm>
+            <a:off x="7098276" y="1475548"/>
+            <a:ext cx="635110" cy="253916"/>
+          </a:xfrm>
+          <a:prstGeom prst="rect">
+            <a:avLst/>
+          </a:prstGeom>
+          <a:noFill/>
+        </p:spPr>
+        <p:txBody>
+          <a:bodyPr wrap="none" rtlCol="0">
+            <a:spAutoFit/>
+          </a:bodyPr>
+          <a:lstStyle/>
+          <a:p>
+            <a:r>
+              <a:rPr lang="es-ES" sz="1050" dirty="0"/>
+              <a:t>ACTIVO</a:t>
+            </a:r>
+          </a:p>
+        </p:txBody>
+      </p:sp>
+      <p:sp>
+        <p:nvSpPr>
+          <p:cNvPr id="53" name="CuadroTexto 52">
+            <a:extLst>
+              <a:ext uri="{FF2B5EF4-FFF2-40B4-BE49-F238E27FC236}">
+                <a16:creationId xmlns:a16="http://schemas.microsoft.com/office/drawing/2014/main" id="{96F593CC-06EB-7257-F02D-2F9C8A0F10C2}"/>
+              </a:ext>
+            </a:extLst>
+          </p:cNvPr>
+          <p:cNvSpPr txBox="1"/>
+          <p:nvPr/>
+        </p:nvSpPr>
+        <p:spPr>
+          <a:xfrm>
+            <a:off x="3780495" y="5474902"/>
+            <a:ext cx="6553397" cy="738664"/>
+          </a:xfrm>
+          <a:prstGeom prst="rect">
+            <a:avLst/>
+          </a:prstGeom>
+          <a:noFill/>
+        </p:spPr>
+        <p:txBody>
+          <a:bodyPr wrap="none" rtlCol="0">
+            <a:spAutoFit/>
+          </a:bodyPr>
+          <a:lstStyle/>
+          <a:p>
+            <a:pPr marL="171450" indent="-171450">
+              <a:buFont typeface="Arial" panose="020B0604020202020204" pitchFamily="34" charset="0"/>
+              <a:buChar char="•"/>
+            </a:pPr>
+            <a:r>
+              <a:rPr lang="es-ES" sz="1050" dirty="0"/>
+              <a:t>Agregar columna Apellidos en tabla y modelo usuario</a:t>
+            </a:r>
+          </a:p>
+          <a:p>
+            <a:pPr marL="171450" indent="-171450">
+              <a:buFont typeface="Arial" panose="020B0604020202020204" pitchFamily="34" charset="0"/>
+              <a:buChar char="•"/>
+            </a:pPr>
+            <a:r>
+              <a:rPr lang="es-ES" sz="1050" dirty="0"/>
+              <a:t>Agregar columna Estado en tabla y modelo usuario (0 desactivado, 1 activo)</a:t>
+            </a:r>
+          </a:p>
+          <a:p>
+            <a:pPr marL="171450" indent="-171450">
+              <a:buFont typeface="Arial" panose="020B0604020202020204" pitchFamily="34" charset="0"/>
+              <a:buChar char="•"/>
+            </a:pPr>
+            <a:r>
+              <a:rPr lang="es-ES" sz="1050" dirty="0"/>
+              <a:t>Los usuarios por defecto deben de crearse con el estado 1, activo</a:t>
+            </a:r>
+          </a:p>
+          <a:p>
+            <a:pPr marL="171450" indent="-171450">
+              <a:buFont typeface="Arial" panose="020B0604020202020204" pitchFamily="34" charset="0"/>
+              <a:buChar char="•"/>
+            </a:pPr>
+            <a:r>
+              <a:rPr lang="es-ES" sz="1050" dirty="0"/>
+              <a:t>La contraseña por defecto es 12345678 (la primera vez que ingrese le tenemos que obligar a que la cambie)</a:t>
+            </a:r>
+          </a:p>
+        </p:txBody>
+      </p:sp>
+      <p:sp>
+        <p:nvSpPr>
+          <p:cNvPr id="54" name="CuadroTexto 53">
+            <a:extLst>
+              <a:ext uri="{FF2B5EF4-FFF2-40B4-BE49-F238E27FC236}">
+                <a16:creationId xmlns:a16="http://schemas.microsoft.com/office/drawing/2014/main" id="{9DF957F9-05BA-D0A4-F8F9-EA93BD7BD683}"/>
+              </a:ext>
+            </a:extLst>
+          </p:cNvPr>
+          <p:cNvSpPr txBox="1"/>
+          <p:nvPr/>
+        </p:nvSpPr>
+        <p:spPr>
+          <a:xfrm>
+            <a:off x="4164795" y="1830661"/>
+            <a:ext cx="1205779" cy="253916"/>
+          </a:xfrm>
+          <a:prstGeom prst="rect">
+            <a:avLst/>
+          </a:prstGeom>
+          <a:noFill/>
+        </p:spPr>
+        <p:txBody>
+          <a:bodyPr wrap="none" rtlCol="0">
+            <a:spAutoFit/>
+          </a:bodyPr>
+          <a:lstStyle/>
+          <a:p>
+            <a:r>
+              <a:rPr lang="es-ES" sz="1050" dirty="0"/>
+              <a:t>ADMINISTRADOR</a:t>
+            </a:r>
+          </a:p>
+        </p:txBody>
+      </p:sp>
+      <p:sp>
+        <p:nvSpPr>
+          <p:cNvPr id="55" name="CuadroTexto 54">
+            <a:extLst>
+              <a:ext uri="{FF2B5EF4-FFF2-40B4-BE49-F238E27FC236}">
+                <a16:creationId xmlns:a16="http://schemas.microsoft.com/office/drawing/2014/main" id="{C113F10E-D3E3-91F1-1048-941F7A2F7D70}"/>
+              </a:ext>
+            </a:extLst>
+          </p:cNvPr>
+          <p:cNvSpPr txBox="1"/>
+          <p:nvPr/>
+        </p:nvSpPr>
+        <p:spPr>
+          <a:xfrm>
+            <a:off x="5428580" y="1830661"/>
+            <a:ext cx="1515158" cy="253916"/>
+          </a:xfrm>
+          <a:prstGeom prst="rect">
+            <a:avLst/>
+          </a:prstGeom>
+          <a:noFill/>
+        </p:spPr>
+        <p:txBody>
+          <a:bodyPr wrap="none" rtlCol="0">
+            <a:spAutoFit/>
+          </a:bodyPr>
+          <a:lstStyle/>
+          <a:p>
+            <a:r>
+              <a:rPr lang="es-ES" sz="1050" dirty="0" err="1"/>
+              <a:t>usuario@ejemplo.com</a:t>
+            </a:r>
+            <a:endParaRPr lang="es-ES" sz="1050" dirty="0"/>
+          </a:p>
+        </p:txBody>
+      </p:sp>
+      <p:sp>
+        <p:nvSpPr>
+          <p:cNvPr id="56" name="CuadroTexto 55">
+            <a:extLst>
+              <a:ext uri="{FF2B5EF4-FFF2-40B4-BE49-F238E27FC236}">
+                <a16:creationId xmlns:a16="http://schemas.microsoft.com/office/drawing/2014/main" id="{D6644610-A154-B5BD-AB36-D5D951C37FC1}"/>
+              </a:ext>
+            </a:extLst>
+          </p:cNvPr>
+          <p:cNvSpPr txBox="1"/>
+          <p:nvPr/>
+        </p:nvSpPr>
+        <p:spPr>
+          <a:xfrm>
+            <a:off x="795596" y="1829330"/>
+            <a:ext cx="984565" cy="253916"/>
+          </a:xfrm>
+          <a:prstGeom prst="rect">
+            <a:avLst/>
+          </a:prstGeom>
+          <a:noFill/>
+        </p:spPr>
+        <p:txBody>
+          <a:bodyPr wrap="none" rtlCol="0">
+            <a:spAutoFit/>
+          </a:bodyPr>
+          <a:lstStyle/>
+          <a:p>
+            <a:r>
+              <a:rPr lang="es-ES" sz="1050" dirty="0"/>
+              <a:t>15 Mayo 2025</a:t>
+            </a:r>
+          </a:p>
+        </p:txBody>
+      </p:sp>
+      <p:sp>
+        <p:nvSpPr>
+          <p:cNvPr id="57" name="CuadroTexto 56">
+            <a:extLst>
+              <a:ext uri="{FF2B5EF4-FFF2-40B4-BE49-F238E27FC236}">
+                <a16:creationId xmlns:a16="http://schemas.microsoft.com/office/drawing/2014/main" id="{EECC3404-849A-65FC-3A30-BFABCEB67992}"/>
+              </a:ext>
+            </a:extLst>
+          </p:cNvPr>
+          <p:cNvSpPr txBox="1"/>
+          <p:nvPr/>
+        </p:nvSpPr>
+        <p:spPr>
+          <a:xfrm>
+            <a:off x="1982685" y="1830661"/>
+            <a:ext cx="901209" cy="253916"/>
+          </a:xfrm>
+          <a:prstGeom prst="rect">
+            <a:avLst/>
+          </a:prstGeom>
+          <a:noFill/>
+        </p:spPr>
+        <p:txBody>
+          <a:bodyPr wrap="none" rtlCol="0">
+            <a:spAutoFit/>
+          </a:bodyPr>
+          <a:lstStyle/>
+          <a:p>
+            <a:r>
+              <a:rPr lang="es-ES" sz="1050" dirty="0"/>
+              <a:t>Juan Alberto</a:t>
+            </a:r>
+          </a:p>
+        </p:txBody>
+      </p:sp>
+      <p:sp>
+        <p:nvSpPr>
+          <p:cNvPr id="58" name="CuadroTexto 57">
+            <a:extLst>
+              <a:ext uri="{FF2B5EF4-FFF2-40B4-BE49-F238E27FC236}">
+                <a16:creationId xmlns:a16="http://schemas.microsoft.com/office/drawing/2014/main" id="{AFC40FEA-F4ED-48D5-9CC6-9ED46E32405F}"/>
+              </a:ext>
+            </a:extLst>
+          </p:cNvPr>
+          <p:cNvSpPr txBox="1"/>
+          <p:nvPr/>
+        </p:nvSpPr>
+        <p:spPr>
+          <a:xfrm>
+            <a:off x="9086711" y="1829330"/>
+            <a:ext cx="631904" cy="253916"/>
+          </a:xfrm>
+          <a:prstGeom prst="rect">
+            <a:avLst/>
+          </a:prstGeom>
+          <a:noFill/>
+        </p:spPr>
+        <p:txBody>
+          <a:bodyPr wrap="none" rtlCol="0">
+            <a:spAutoFit/>
+          </a:bodyPr>
+          <a:lstStyle/>
+          <a:p>
+            <a:r>
+              <a:rPr lang="es-ES" sz="1050" b="1" dirty="0"/>
+              <a:t>EDITAR</a:t>
+            </a:r>
+          </a:p>
+        </p:txBody>
+      </p:sp>
+      <p:sp>
+        <p:nvSpPr>
+          <p:cNvPr id="59" name="CuadroTexto 58">
+            <a:extLst>
+              <a:ext uri="{FF2B5EF4-FFF2-40B4-BE49-F238E27FC236}">
+                <a16:creationId xmlns:a16="http://schemas.microsoft.com/office/drawing/2014/main" id="{337AB07E-BF40-FB4E-2517-6D88F5DB8625}"/>
+              </a:ext>
+            </a:extLst>
+          </p:cNvPr>
+          <p:cNvSpPr txBox="1"/>
+          <p:nvPr/>
+        </p:nvSpPr>
+        <p:spPr>
+          <a:xfrm>
+            <a:off x="3006986" y="1826077"/>
+            <a:ext cx="910827" cy="253916"/>
+          </a:xfrm>
+          <a:prstGeom prst="rect">
+            <a:avLst/>
+          </a:prstGeom>
+          <a:noFill/>
+        </p:spPr>
+        <p:txBody>
+          <a:bodyPr wrap="none" rtlCol="0">
+            <a:spAutoFit/>
+          </a:bodyPr>
+          <a:lstStyle/>
+          <a:p>
+            <a:r>
+              <a:rPr lang="es-ES" sz="1050" dirty="0" err="1"/>
+              <a:t>Perez</a:t>
+            </a:r>
+            <a:r>
+              <a:rPr lang="es-ES" sz="1050" dirty="0"/>
+              <a:t> </a:t>
+            </a:r>
+            <a:r>
+              <a:rPr lang="es-ES" sz="1050" dirty="0" err="1"/>
+              <a:t>Romin</a:t>
+            </a:r>
+            <a:endParaRPr lang="es-ES" sz="1050" dirty="0"/>
+          </a:p>
+        </p:txBody>
+      </p:sp>
+      <p:sp>
+        <p:nvSpPr>
+          <p:cNvPr id="60" name="CuadroTexto 59">
+            <a:extLst>
+              <a:ext uri="{FF2B5EF4-FFF2-40B4-BE49-F238E27FC236}">
+                <a16:creationId xmlns:a16="http://schemas.microsoft.com/office/drawing/2014/main" id="{5E794C94-9DF7-F9D1-1F3F-A677A769BEC4}"/>
+              </a:ext>
+            </a:extLst>
+          </p:cNvPr>
+          <p:cNvSpPr txBox="1"/>
+          <p:nvPr/>
+        </p:nvSpPr>
+        <p:spPr>
+          <a:xfrm>
+            <a:off x="7115282" y="1830661"/>
+            <a:ext cx="1053494" cy="253916"/>
+          </a:xfrm>
+          <a:prstGeom prst="rect">
+            <a:avLst/>
+          </a:prstGeom>
+          <a:noFill/>
+        </p:spPr>
+        <p:txBody>
+          <a:bodyPr wrap="none" rtlCol="0">
+            <a:spAutoFit/>
+          </a:bodyPr>
+          <a:lstStyle/>
+          <a:p>
+            <a:r>
+              <a:rPr lang="es-ES" sz="1050" dirty="0"/>
+              <a:t>DESACTIVADO</a:t>
+            </a:r>
+          </a:p>
+        </p:txBody>
+      </p:sp>
+      <p:sp>
+        <p:nvSpPr>
+          <p:cNvPr id="61" name="CuadroTexto 60">
+            <a:extLst>
+              <a:ext uri="{FF2B5EF4-FFF2-40B4-BE49-F238E27FC236}">
+                <a16:creationId xmlns:a16="http://schemas.microsoft.com/office/drawing/2014/main" id="{9EFF7F6C-3260-8174-F637-D09D27956481}"/>
+              </a:ext>
+            </a:extLst>
+          </p:cNvPr>
+          <p:cNvSpPr txBox="1"/>
+          <p:nvPr/>
+        </p:nvSpPr>
+        <p:spPr>
+          <a:xfrm>
+            <a:off x="4147789" y="2164868"/>
+            <a:ext cx="1205779" cy="253916"/>
+          </a:xfrm>
+          <a:prstGeom prst="rect">
+            <a:avLst/>
+          </a:prstGeom>
+          <a:noFill/>
+        </p:spPr>
+        <p:txBody>
+          <a:bodyPr wrap="none" rtlCol="0">
+            <a:spAutoFit/>
+          </a:bodyPr>
+          <a:lstStyle/>
+          <a:p>
+            <a:r>
+              <a:rPr lang="es-ES" sz="1050" dirty="0"/>
+              <a:t>ADMINISTRADOR</a:t>
+            </a:r>
+          </a:p>
+        </p:txBody>
+      </p:sp>
+      <p:sp>
+        <p:nvSpPr>
+          <p:cNvPr id="62" name="CuadroTexto 61">
+            <a:extLst>
+              <a:ext uri="{FF2B5EF4-FFF2-40B4-BE49-F238E27FC236}">
+                <a16:creationId xmlns:a16="http://schemas.microsoft.com/office/drawing/2014/main" id="{0339EC0C-74B2-A5FC-68D9-3B7C817245B6}"/>
+              </a:ext>
+            </a:extLst>
+          </p:cNvPr>
+          <p:cNvSpPr txBox="1"/>
+          <p:nvPr/>
+        </p:nvSpPr>
+        <p:spPr>
+          <a:xfrm>
+            <a:off x="5411574" y="2164868"/>
+            <a:ext cx="1515158" cy="253916"/>
+          </a:xfrm>
+          <a:prstGeom prst="rect">
+            <a:avLst/>
+          </a:prstGeom>
+          <a:noFill/>
+        </p:spPr>
+        <p:txBody>
+          <a:bodyPr wrap="none" rtlCol="0">
+            <a:spAutoFit/>
+          </a:bodyPr>
+          <a:lstStyle/>
+          <a:p>
+            <a:r>
+              <a:rPr lang="es-ES" sz="1050" dirty="0" err="1"/>
+              <a:t>usuario@ejemplo.com</a:t>
+            </a:r>
+            <a:endParaRPr lang="es-ES" sz="1050" dirty="0"/>
+          </a:p>
+        </p:txBody>
+      </p:sp>
+      <p:sp>
+        <p:nvSpPr>
+          <p:cNvPr id="63" name="CuadroTexto 62">
+            <a:extLst>
+              <a:ext uri="{FF2B5EF4-FFF2-40B4-BE49-F238E27FC236}">
+                <a16:creationId xmlns:a16="http://schemas.microsoft.com/office/drawing/2014/main" id="{C5016E15-A36A-D608-0BF1-BE471A710216}"/>
+              </a:ext>
+            </a:extLst>
+          </p:cNvPr>
+          <p:cNvSpPr txBox="1"/>
+          <p:nvPr/>
+        </p:nvSpPr>
+        <p:spPr>
+          <a:xfrm>
+            <a:off x="778590" y="2163537"/>
+            <a:ext cx="984565" cy="253916"/>
+          </a:xfrm>
+          <a:prstGeom prst="rect">
+            <a:avLst/>
+          </a:prstGeom>
+          <a:noFill/>
+        </p:spPr>
+        <p:txBody>
+          <a:bodyPr wrap="none" rtlCol="0">
+            <a:spAutoFit/>
+          </a:bodyPr>
+          <a:lstStyle/>
+          <a:p>
+            <a:r>
+              <a:rPr lang="es-ES" sz="1050" dirty="0"/>
+              <a:t>15 Mayo 2025</a:t>
+            </a:r>
+          </a:p>
+        </p:txBody>
+      </p:sp>
+      <p:sp>
+        <p:nvSpPr>
+          <p:cNvPr id="64" name="CuadroTexto 63">
+            <a:extLst>
+              <a:ext uri="{FF2B5EF4-FFF2-40B4-BE49-F238E27FC236}">
+                <a16:creationId xmlns:a16="http://schemas.microsoft.com/office/drawing/2014/main" id="{ED3A385A-E657-DE42-8F7D-4356AF26F9EA}"/>
+              </a:ext>
+            </a:extLst>
+          </p:cNvPr>
+          <p:cNvSpPr txBox="1"/>
+          <p:nvPr/>
+        </p:nvSpPr>
+        <p:spPr>
+          <a:xfrm>
+            <a:off x="1965679" y="2164868"/>
+            <a:ext cx="901209" cy="253916"/>
+          </a:xfrm>
+          <a:prstGeom prst="rect">
+            <a:avLst/>
+          </a:prstGeom>
+          <a:noFill/>
+        </p:spPr>
+        <p:txBody>
+          <a:bodyPr wrap="none" rtlCol="0">
+            <a:spAutoFit/>
+          </a:bodyPr>
+          <a:lstStyle/>
+          <a:p>
+            <a:r>
+              <a:rPr lang="es-ES" sz="1050" dirty="0"/>
+              <a:t>Juan Alberto</a:t>
+            </a:r>
+          </a:p>
+        </p:txBody>
+      </p:sp>
+      <p:sp>
+        <p:nvSpPr>
+          <p:cNvPr id="65" name="CuadroTexto 64">
+            <a:extLst>
+              <a:ext uri="{FF2B5EF4-FFF2-40B4-BE49-F238E27FC236}">
+                <a16:creationId xmlns:a16="http://schemas.microsoft.com/office/drawing/2014/main" id="{21EBB7E9-4FF1-59DF-F6DC-4C9D2B63C89D}"/>
+              </a:ext>
+            </a:extLst>
+          </p:cNvPr>
+          <p:cNvSpPr txBox="1"/>
+          <p:nvPr/>
+        </p:nvSpPr>
+        <p:spPr>
+          <a:xfrm>
+            <a:off x="9069705" y="2163537"/>
+            <a:ext cx="631904" cy="253916"/>
+          </a:xfrm>
+          <a:prstGeom prst="rect">
+            <a:avLst/>
+          </a:prstGeom>
+          <a:noFill/>
+        </p:spPr>
+        <p:txBody>
+          <a:bodyPr wrap="none" rtlCol="0">
+            <a:spAutoFit/>
+          </a:bodyPr>
+          <a:lstStyle/>
+          <a:p>
+            <a:r>
+              <a:rPr lang="es-ES" sz="1050" b="1" dirty="0"/>
+              <a:t>EDITAR</a:t>
+            </a:r>
+          </a:p>
+        </p:txBody>
+      </p:sp>
+      <p:sp>
+        <p:nvSpPr>
+          <p:cNvPr id="66" name="CuadroTexto 65">
+            <a:extLst>
+              <a:ext uri="{FF2B5EF4-FFF2-40B4-BE49-F238E27FC236}">
+                <a16:creationId xmlns:a16="http://schemas.microsoft.com/office/drawing/2014/main" id="{1CC278F1-A7A5-364F-2532-0951731CB615}"/>
+              </a:ext>
+            </a:extLst>
+          </p:cNvPr>
+          <p:cNvSpPr txBox="1"/>
+          <p:nvPr/>
+        </p:nvSpPr>
+        <p:spPr>
+          <a:xfrm>
+            <a:off x="2989980" y="2160284"/>
+            <a:ext cx="910827" cy="253916"/>
+          </a:xfrm>
+          <a:prstGeom prst="rect">
+            <a:avLst/>
+          </a:prstGeom>
+          <a:noFill/>
+        </p:spPr>
+        <p:txBody>
+          <a:bodyPr wrap="none" rtlCol="0">
+            <a:spAutoFit/>
+          </a:bodyPr>
+          <a:lstStyle/>
+          <a:p>
+            <a:r>
+              <a:rPr lang="es-ES" sz="1050" dirty="0" err="1"/>
+              <a:t>Perez</a:t>
+            </a:r>
+            <a:r>
+              <a:rPr lang="es-ES" sz="1050" dirty="0"/>
+              <a:t> </a:t>
+            </a:r>
+            <a:r>
+              <a:rPr lang="es-ES" sz="1050" dirty="0" err="1"/>
+              <a:t>Romin</a:t>
+            </a:r>
+            <a:endParaRPr lang="es-ES" sz="1050" dirty="0"/>
+          </a:p>
+        </p:txBody>
+      </p:sp>
+      <p:sp>
+        <p:nvSpPr>
+          <p:cNvPr id="67" name="CuadroTexto 66">
+            <a:extLst>
+              <a:ext uri="{FF2B5EF4-FFF2-40B4-BE49-F238E27FC236}">
+                <a16:creationId xmlns:a16="http://schemas.microsoft.com/office/drawing/2014/main" id="{944E45C5-1182-A253-D6D7-40C1906980D2}"/>
+              </a:ext>
+            </a:extLst>
+          </p:cNvPr>
+          <p:cNvSpPr txBox="1"/>
+          <p:nvPr/>
+        </p:nvSpPr>
+        <p:spPr>
+          <a:xfrm>
+            <a:off x="7098276" y="2164868"/>
+            <a:ext cx="1053494" cy="253916"/>
+          </a:xfrm>
+          <a:prstGeom prst="rect">
+            <a:avLst/>
+          </a:prstGeom>
+          <a:noFill/>
+        </p:spPr>
+        <p:txBody>
+          <a:bodyPr wrap="none" rtlCol="0">
+            <a:spAutoFit/>
+          </a:bodyPr>
+          <a:lstStyle/>
+          <a:p>
+            <a:r>
+              <a:rPr lang="es-ES" sz="1050" dirty="0"/>
+              <a:t>DESACTIVADO</a:t>
+            </a:r>
+          </a:p>
+        </p:txBody>
+      </p:sp>
+      <p:sp>
+        <p:nvSpPr>
+          <p:cNvPr id="68" name="CuadroTexto 67">
+            <a:extLst>
+              <a:ext uri="{FF2B5EF4-FFF2-40B4-BE49-F238E27FC236}">
+                <a16:creationId xmlns:a16="http://schemas.microsoft.com/office/drawing/2014/main" id="{E3B2D441-F64C-DE5B-0E59-758EBD38633C}"/>
+              </a:ext>
+            </a:extLst>
+          </p:cNvPr>
+          <p:cNvSpPr txBox="1"/>
+          <p:nvPr/>
+        </p:nvSpPr>
+        <p:spPr>
+          <a:xfrm>
+            <a:off x="8173177" y="1068356"/>
+            <a:ext cx="835485" cy="253916"/>
+          </a:xfrm>
+          <a:prstGeom prst="rect">
+            <a:avLst/>
+          </a:prstGeom>
+          <a:noFill/>
+        </p:spPr>
+        <p:txBody>
+          <a:bodyPr wrap="none" rtlCol="0">
+            <a:spAutoFit/>
+          </a:bodyPr>
+          <a:lstStyle/>
+          <a:p>
+            <a:r>
+              <a:rPr lang="es-ES" sz="1050" dirty="0"/>
+              <a:t>Creado por</a:t>
+            </a:r>
+          </a:p>
+        </p:txBody>
+      </p:sp>
+      <p:sp>
+        <p:nvSpPr>
+          <p:cNvPr id="69" name="CuadroTexto 68">
+            <a:extLst>
+              <a:ext uri="{FF2B5EF4-FFF2-40B4-BE49-F238E27FC236}">
+                <a16:creationId xmlns:a16="http://schemas.microsoft.com/office/drawing/2014/main" id="{FBEB4D92-3765-B3AC-B3B1-371771CE91E8}"/>
+              </a:ext>
+            </a:extLst>
+          </p:cNvPr>
+          <p:cNvSpPr txBox="1"/>
+          <p:nvPr/>
+        </p:nvSpPr>
+        <p:spPr>
+          <a:xfrm>
+            <a:off x="8174970" y="1475548"/>
+            <a:ext cx="893193" cy="253916"/>
+          </a:xfrm>
+          <a:prstGeom prst="rect">
+            <a:avLst/>
+          </a:prstGeom>
+          <a:noFill/>
+        </p:spPr>
+        <p:txBody>
+          <a:bodyPr wrap="none" rtlCol="0">
+            <a:spAutoFit/>
+          </a:bodyPr>
+          <a:lstStyle/>
+          <a:p>
+            <a:r>
+              <a:rPr lang="es-ES" sz="1050" dirty="0"/>
+              <a:t>Marcos Ruiz</a:t>
+            </a:r>
+          </a:p>
+        </p:txBody>
+      </p:sp>
+      <p:sp>
+        <p:nvSpPr>
+          <p:cNvPr id="70" name="CuadroTexto 69">
+            <a:extLst>
+              <a:ext uri="{FF2B5EF4-FFF2-40B4-BE49-F238E27FC236}">
+                <a16:creationId xmlns:a16="http://schemas.microsoft.com/office/drawing/2014/main" id="{70035863-F592-DD20-8C89-133BEAE25F8E}"/>
+              </a:ext>
+            </a:extLst>
+          </p:cNvPr>
+          <p:cNvSpPr txBox="1"/>
+          <p:nvPr/>
+        </p:nvSpPr>
+        <p:spPr>
+          <a:xfrm>
+            <a:off x="8191976" y="1830661"/>
+            <a:ext cx="893193" cy="253916"/>
+          </a:xfrm>
+          <a:prstGeom prst="rect">
+            <a:avLst/>
+          </a:prstGeom>
+          <a:noFill/>
+        </p:spPr>
+        <p:txBody>
+          <a:bodyPr wrap="none" rtlCol="0">
+            <a:spAutoFit/>
+          </a:bodyPr>
+          <a:lstStyle/>
+          <a:p>
+            <a:r>
+              <a:rPr lang="es-ES" sz="1050" dirty="0"/>
+              <a:t>Marcos Ruiz</a:t>
+            </a:r>
+          </a:p>
+        </p:txBody>
+      </p:sp>
+      <p:sp>
+        <p:nvSpPr>
+          <p:cNvPr id="71" name="CuadroTexto 70">
+            <a:extLst>
+              <a:ext uri="{FF2B5EF4-FFF2-40B4-BE49-F238E27FC236}">
+                <a16:creationId xmlns:a16="http://schemas.microsoft.com/office/drawing/2014/main" id="{C204F1A2-863C-10EA-79B9-5043027ED027}"/>
+              </a:ext>
+            </a:extLst>
+          </p:cNvPr>
+          <p:cNvSpPr txBox="1"/>
+          <p:nvPr/>
+        </p:nvSpPr>
+        <p:spPr>
+          <a:xfrm>
+            <a:off x="8174970" y="2164868"/>
+            <a:ext cx="893193" cy="253916"/>
+          </a:xfrm>
+          <a:prstGeom prst="rect">
+            <a:avLst/>
+          </a:prstGeom>
+          <a:noFill/>
+        </p:spPr>
+        <p:txBody>
+          <a:bodyPr wrap="none" rtlCol="0">
+            <a:spAutoFit/>
+          </a:bodyPr>
+          <a:lstStyle/>
+          <a:p>
+            <a:r>
+              <a:rPr lang="es-ES" sz="1050" dirty="0"/>
+              <a:t>Marcos Ruiz</a:t>
+            </a:r>
+          </a:p>
+        </p:txBody>
+      </p:sp>
+    </p:spTree>
+    <p:extLst>
+      <p:ext uri="{BB962C8B-B14F-4D97-AF65-F5344CB8AC3E}">
+        <p14:creationId xmlns:p14="http://schemas.microsoft.com/office/powerpoint/2010/main" val="3511681609"/>
+      </p:ext>
+    </p:extLst>
+  </p:cSld>
+  <p:clrMapOvr>
+    <a:masterClrMapping/>
+  </p:clrMapOvr>
+</p:sld>
+</file>
+
+<file path=ppt/slides/slide8.xml><?xml version="1.0" encoding="utf-8"?>
+<p:sld xmlns:a="http://schemas.openxmlformats.org/drawingml/2006/main" xmlns:r="http://schemas.openxmlformats.org/officeDocument/2006/relationships" xmlns:p="http://schemas.openxmlformats.org/presentationml/2006/main">
+  <p:cSld>
+    <p:spTree>
+      <p:nvGrpSpPr>
+        <p:cNvPr id="1" name="">
+          <a:extLst>
+            <a:ext uri="{FF2B5EF4-FFF2-40B4-BE49-F238E27FC236}">
+              <a16:creationId xmlns:a16="http://schemas.microsoft.com/office/drawing/2014/main" id="{62D368AD-AC11-099F-40C5-15BF33A40B19}"/>
+            </a:ext>
+          </a:extLst>
+        </p:cNvPr>
+        <p:cNvGrpSpPr/>
+        <p:nvPr/>
+      </p:nvGrpSpPr>
+      <p:grpSpPr>
+        <a:xfrm>
+          <a:off x="0" y="0"/>
+          <a:ext cx="0" cy="0"/>
+          <a:chOff x="0" y="0"/>
+          <a:chExt cx="0" cy="0"/>
+        </a:xfrm>
+      </p:grpSpPr>
+      <p:sp>
+        <p:nvSpPr>
+          <p:cNvPr id="40" name="Rectángulo 39">
+            <a:extLst>
+              <a:ext uri="{FF2B5EF4-FFF2-40B4-BE49-F238E27FC236}">
+                <a16:creationId xmlns:a16="http://schemas.microsoft.com/office/drawing/2014/main" id="{79409B2A-D29C-FA3D-8F3A-6DE8A3D3046A}"/>
+              </a:ext>
+            </a:extLst>
+          </p:cNvPr>
+          <p:cNvSpPr/>
+          <p:nvPr/>
+        </p:nvSpPr>
+        <p:spPr>
+          <a:xfrm>
+            <a:off x="1865971" y="836342"/>
+            <a:ext cx="2894287" cy="3282176"/>
+          </a:xfrm>
+          <a:prstGeom prst="rect">
+            <a:avLst/>
+          </a:prstGeom>
+          <a:solidFill>
+            <a:schemeClr val="bg1"/>
+          </a:solidFill>
+          <a:ln>
+            <a:solidFill>
+              <a:schemeClr val="bg1">
+                <a:lumMod val="65000"/>
+              </a:schemeClr>
+            </a:solidFill>
+          </a:ln>
+        </p:spPr>
+        <p:style>
+          <a:lnRef idx="2">
+            <a:schemeClr val="accent1">
+              <a:shade val="15000"/>
+            </a:schemeClr>
+          </a:lnRef>
+          <a:fillRef idx="1">
+            <a:schemeClr val="accent1"/>
+          </a:fillRef>
+          <a:effectRef idx="0">
+            <a:schemeClr val="accent1"/>
+          </a:effectRef>
+          <a:fontRef idx="minor">
+            <a:schemeClr val="lt1"/>
+          </a:fontRef>
+        </p:style>
+        <p:txBody>
+          <a:bodyPr rtlCol="0" anchor="ctr"/>
+          <a:lstStyle/>
+          <a:p>
+            <a:pPr algn="ctr"/>
+            <a:endParaRPr lang="es-ES"/>
+          </a:p>
+        </p:txBody>
+      </p:sp>
+      <p:sp>
+        <p:nvSpPr>
+          <p:cNvPr id="41" name="CuadroTexto 40">
+            <a:extLst>
+              <a:ext uri="{FF2B5EF4-FFF2-40B4-BE49-F238E27FC236}">
+                <a16:creationId xmlns:a16="http://schemas.microsoft.com/office/drawing/2014/main" id="{917A00E9-9B51-3D48-DB2F-14581944CF20}"/>
+              </a:ext>
+            </a:extLst>
+          </p:cNvPr>
+          <p:cNvSpPr txBox="1"/>
+          <p:nvPr/>
+        </p:nvSpPr>
+        <p:spPr>
+          <a:xfrm>
+            <a:off x="2090575" y="975028"/>
+            <a:ext cx="1769395" cy="369332"/>
+          </a:xfrm>
+          <a:prstGeom prst="rect">
+            <a:avLst/>
+          </a:prstGeom>
+          <a:noFill/>
+        </p:spPr>
+        <p:txBody>
+          <a:bodyPr wrap="none" rtlCol="0">
+            <a:spAutoFit/>
+          </a:bodyPr>
+          <a:lstStyle/>
+          <a:p>
+            <a:r>
+              <a:rPr lang="es-ES" dirty="0"/>
+              <a:t>Agregar Usuario</a:t>
+            </a:r>
+          </a:p>
+        </p:txBody>
+      </p:sp>
+      <p:sp>
+        <p:nvSpPr>
+          <p:cNvPr id="50" name="Rectángulo 49">
+            <a:extLst>
+              <a:ext uri="{FF2B5EF4-FFF2-40B4-BE49-F238E27FC236}">
+                <a16:creationId xmlns:a16="http://schemas.microsoft.com/office/drawing/2014/main" id="{91BD92D2-24C7-8490-9A30-513C33B89669}"/>
+              </a:ext>
+            </a:extLst>
+          </p:cNvPr>
+          <p:cNvSpPr/>
+          <p:nvPr/>
+        </p:nvSpPr>
+        <p:spPr>
+          <a:xfrm>
+            <a:off x="2152772" y="1534343"/>
+            <a:ext cx="1980614" cy="369332"/>
+          </a:xfrm>
+          <a:prstGeom prst="rect">
+            <a:avLst/>
+          </a:prstGeom>
+          <a:solidFill>
+            <a:schemeClr val="bg1"/>
+          </a:solidFill>
+          <a:ln>
+            <a:solidFill>
+              <a:schemeClr val="bg1">
+                <a:lumMod val="65000"/>
+              </a:schemeClr>
+            </a:solidFill>
+          </a:ln>
+        </p:spPr>
+        <p:style>
+          <a:lnRef idx="2">
+            <a:schemeClr val="accent1">
+              <a:shade val="15000"/>
+            </a:schemeClr>
+          </a:lnRef>
+          <a:fillRef idx="1">
+            <a:schemeClr val="accent1"/>
+          </a:fillRef>
+          <a:effectRef idx="0">
+            <a:schemeClr val="accent1"/>
+          </a:effectRef>
+          <a:fontRef idx="minor">
+            <a:schemeClr val="lt1"/>
+          </a:fontRef>
+        </p:style>
+        <p:txBody>
+          <a:bodyPr rtlCol="0" anchor="ctr"/>
+          <a:lstStyle/>
+          <a:p>
+            <a:pPr algn="ctr"/>
+            <a:endParaRPr lang="es-ES"/>
+          </a:p>
+        </p:txBody>
+      </p:sp>
+      <p:sp>
+        <p:nvSpPr>
+          <p:cNvPr id="51" name="CuadroTexto 50">
+            <a:extLst>
+              <a:ext uri="{FF2B5EF4-FFF2-40B4-BE49-F238E27FC236}">
+                <a16:creationId xmlns:a16="http://schemas.microsoft.com/office/drawing/2014/main" id="{F3E62F64-4D35-0F0E-4F64-19F85D12AA00}"/>
+              </a:ext>
+            </a:extLst>
+          </p:cNvPr>
+          <p:cNvSpPr txBox="1"/>
+          <p:nvPr/>
+        </p:nvSpPr>
+        <p:spPr>
+          <a:xfrm>
+            <a:off x="2152772" y="1573530"/>
+            <a:ext cx="903581" cy="307777"/>
+          </a:xfrm>
+          <a:prstGeom prst="rect">
+            <a:avLst/>
+          </a:prstGeom>
+          <a:noFill/>
+        </p:spPr>
+        <p:txBody>
+          <a:bodyPr wrap="none" rtlCol="0">
+            <a:spAutoFit/>
+          </a:bodyPr>
+          <a:lstStyle/>
+          <a:p>
+            <a:r>
+              <a:rPr lang="es-ES" sz="1400" dirty="0"/>
+              <a:t>Nombres</a:t>
+            </a:r>
+          </a:p>
+        </p:txBody>
+      </p:sp>
+      <p:sp>
+        <p:nvSpPr>
+          <p:cNvPr id="52" name="Rectángulo 51">
+            <a:extLst>
+              <a:ext uri="{FF2B5EF4-FFF2-40B4-BE49-F238E27FC236}">
+                <a16:creationId xmlns:a16="http://schemas.microsoft.com/office/drawing/2014/main" id="{7914E2B7-BC37-295D-BB5F-B243942C6CFC}"/>
+              </a:ext>
+            </a:extLst>
+          </p:cNvPr>
+          <p:cNvSpPr/>
+          <p:nvPr/>
+        </p:nvSpPr>
+        <p:spPr>
+          <a:xfrm>
+            <a:off x="2152772" y="2929722"/>
+            <a:ext cx="1980614" cy="369332"/>
+          </a:xfrm>
+          <a:prstGeom prst="rect">
+            <a:avLst/>
+          </a:prstGeom>
+          <a:solidFill>
+            <a:schemeClr val="bg1"/>
+          </a:solidFill>
+          <a:ln>
+            <a:solidFill>
+              <a:schemeClr val="bg1">
+                <a:lumMod val="65000"/>
+              </a:schemeClr>
+            </a:solidFill>
+          </a:ln>
+        </p:spPr>
+        <p:style>
+          <a:lnRef idx="2">
+            <a:schemeClr val="accent1">
+              <a:shade val="15000"/>
+            </a:schemeClr>
+          </a:lnRef>
+          <a:fillRef idx="1">
+            <a:schemeClr val="accent1"/>
+          </a:fillRef>
+          <a:effectRef idx="0">
+            <a:schemeClr val="accent1"/>
+          </a:effectRef>
+          <a:fontRef idx="minor">
+            <a:schemeClr val="lt1"/>
+          </a:fontRef>
+        </p:style>
+        <p:txBody>
+          <a:bodyPr rtlCol="0" anchor="ctr"/>
+          <a:lstStyle/>
+          <a:p>
+            <a:pPr algn="ctr"/>
+            <a:endParaRPr lang="es-ES"/>
+          </a:p>
+        </p:txBody>
+      </p:sp>
+      <p:sp>
+        <p:nvSpPr>
+          <p:cNvPr id="53" name="CuadroTexto 52">
+            <a:extLst>
+              <a:ext uri="{FF2B5EF4-FFF2-40B4-BE49-F238E27FC236}">
+                <a16:creationId xmlns:a16="http://schemas.microsoft.com/office/drawing/2014/main" id="{55E1A388-1177-FCC8-08CA-C8594CE3AA09}"/>
+              </a:ext>
+            </a:extLst>
+          </p:cNvPr>
+          <p:cNvSpPr txBox="1"/>
+          <p:nvPr/>
+        </p:nvSpPr>
+        <p:spPr>
+          <a:xfrm>
+            <a:off x="2152772" y="2968909"/>
+            <a:ext cx="439544" cy="307777"/>
+          </a:xfrm>
+          <a:prstGeom prst="rect">
+            <a:avLst/>
+          </a:prstGeom>
+          <a:noFill/>
+        </p:spPr>
+        <p:txBody>
+          <a:bodyPr wrap="none" rtlCol="0">
+            <a:spAutoFit/>
+          </a:bodyPr>
+          <a:lstStyle/>
+          <a:p>
+            <a:r>
+              <a:rPr lang="es-ES" sz="1400" dirty="0"/>
+              <a:t>Rol</a:t>
+            </a:r>
+          </a:p>
+        </p:txBody>
+      </p:sp>
+      <p:sp>
+        <p:nvSpPr>
+          <p:cNvPr id="54" name="Triángulo 53">
+            <a:extLst>
+              <a:ext uri="{FF2B5EF4-FFF2-40B4-BE49-F238E27FC236}">
+                <a16:creationId xmlns:a16="http://schemas.microsoft.com/office/drawing/2014/main" id="{BB0D9854-6F10-239D-70C7-D5DDCE29F34F}"/>
+              </a:ext>
+            </a:extLst>
+          </p:cNvPr>
+          <p:cNvSpPr/>
+          <p:nvPr/>
+        </p:nvSpPr>
+        <p:spPr>
+          <a:xfrm rot="10800000">
+            <a:off x="3821200" y="3049820"/>
+            <a:ext cx="122614" cy="107442"/>
+          </a:xfrm>
+          <a:prstGeom prst="triangle">
+            <a:avLst/>
+          </a:prstGeom>
+        </p:spPr>
+        <p:style>
+          <a:lnRef idx="2">
+            <a:schemeClr val="accent1">
+              <a:shade val="15000"/>
+            </a:schemeClr>
+          </a:lnRef>
+          <a:fillRef idx="1">
+            <a:schemeClr val="accent1"/>
+          </a:fillRef>
+          <a:effectRef idx="0">
+            <a:schemeClr val="accent1"/>
+          </a:effectRef>
+          <a:fontRef idx="minor">
+            <a:schemeClr val="lt1"/>
+          </a:fontRef>
+        </p:style>
+        <p:txBody>
+          <a:bodyPr rtlCol="0" anchor="ctr"/>
+          <a:lstStyle/>
+          <a:p>
+            <a:pPr algn="ctr"/>
+            <a:endParaRPr lang="es-ES"/>
+          </a:p>
+        </p:txBody>
+      </p:sp>
+      <p:sp>
+        <p:nvSpPr>
+          <p:cNvPr id="59" name="Rectángulo 58">
+            <a:extLst>
+              <a:ext uri="{FF2B5EF4-FFF2-40B4-BE49-F238E27FC236}">
+                <a16:creationId xmlns:a16="http://schemas.microsoft.com/office/drawing/2014/main" id="{FF4073DE-C74B-9817-1093-A853D16F5437}"/>
+              </a:ext>
+            </a:extLst>
+          </p:cNvPr>
+          <p:cNvSpPr/>
+          <p:nvPr/>
+        </p:nvSpPr>
+        <p:spPr>
+          <a:xfrm>
+            <a:off x="2148228" y="3609534"/>
+            <a:ext cx="1914078" cy="277908"/>
+          </a:xfrm>
+          <a:prstGeom prst="rect">
+            <a:avLst/>
+          </a:prstGeom>
+          <a:solidFill>
+            <a:schemeClr val="bg1">
+              <a:lumMod val="85000"/>
+            </a:schemeClr>
+          </a:solidFill>
+          <a:ln>
+            <a:solidFill>
+              <a:schemeClr val="bg1">
+                <a:lumMod val="65000"/>
+              </a:schemeClr>
+            </a:solidFill>
+          </a:ln>
+        </p:spPr>
+        <p:style>
+          <a:lnRef idx="2">
+            <a:schemeClr val="accent1">
+              <a:shade val="15000"/>
+            </a:schemeClr>
+          </a:lnRef>
+          <a:fillRef idx="1">
+            <a:schemeClr val="accent1"/>
+          </a:fillRef>
+          <a:effectRef idx="0">
+            <a:schemeClr val="accent1"/>
+          </a:effectRef>
+          <a:fontRef idx="minor">
+            <a:schemeClr val="lt1"/>
+          </a:fontRef>
+        </p:style>
+        <p:txBody>
+          <a:bodyPr rtlCol="0" anchor="ctr"/>
+          <a:lstStyle/>
+          <a:p>
+            <a:pPr algn="ctr"/>
+            <a:endParaRPr lang="es-ES"/>
+          </a:p>
+        </p:txBody>
+      </p:sp>
+      <p:sp>
+        <p:nvSpPr>
+          <p:cNvPr id="60" name="CuadroTexto 59">
+            <a:extLst>
+              <a:ext uri="{FF2B5EF4-FFF2-40B4-BE49-F238E27FC236}">
+                <a16:creationId xmlns:a16="http://schemas.microsoft.com/office/drawing/2014/main" id="{DADA5B69-E2AB-1581-DFD9-BD0F1D01EDF7}"/>
+              </a:ext>
+            </a:extLst>
+          </p:cNvPr>
+          <p:cNvSpPr txBox="1"/>
+          <p:nvPr/>
+        </p:nvSpPr>
+        <p:spPr>
+          <a:xfrm>
+            <a:off x="2330034" y="3629621"/>
+            <a:ext cx="1484702" cy="253916"/>
+          </a:xfrm>
+          <a:prstGeom prst="rect">
+            <a:avLst/>
+          </a:prstGeom>
+          <a:noFill/>
+        </p:spPr>
+        <p:txBody>
+          <a:bodyPr wrap="none" rtlCol="0">
+            <a:spAutoFit/>
+          </a:bodyPr>
+          <a:lstStyle/>
+          <a:p>
+            <a:r>
+              <a:rPr lang="es-ES" sz="1050" b="1" dirty="0"/>
+              <a:t>REGISTRAR USUARIO</a:t>
+            </a:r>
+          </a:p>
+        </p:txBody>
+      </p:sp>
+      <p:sp>
+        <p:nvSpPr>
+          <p:cNvPr id="61" name="CuadroTexto 60">
+            <a:extLst>
+              <a:ext uri="{FF2B5EF4-FFF2-40B4-BE49-F238E27FC236}">
+                <a16:creationId xmlns:a16="http://schemas.microsoft.com/office/drawing/2014/main" id="{9D55D88D-5EF4-9A4D-344D-204D1056EC9D}"/>
+              </a:ext>
+            </a:extLst>
+          </p:cNvPr>
+          <p:cNvSpPr txBox="1"/>
+          <p:nvPr/>
+        </p:nvSpPr>
+        <p:spPr>
+          <a:xfrm>
+            <a:off x="3882506" y="5045592"/>
+            <a:ext cx="3812006" cy="523220"/>
+          </a:xfrm>
+          <a:prstGeom prst="rect">
+            <a:avLst/>
+          </a:prstGeom>
+          <a:noFill/>
+        </p:spPr>
+        <p:txBody>
+          <a:bodyPr wrap="none" rtlCol="0">
+            <a:spAutoFit/>
+          </a:bodyPr>
+          <a:lstStyle/>
+          <a:p>
+            <a:pPr marL="285750" indent="-285750">
+              <a:buFontTx/>
+              <a:buChar char="-"/>
+            </a:pPr>
+            <a:r>
+              <a:rPr lang="es-ES" sz="1400" dirty="0"/>
+              <a:t>Validar formulario que no deje datos vacíos</a:t>
+            </a:r>
+          </a:p>
+          <a:p>
+            <a:pPr marL="285750" indent="-285750">
+              <a:buFontTx/>
+              <a:buChar char="-"/>
+            </a:pPr>
+            <a:r>
+              <a:rPr lang="es-ES" sz="1400" dirty="0" err="1"/>
+              <a:t>Resetar</a:t>
+            </a:r>
+            <a:r>
+              <a:rPr lang="es-ES" sz="1400" dirty="0"/>
+              <a:t> contraseña con 12345678 </a:t>
+            </a:r>
+          </a:p>
+        </p:txBody>
+      </p:sp>
+      <p:sp>
+        <p:nvSpPr>
+          <p:cNvPr id="2" name="Rectángulo 1">
+            <a:extLst>
+              <a:ext uri="{FF2B5EF4-FFF2-40B4-BE49-F238E27FC236}">
+                <a16:creationId xmlns:a16="http://schemas.microsoft.com/office/drawing/2014/main" id="{BE4F353A-E3B2-0618-7562-53D91E56D401}"/>
+              </a:ext>
+            </a:extLst>
+          </p:cNvPr>
+          <p:cNvSpPr/>
+          <p:nvPr/>
+        </p:nvSpPr>
+        <p:spPr>
+          <a:xfrm>
+            <a:off x="2152772" y="2011176"/>
+            <a:ext cx="1980614" cy="369332"/>
+          </a:xfrm>
+          <a:prstGeom prst="rect">
+            <a:avLst/>
+          </a:prstGeom>
+          <a:solidFill>
+            <a:schemeClr val="bg1"/>
+          </a:solidFill>
+          <a:ln>
+            <a:solidFill>
+              <a:schemeClr val="bg1">
+                <a:lumMod val="65000"/>
+              </a:schemeClr>
+            </a:solidFill>
+          </a:ln>
+        </p:spPr>
+        <p:style>
+          <a:lnRef idx="2">
+            <a:schemeClr val="accent1">
+              <a:shade val="15000"/>
+            </a:schemeClr>
+          </a:lnRef>
+          <a:fillRef idx="1">
+            <a:schemeClr val="accent1"/>
+          </a:fillRef>
+          <a:effectRef idx="0">
+            <a:schemeClr val="accent1"/>
+          </a:effectRef>
+          <a:fontRef idx="minor">
+            <a:schemeClr val="lt1"/>
+          </a:fontRef>
+        </p:style>
+        <p:txBody>
+          <a:bodyPr rtlCol="0" anchor="ctr"/>
+          <a:lstStyle/>
+          <a:p>
+            <a:pPr algn="ctr"/>
+            <a:endParaRPr lang="es-ES"/>
+          </a:p>
+        </p:txBody>
+      </p:sp>
+      <p:sp>
+        <p:nvSpPr>
+          <p:cNvPr id="3" name="CuadroTexto 2">
+            <a:extLst>
+              <a:ext uri="{FF2B5EF4-FFF2-40B4-BE49-F238E27FC236}">
+                <a16:creationId xmlns:a16="http://schemas.microsoft.com/office/drawing/2014/main" id="{3DBF8BB7-14FE-7914-2D6D-F4D5B8B5BF7E}"/>
+              </a:ext>
+            </a:extLst>
+          </p:cNvPr>
+          <p:cNvSpPr txBox="1"/>
+          <p:nvPr/>
+        </p:nvSpPr>
+        <p:spPr>
+          <a:xfrm>
+            <a:off x="2152772" y="2050363"/>
+            <a:ext cx="909223" cy="307777"/>
+          </a:xfrm>
+          <a:prstGeom prst="rect">
+            <a:avLst/>
+          </a:prstGeom>
+          <a:noFill/>
+        </p:spPr>
+        <p:txBody>
+          <a:bodyPr wrap="none" rtlCol="0">
+            <a:spAutoFit/>
+          </a:bodyPr>
+          <a:lstStyle/>
+          <a:p>
+            <a:r>
+              <a:rPr lang="es-ES" sz="1400" dirty="0"/>
+              <a:t>Apellidos</a:t>
+            </a:r>
+          </a:p>
+        </p:txBody>
+      </p:sp>
+      <p:sp>
+        <p:nvSpPr>
+          <p:cNvPr id="4" name="Rectángulo 3">
+            <a:extLst>
+              <a:ext uri="{FF2B5EF4-FFF2-40B4-BE49-F238E27FC236}">
+                <a16:creationId xmlns:a16="http://schemas.microsoft.com/office/drawing/2014/main" id="{F6595DCF-34A8-4EA9-8500-C430731BFB15}"/>
+              </a:ext>
+            </a:extLst>
+          </p:cNvPr>
+          <p:cNvSpPr/>
+          <p:nvPr/>
+        </p:nvSpPr>
+        <p:spPr>
+          <a:xfrm>
+            <a:off x="2148228" y="2470449"/>
+            <a:ext cx="1980614" cy="369332"/>
+          </a:xfrm>
+          <a:prstGeom prst="rect">
+            <a:avLst/>
+          </a:prstGeom>
+          <a:solidFill>
+            <a:schemeClr val="bg1"/>
+          </a:solidFill>
+          <a:ln>
+            <a:solidFill>
+              <a:schemeClr val="bg1">
+                <a:lumMod val="65000"/>
+              </a:schemeClr>
+            </a:solidFill>
+          </a:ln>
+        </p:spPr>
+        <p:style>
+          <a:lnRef idx="2">
+            <a:schemeClr val="accent1">
+              <a:shade val="15000"/>
+            </a:schemeClr>
+          </a:lnRef>
+          <a:fillRef idx="1">
+            <a:schemeClr val="accent1"/>
+          </a:fillRef>
+          <a:effectRef idx="0">
+            <a:schemeClr val="accent1"/>
+          </a:effectRef>
+          <a:fontRef idx="minor">
+            <a:schemeClr val="lt1"/>
+          </a:fontRef>
+        </p:style>
+        <p:txBody>
+          <a:bodyPr rtlCol="0" anchor="ctr"/>
+          <a:lstStyle/>
+          <a:p>
+            <a:pPr algn="ctr"/>
+            <a:endParaRPr lang="es-ES"/>
+          </a:p>
+        </p:txBody>
+      </p:sp>
+      <p:sp>
+        <p:nvSpPr>
+          <p:cNvPr id="6" name="CuadroTexto 5">
+            <a:extLst>
+              <a:ext uri="{FF2B5EF4-FFF2-40B4-BE49-F238E27FC236}">
+                <a16:creationId xmlns:a16="http://schemas.microsoft.com/office/drawing/2014/main" id="{F50B6044-118E-BA85-A8BF-97D69D1A603D}"/>
+              </a:ext>
+            </a:extLst>
+          </p:cNvPr>
+          <p:cNvSpPr txBox="1"/>
+          <p:nvPr/>
+        </p:nvSpPr>
+        <p:spPr>
+          <a:xfrm>
+            <a:off x="2148228" y="2509636"/>
+            <a:ext cx="719236" cy="307777"/>
+          </a:xfrm>
+          <a:prstGeom prst="rect">
+            <a:avLst/>
+          </a:prstGeom>
+          <a:noFill/>
+        </p:spPr>
+        <p:txBody>
+          <a:bodyPr wrap="none" rtlCol="0">
+            <a:spAutoFit/>
+          </a:bodyPr>
+          <a:lstStyle/>
+          <a:p>
+            <a:r>
+              <a:rPr lang="es-ES" sz="1400" dirty="0"/>
+              <a:t>Correo</a:t>
+            </a:r>
+          </a:p>
+        </p:txBody>
+      </p:sp>
+      <p:sp>
+        <p:nvSpPr>
+          <p:cNvPr id="7" name="Rectángulo 6">
+            <a:extLst>
+              <a:ext uri="{FF2B5EF4-FFF2-40B4-BE49-F238E27FC236}">
+                <a16:creationId xmlns:a16="http://schemas.microsoft.com/office/drawing/2014/main" id="{E16022BC-5613-726B-719F-8A75D6691DFA}"/>
+              </a:ext>
+            </a:extLst>
+          </p:cNvPr>
+          <p:cNvSpPr/>
+          <p:nvPr/>
+        </p:nvSpPr>
+        <p:spPr>
+          <a:xfrm>
+            <a:off x="6170451" y="836342"/>
+            <a:ext cx="2894287" cy="4062760"/>
+          </a:xfrm>
+          <a:prstGeom prst="rect">
+            <a:avLst/>
+          </a:prstGeom>
+          <a:solidFill>
+            <a:schemeClr val="bg1"/>
+          </a:solidFill>
+          <a:ln>
+            <a:solidFill>
+              <a:schemeClr val="bg1">
+                <a:lumMod val="65000"/>
+              </a:schemeClr>
+            </a:solidFill>
+          </a:ln>
+        </p:spPr>
+        <p:style>
+          <a:lnRef idx="2">
+            <a:schemeClr val="accent1">
+              <a:shade val="15000"/>
+            </a:schemeClr>
+          </a:lnRef>
+          <a:fillRef idx="1">
+            <a:schemeClr val="accent1"/>
+          </a:fillRef>
+          <a:effectRef idx="0">
+            <a:schemeClr val="accent1"/>
+          </a:effectRef>
+          <a:fontRef idx="minor">
+            <a:schemeClr val="lt1"/>
+          </a:fontRef>
+        </p:style>
+        <p:txBody>
+          <a:bodyPr rtlCol="0" anchor="ctr"/>
+          <a:lstStyle/>
+          <a:p>
+            <a:pPr algn="ctr"/>
+            <a:endParaRPr lang="es-ES"/>
+          </a:p>
+        </p:txBody>
+      </p:sp>
+      <p:sp>
+        <p:nvSpPr>
+          <p:cNvPr id="8" name="CuadroTexto 7">
+            <a:extLst>
+              <a:ext uri="{FF2B5EF4-FFF2-40B4-BE49-F238E27FC236}">
+                <a16:creationId xmlns:a16="http://schemas.microsoft.com/office/drawing/2014/main" id="{7C05DB9F-7F8A-A1E7-3351-D9EA37203AE9}"/>
+              </a:ext>
+            </a:extLst>
+          </p:cNvPr>
+          <p:cNvSpPr txBox="1"/>
+          <p:nvPr/>
+        </p:nvSpPr>
+        <p:spPr>
+          <a:xfrm>
+            <a:off x="6395055" y="975028"/>
+            <a:ext cx="1597360" cy="369332"/>
+          </a:xfrm>
+          <a:prstGeom prst="rect">
+            <a:avLst/>
+          </a:prstGeom>
+          <a:noFill/>
+        </p:spPr>
+        <p:txBody>
+          <a:bodyPr wrap="none" rtlCol="0">
+            <a:spAutoFit/>
+          </a:bodyPr>
+          <a:lstStyle/>
+          <a:p>
+            <a:r>
+              <a:rPr lang="es-ES" dirty="0"/>
+              <a:t>Editar Usuario</a:t>
+            </a:r>
+          </a:p>
+        </p:txBody>
+      </p:sp>
+      <p:sp>
+        <p:nvSpPr>
+          <p:cNvPr id="9" name="Rectángulo 8">
+            <a:extLst>
+              <a:ext uri="{FF2B5EF4-FFF2-40B4-BE49-F238E27FC236}">
+                <a16:creationId xmlns:a16="http://schemas.microsoft.com/office/drawing/2014/main" id="{FC266938-D359-EBC0-077A-FA9324C40B78}"/>
+              </a:ext>
+            </a:extLst>
+          </p:cNvPr>
+          <p:cNvSpPr/>
+          <p:nvPr/>
+        </p:nvSpPr>
+        <p:spPr>
+          <a:xfrm>
+            <a:off x="6457252" y="1534343"/>
+            <a:ext cx="1980614" cy="369332"/>
+          </a:xfrm>
+          <a:prstGeom prst="rect">
+            <a:avLst/>
+          </a:prstGeom>
+          <a:solidFill>
+            <a:schemeClr val="bg1"/>
+          </a:solidFill>
+          <a:ln>
+            <a:solidFill>
+              <a:schemeClr val="bg1">
+                <a:lumMod val="65000"/>
+              </a:schemeClr>
+            </a:solidFill>
+          </a:ln>
+        </p:spPr>
+        <p:style>
+          <a:lnRef idx="2">
+            <a:schemeClr val="accent1">
+              <a:shade val="15000"/>
+            </a:schemeClr>
+          </a:lnRef>
+          <a:fillRef idx="1">
+            <a:schemeClr val="accent1"/>
+          </a:fillRef>
+          <a:effectRef idx="0">
+            <a:schemeClr val="accent1"/>
+          </a:effectRef>
+          <a:fontRef idx="minor">
+            <a:schemeClr val="lt1"/>
+          </a:fontRef>
+        </p:style>
+        <p:txBody>
+          <a:bodyPr rtlCol="0" anchor="ctr"/>
+          <a:lstStyle/>
+          <a:p>
+            <a:pPr algn="ctr"/>
+            <a:endParaRPr lang="es-ES"/>
+          </a:p>
+        </p:txBody>
+      </p:sp>
+      <p:sp>
+        <p:nvSpPr>
+          <p:cNvPr id="10" name="CuadroTexto 9">
+            <a:extLst>
+              <a:ext uri="{FF2B5EF4-FFF2-40B4-BE49-F238E27FC236}">
+                <a16:creationId xmlns:a16="http://schemas.microsoft.com/office/drawing/2014/main" id="{235C5C2D-3349-3DD6-D08C-C54DEE3C8594}"/>
+              </a:ext>
+            </a:extLst>
+          </p:cNvPr>
+          <p:cNvSpPr txBox="1"/>
+          <p:nvPr/>
+        </p:nvSpPr>
+        <p:spPr>
+          <a:xfrm>
+            <a:off x="6457252" y="1573530"/>
+            <a:ext cx="903581" cy="307777"/>
+          </a:xfrm>
+          <a:prstGeom prst="rect">
+            <a:avLst/>
+          </a:prstGeom>
+          <a:noFill/>
+        </p:spPr>
+        <p:txBody>
+          <a:bodyPr wrap="none" rtlCol="0">
+            <a:spAutoFit/>
+          </a:bodyPr>
+          <a:lstStyle/>
+          <a:p>
+            <a:r>
+              <a:rPr lang="es-ES" sz="1400" dirty="0"/>
+              <a:t>Nombres</a:t>
+            </a:r>
+          </a:p>
+        </p:txBody>
+      </p:sp>
+      <p:sp>
+        <p:nvSpPr>
+          <p:cNvPr id="11" name="Rectángulo 10">
+            <a:extLst>
+              <a:ext uri="{FF2B5EF4-FFF2-40B4-BE49-F238E27FC236}">
+                <a16:creationId xmlns:a16="http://schemas.microsoft.com/office/drawing/2014/main" id="{EFB44958-0FB5-B76B-2656-B991C3215D47}"/>
+              </a:ext>
+            </a:extLst>
+          </p:cNvPr>
+          <p:cNvSpPr/>
+          <p:nvPr/>
+        </p:nvSpPr>
+        <p:spPr>
+          <a:xfrm>
+            <a:off x="6457252" y="2929722"/>
+            <a:ext cx="1980614" cy="369332"/>
+          </a:xfrm>
+          <a:prstGeom prst="rect">
+            <a:avLst/>
+          </a:prstGeom>
+          <a:solidFill>
+            <a:schemeClr val="bg1"/>
+          </a:solidFill>
+          <a:ln>
+            <a:solidFill>
+              <a:schemeClr val="bg1">
+                <a:lumMod val="65000"/>
+              </a:schemeClr>
+            </a:solidFill>
+          </a:ln>
+        </p:spPr>
+        <p:style>
+          <a:lnRef idx="2">
+            <a:schemeClr val="accent1">
+              <a:shade val="15000"/>
+            </a:schemeClr>
+          </a:lnRef>
+          <a:fillRef idx="1">
+            <a:schemeClr val="accent1"/>
+          </a:fillRef>
+          <a:effectRef idx="0">
+            <a:schemeClr val="accent1"/>
+          </a:effectRef>
+          <a:fontRef idx="minor">
+            <a:schemeClr val="lt1"/>
+          </a:fontRef>
+        </p:style>
+        <p:txBody>
+          <a:bodyPr rtlCol="0" anchor="ctr"/>
+          <a:lstStyle/>
+          <a:p>
+            <a:pPr algn="ctr"/>
+            <a:endParaRPr lang="es-ES"/>
+          </a:p>
+        </p:txBody>
+      </p:sp>
+      <p:sp>
+        <p:nvSpPr>
+          <p:cNvPr id="12" name="CuadroTexto 11">
+            <a:extLst>
+              <a:ext uri="{FF2B5EF4-FFF2-40B4-BE49-F238E27FC236}">
+                <a16:creationId xmlns:a16="http://schemas.microsoft.com/office/drawing/2014/main" id="{4672DCEF-EC4A-1352-87C0-A1B32E341F25}"/>
+              </a:ext>
+            </a:extLst>
+          </p:cNvPr>
+          <p:cNvSpPr txBox="1"/>
+          <p:nvPr/>
+        </p:nvSpPr>
+        <p:spPr>
+          <a:xfrm>
+            <a:off x="6457252" y="2968909"/>
+            <a:ext cx="439544" cy="307777"/>
+          </a:xfrm>
+          <a:prstGeom prst="rect">
+            <a:avLst/>
+          </a:prstGeom>
+          <a:noFill/>
+        </p:spPr>
+        <p:txBody>
+          <a:bodyPr wrap="none" rtlCol="0">
+            <a:spAutoFit/>
+          </a:bodyPr>
+          <a:lstStyle/>
+          <a:p>
+            <a:r>
+              <a:rPr lang="es-ES" sz="1400" dirty="0"/>
+              <a:t>Rol</a:t>
+            </a:r>
+          </a:p>
+        </p:txBody>
+      </p:sp>
+      <p:sp>
+        <p:nvSpPr>
+          <p:cNvPr id="13" name="Triángulo 12">
+            <a:extLst>
+              <a:ext uri="{FF2B5EF4-FFF2-40B4-BE49-F238E27FC236}">
+                <a16:creationId xmlns:a16="http://schemas.microsoft.com/office/drawing/2014/main" id="{E328F964-BC03-7D9E-FD6A-2A53A6BEED81}"/>
+              </a:ext>
+            </a:extLst>
+          </p:cNvPr>
+          <p:cNvSpPr/>
+          <p:nvPr/>
+        </p:nvSpPr>
+        <p:spPr>
+          <a:xfrm rot="10800000">
+            <a:off x="8125680" y="3049820"/>
+            <a:ext cx="122614" cy="107442"/>
+          </a:xfrm>
+          <a:prstGeom prst="triangle">
+            <a:avLst/>
+          </a:prstGeom>
+        </p:spPr>
+        <p:style>
+          <a:lnRef idx="2">
+            <a:schemeClr val="accent1">
+              <a:shade val="15000"/>
+            </a:schemeClr>
+          </a:lnRef>
+          <a:fillRef idx="1">
+            <a:schemeClr val="accent1"/>
+          </a:fillRef>
+          <a:effectRef idx="0">
+            <a:schemeClr val="accent1"/>
+          </a:effectRef>
+          <a:fontRef idx="minor">
+            <a:schemeClr val="lt1"/>
+          </a:fontRef>
+        </p:style>
+        <p:txBody>
+          <a:bodyPr rtlCol="0" anchor="ctr"/>
+          <a:lstStyle/>
+          <a:p>
+            <a:pPr algn="ctr"/>
+            <a:endParaRPr lang="es-ES"/>
+          </a:p>
+        </p:txBody>
+      </p:sp>
+      <p:sp>
+        <p:nvSpPr>
+          <p:cNvPr id="14" name="Rectángulo 13">
+            <a:extLst>
+              <a:ext uri="{FF2B5EF4-FFF2-40B4-BE49-F238E27FC236}">
+                <a16:creationId xmlns:a16="http://schemas.microsoft.com/office/drawing/2014/main" id="{D7DCC46B-DF58-B553-1225-DA906066F0E9}"/>
+              </a:ext>
+            </a:extLst>
+          </p:cNvPr>
+          <p:cNvSpPr/>
+          <p:nvPr/>
+        </p:nvSpPr>
+        <p:spPr>
+          <a:xfrm>
+            <a:off x="6452708" y="3998133"/>
+            <a:ext cx="1914078" cy="277908"/>
+          </a:xfrm>
+          <a:prstGeom prst="rect">
+            <a:avLst/>
+          </a:prstGeom>
+          <a:solidFill>
+            <a:schemeClr val="bg1">
+              <a:lumMod val="85000"/>
+            </a:schemeClr>
+          </a:solidFill>
+          <a:ln>
+            <a:solidFill>
+              <a:schemeClr val="bg1">
+                <a:lumMod val="65000"/>
+              </a:schemeClr>
+            </a:solidFill>
+          </a:ln>
+        </p:spPr>
+        <p:style>
+          <a:lnRef idx="2">
+            <a:schemeClr val="accent1">
+              <a:shade val="15000"/>
+            </a:schemeClr>
+          </a:lnRef>
+          <a:fillRef idx="1">
+            <a:schemeClr val="accent1"/>
+          </a:fillRef>
+          <a:effectRef idx="0">
+            <a:schemeClr val="accent1"/>
+          </a:effectRef>
+          <a:fontRef idx="minor">
+            <a:schemeClr val="lt1"/>
+          </a:fontRef>
+        </p:style>
+        <p:txBody>
+          <a:bodyPr rtlCol="0" anchor="ctr"/>
+          <a:lstStyle/>
+          <a:p>
+            <a:pPr algn="ctr"/>
+            <a:endParaRPr lang="es-ES"/>
+          </a:p>
+        </p:txBody>
+      </p:sp>
+      <p:sp>
+        <p:nvSpPr>
+          <p:cNvPr id="15" name="CuadroTexto 14">
+            <a:extLst>
+              <a:ext uri="{FF2B5EF4-FFF2-40B4-BE49-F238E27FC236}">
+                <a16:creationId xmlns:a16="http://schemas.microsoft.com/office/drawing/2014/main" id="{C15A7A9C-C0FE-85C0-B0BC-B8B6804C3513}"/>
+              </a:ext>
+            </a:extLst>
+          </p:cNvPr>
+          <p:cNvSpPr txBox="1"/>
+          <p:nvPr/>
+        </p:nvSpPr>
+        <p:spPr>
+          <a:xfrm>
+            <a:off x="6634514" y="4018220"/>
+            <a:ext cx="1233030" cy="253916"/>
+          </a:xfrm>
+          <a:prstGeom prst="rect">
+            <a:avLst/>
+          </a:prstGeom>
+          <a:noFill/>
+        </p:spPr>
+        <p:txBody>
+          <a:bodyPr wrap="none" rtlCol="0">
+            <a:spAutoFit/>
+          </a:bodyPr>
+          <a:lstStyle/>
+          <a:p>
+            <a:r>
+              <a:rPr lang="es-ES" sz="1050" b="1" dirty="0"/>
+              <a:t>EDITAR USUARIO</a:t>
+            </a:r>
+          </a:p>
+        </p:txBody>
+      </p:sp>
+      <p:sp>
+        <p:nvSpPr>
+          <p:cNvPr id="19" name="Rectángulo 18">
+            <a:extLst>
+              <a:ext uri="{FF2B5EF4-FFF2-40B4-BE49-F238E27FC236}">
+                <a16:creationId xmlns:a16="http://schemas.microsoft.com/office/drawing/2014/main" id="{E183BD20-1762-CEE1-7593-3B5E49E1A562}"/>
+              </a:ext>
+            </a:extLst>
+          </p:cNvPr>
+          <p:cNvSpPr/>
+          <p:nvPr/>
+        </p:nvSpPr>
+        <p:spPr>
+          <a:xfrm>
+            <a:off x="6457252" y="2011176"/>
+            <a:ext cx="1980614" cy="369332"/>
+          </a:xfrm>
+          <a:prstGeom prst="rect">
+            <a:avLst/>
+          </a:prstGeom>
+          <a:solidFill>
+            <a:schemeClr val="bg1"/>
+          </a:solidFill>
+          <a:ln>
+            <a:solidFill>
+              <a:schemeClr val="bg1">
+                <a:lumMod val="65000"/>
+              </a:schemeClr>
+            </a:solidFill>
+          </a:ln>
+        </p:spPr>
+        <p:style>
+          <a:lnRef idx="2">
+            <a:schemeClr val="accent1">
+              <a:shade val="15000"/>
+            </a:schemeClr>
+          </a:lnRef>
+          <a:fillRef idx="1">
+            <a:schemeClr val="accent1"/>
+          </a:fillRef>
+          <a:effectRef idx="0">
+            <a:schemeClr val="accent1"/>
+          </a:effectRef>
+          <a:fontRef idx="minor">
+            <a:schemeClr val="lt1"/>
+          </a:fontRef>
+        </p:style>
+        <p:txBody>
+          <a:bodyPr rtlCol="0" anchor="ctr"/>
+          <a:lstStyle/>
+          <a:p>
+            <a:pPr algn="ctr"/>
+            <a:endParaRPr lang="es-ES"/>
+          </a:p>
+        </p:txBody>
+      </p:sp>
+      <p:sp>
+        <p:nvSpPr>
+          <p:cNvPr id="20" name="CuadroTexto 19">
+            <a:extLst>
+              <a:ext uri="{FF2B5EF4-FFF2-40B4-BE49-F238E27FC236}">
+                <a16:creationId xmlns:a16="http://schemas.microsoft.com/office/drawing/2014/main" id="{17961242-B1C8-49B1-0543-06FDDF2B0770}"/>
+              </a:ext>
+            </a:extLst>
+          </p:cNvPr>
+          <p:cNvSpPr txBox="1"/>
+          <p:nvPr/>
+        </p:nvSpPr>
+        <p:spPr>
+          <a:xfrm>
+            <a:off x="6457252" y="2050363"/>
+            <a:ext cx="909223" cy="307777"/>
+          </a:xfrm>
+          <a:prstGeom prst="rect">
+            <a:avLst/>
+          </a:prstGeom>
+          <a:noFill/>
+        </p:spPr>
+        <p:txBody>
+          <a:bodyPr wrap="none" rtlCol="0">
+            <a:spAutoFit/>
+          </a:bodyPr>
+          <a:lstStyle/>
+          <a:p>
+            <a:r>
+              <a:rPr lang="es-ES" sz="1400" dirty="0"/>
+              <a:t>Apellidos</a:t>
+            </a:r>
+          </a:p>
+        </p:txBody>
+      </p:sp>
+      <p:sp>
+        <p:nvSpPr>
+          <p:cNvPr id="24" name="Rectángulo 23">
+            <a:extLst>
+              <a:ext uri="{FF2B5EF4-FFF2-40B4-BE49-F238E27FC236}">
+                <a16:creationId xmlns:a16="http://schemas.microsoft.com/office/drawing/2014/main" id="{BA4EBB16-792E-4BAB-9DE5-5CD827FDF289}"/>
+              </a:ext>
+            </a:extLst>
+          </p:cNvPr>
+          <p:cNvSpPr/>
+          <p:nvPr/>
+        </p:nvSpPr>
+        <p:spPr>
+          <a:xfrm>
+            <a:off x="6452708" y="2470449"/>
+            <a:ext cx="1980614" cy="369332"/>
+          </a:xfrm>
+          <a:prstGeom prst="rect">
+            <a:avLst/>
+          </a:prstGeom>
+          <a:solidFill>
+            <a:schemeClr val="bg1"/>
+          </a:solidFill>
+          <a:ln>
+            <a:solidFill>
+              <a:schemeClr val="bg1">
+                <a:lumMod val="65000"/>
+              </a:schemeClr>
+            </a:solidFill>
+          </a:ln>
+        </p:spPr>
+        <p:style>
+          <a:lnRef idx="2">
+            <a:schemeClr val="accent1">
+              <a:shade val="15000"/>
+            </a:schemeClr>
+          </a:lnRef>
+          <a:fillRef idx="1">
+            <a:schemeClr val="accent1"/>
+          </a:fillRef>
+          <a:effectRef idx="0">
+            <a:schemeClr val="accent1"/>
+          </a:effectRef>
+          <a:fontRef idx="minor">
+            <a:schemeClr val="lt1"/>
+          </a:fontRef>
+        </p:style>
+        <p:txBody>
+          <a:bodyPr rtlCol="0" anchor="ctr"/>
+          <a:lstStyle/>
+          <a:p>
+            <a:pPr algn="ctr"/>
+            <a:endParaRPr lang="es-ES"/>
+          </a:p>
+        </p:txBody>
+      </p:sp>
+      <p:sp>
+        <p:nvSpPr>
+          <p:cNvPr id="25" name="CuadroTexto 24">
+            <a:extLst>
+              <a:ext uri="{FF2B5EF4-FFF2-40B4-BE49-F238E27FC236}">
+                <a16:creationId xmlns:a16="http://schemas.microsoft.com/office/drawing/2014/main" id="{2B77EA72-0D75-7329-0917-CD1403400A2B}"/>
+              </a:ext>
+            </a:extLst>
+          </p:cNvPr>
+          <p:cNvSpPr txBox="1"/>
+          <p:nvPr/>
+        </p:nvSpPr>
+        <p:spPr>
+          <a:xfrm>
+            <a:off x="6452708" y="2509636"/>
+            <a:ext cx="719236" cy="307777"/>
+          </a:xfrm>
+          <a:prstGeom prst="rect">
+            <a:avLst/>
+          </a:prstGeom>
+          <a:noFill/>
+        </p:spPr>
+        <p:txBody>
+          <a:bodyPr wrap="none" rtlCol="0">
+            <a:spAutoFit/>
+          </a:bodyPr>
+          <a:lstStyle/>
+          <a:p>
+            <a:r>
+              <a:rPr lang="es-ES" sz="1400" dirty="0"/>
+              <a:t>Correo</a:t>
+            </a:r>
+          </a:p>
+        </p:txBody>
+      </p:sp>
+      <p:sp>
+        <p:nvSpPr>
+          <p:cNvPr id="26" name="Rectángulo 25">
+            <a:extLst>
+              <a:ext uri="{FF2B5EF4-FFF2-40B4-BE49-F238E27FC236}">
+                <a16:creationId xmlns:a16="http://schemas.microsoft.com/office/drawing/2014/main" id="{0CDA0A9E-1EAF-E968-B8E4-AA1FEC2D9C38}"/>
+              </a:ext>
+            </a:extLst>
+          </p:cNvPr>
+          <p:cNvSpPr/>
+          <p:nvPr/>
+        </p:nvSpPr>
+        <p:spPr>
+          <a:xfrm>
+            <a:off x="6452708" y="3388995"/>
+            <a:ext cx="1980614" cy="369332"/>
+          </a:xfrm>
+          <a:prstGeom prst="rect">
+            <a:avLst/>
+          </a:prstGeom>
+          <a:solidFill>
+            <a:schemeClr val="bg1"/>
+          </a:solidFill>
+          <a:ln>
+            <a:solidFill>
+              <a:schemeClr val="bg1">
+                <a:lumMod val="65000"/>
+              </a:schemeClr>
+            </a:solidFill>
+          </a:ln>
+        </p:spPr>
+        <p:style>
+          <a:lnRef idx="2">
+            <a:schemeClr val="accent1">
+              <a:shade val="15000"/>
+            </a:schemeClr>
+          </a:lnRef>
+          <a:fillRef idx="1">
+            <a:schemeClr val="accent1"/>
+          </a:fillRef>
+          <a:effectRef idx="0">
+            <a:schemeClr val="accent1"/>
+          </a:effectRef>
+          <a:fontRef idx="minor">
+            <a:schemeClr val="lt1"/>
+          </a:fontRef>
+        </p:style>
+        <p:txBody>
+          <a:bodyPr rtlCol="0" anchor="ctr"/>
+          <a:lstStyle/>
+          <a:p>
+            <a:pPr algn="ctr"/>
+            <a:endParaRPr lang="es-ES"/>
+          </a:p>
+        </p:txBody>
+      </p:sp>
+      <p:sp>
+        <p:nvSpPr>
+          <p:cNvPr id="27" name="CuadroTexto 26">
+            <a:extLst>
+              <a:ext uri="{FF2B5EF4-FFF2-40B4-BE49-F238E27FC236}">
+                <a16:creationId xmlns:a16="http://schemas.microsoft.com/office/drawing/2014/main" id="{17220715-8760-636A-C486-5A1E2855C31C}"/>
+              </a:ext>
+            </a:extLst>
+          </p:cNvPr>
+          <p:cNvSpPr txBox="1"/>
+          <p:nvPr/>
+        </p:nvSpPr>
+        <p:spPr>
+          <a:xfrm>
+            <a:off x="6452708" y="3428182"/>
+            <a:ext cx="723147" cy="307777"/>
+          </a:xfrm>
+          <a:prstGeom prst="rect">
+            <a:avLst/>
+          </a:prstGeom>
+          <a:noFill/>
+        </p:spPr>
+        <p:txBody>
+          <a:bodyPr wrap="none" rtlCol="0">
+            <a:spAutoFit/>
+          </a:bodyPr>
+          <a:lstStyle/>
+          <a:p>
+            <a:r>
+              <a:rPr lang="es-ES" sz="1400" dirty="0"/>
+              <a:t>Estado</a:t>
+            </a:r>
+          </a:p>
+        </p:txBody>
+      </p:sp>
+      <p:sp>
+        <p:nvSpPr>
+          <p:cNvPr id="28" name="Triángulo 27">
+            <a:extLst>
+              <a:ext uri="{FF2B5EF4-FFF2-40B4-BE49-F238E27FC236}">
+                <a16:creationId xmlns:a16="http://schemas.microsoft.com/office/drawing/2014/main" id="{DF99973B-7256-10D3-039C-81A34EB7BCD4}"/>
+              </a:ext>
+            </a:extLst>
+          </p:cNvPr>
+          <p:cNvSpPr/>
+          <p:nvPr/>
+        </p:nvSpPr>
+        <p:spPr>
+          <a:xfrm rot="10800000">
+            <a:off x="8121136" y="3509093"/>
+            <a:ext cx="122614" cy="107442"/>
+          </a:xfrm>
+          <a:prstGeom prst="triangle">
+            <a:avLst/>
+          </a:prstGeom>
+        </p:spPr>
+        <p:style>
+          <a:lnRef idx="2">
+            <a:schemeClr val="accent1">
+              <a:shade val="15000"/>
+            </a:schemeClr>
+          </a:lnRef>
+          <a:fillRef idx="1">
+            <a:schemeClr val="accent1"/>
+          </a:fillRef>
+          <a:effectRef idx="0">
+            <a:schemeClr val="accent1"/>
+          </a:effectRef>
+          <a:fontRef idx="minor">
+            <a:schemeClr val="lt1"/>
+          </a:fontRef>
+        </p:style>
+        <p:txBody>
+          <a:bodyPr rtlCol="0" anchor="ctr"/>
+          <a:lstStyle/>
+          <a:p>
+            <a:pPr algn="ctr"/>
+            <a:endParaRPr lang="es-ES"/>
+          </a:p>
+        </p:txBody>
+      </p:sp>
+      <p:sp>
+        <p:nvSpPr>
+          <p:cNvPr id="29" name="CuadroTexto 28">
+            <a:extLst>
+              <a:ext uri="{FF2B5EF4-FFF2-40B4-BE49-F238E27FC236}">
+                <a16:creationId xmlns:a16="http://schemas.microsoft.com/office/drawing/2014/main" id="{056A5D38-F20F-7A1A-CBA2-83AED572A278}"/>
+              </a:ext>
+            </a:extLst>
+          </p:cNvPr>
+          <p:cNvSpPr txBox="1"/>
+          <p:nvPr/>
+        </p:nvSpPr>
+        <p:spPr>
+          <a:xfrm>
+            <a:off x="9189031" y="3448712"/>
+            <a:ext cx="1320554" cy="523220"/>
+          </a:xfrm>
+          <a:prstGeom prst="rect">
+            <a:avLst/>
+          </a:prstGeom>
+          <a:noFill/>
+        </p:spPr>
+        <p:txBody>
+          <a:bodyPr wrap="none" rtlCol="0">
+            <a:spAutoFit/>
+          </a:bodyPr>
+          <a:lstStyle/>
+          <a:p>
+            <a:r>
+              <a:rPr lang="es-ES" sz="1400" dirty="0"/>
+              <a:t>0: desactivado</a:t>
+            </a:r>
+          </a:p>
+          <a:p>
+            <a:r>
+              <a:rPr lang="es-ES" sz="1400" dirty="0"/>
+              <a:t>1: activado</a:t>
+            </a:r>
+          </a:p>
+        </p:txBody>
+      </p:sp>
+      <p:sp>
+        <p:nvSpPr>
+          <p:cNvPr id="30" name="Rectángulo 29">
+            <a:extLst>
+              <a:ext uri="{FF2B5EF4-FFF2-40B4-BE49-F238E27FC236}">
+                <a16:creationId xmlns:a16="http://schemas.microsoft.com/office/drawing/2014/main" id="{EA19C54A-1160-EAEB-FD7B-F78D9F6581C6}"/>
+              </a:ext>
+            </a:extLst>
+          </p:cNvPr>
+          <p:cNvSpPr/>
+          <p:nvPr/>
+        </p:nvSpPr>
+        <p:spPr>
+          <a:xfrm>
+            <a:off x="6474292" y="4376893"/>
+            <a:ext cx="1914078" cy="277908"/>
+          </a:xfrm>
+          <a:prstGeom prst="rect">
+            <a:avLst/>
+          </a:prstGeom>
+          <a:solidFill>
+            <a:schemeClr val="bg1">
+              <a:lumMod val="85000"/>
+            </a:schemeClr>
+          </a:solidFill>
+          <a:ln>
+            <a:solidFill>
+              <a:schemeClr val="bg1">
+                <a:lumMod val="65000"/>
+              </a:schemeClr>
+            </a:solidFill>
+          </a:ln>
+        </p:spPr>
+        <p:style>
+          <a:lnRef idx="2">
+            <a:schemeClr val="accent1">
+              <a:shade val="15000"/>
+            </a:schemeClr>
+          </a:lnRef>
+          <a:fillRef idx="1">
+            <a:schemeClr val="accent1"/>
+          </a:fillRef>
+          <a:effectRef idx="0">
+            <a:schemeClr val="accent1"/>
+          </a:effectRef>
+          <a:fontRef idx="minor">
+            <a:schemeClr val="lt1"/>
+          </a:fontRef>
+        </p:style>
+        <p:txBody>
+          <a:bodyPr rtlCol="0" anchor="ctr"/>
+          <a:lstStyle/>
+          <a:p>
+            <a:pPr algn="ctr"/>
+            <a:endParaRPr lang="es-ES"/>
+          </a:p>
+        </p:txBody>
+      </p:sp>
+      <p:sp>
+        <p:nvSpPr>
+          <p:cNvPr id="31" name="CuadroTexto 30">
+            <a:extLst>
+              <a:ext uri="{FF2B5EF4-FFF2-40B4-BE49-F238E27FC236}">
+                <a16:creationId xmlns:a16="http://schemas.microsoft.com/office/drawing/2014/main" id="{05AAFE3B-9112-6747-AC35-F16B370EB711}"/>
+              </a:ext>
+            </a:extLst>
+          </p:cNvPr>
+          <p:cNvSpPr txBox="1"/>
+          <p:nvPr/>
+        </p:nvSpPr>
+        <p:spPr>
+          <a:xfrm>
+            <a:off x="6656098" y="4396980"/>
+            <a:ext cx="1709122" cy="253916"/>
+          </a:xfrm>
+          <a:prstGeom prst="rect">
+            <a:avLst/>
+          </a:prstGeom>
+          <a:noFill/>
+        </p:spPr>
+        <p:txBody>
+          <a:bodyPr wrap="none" rtlCol="0">
+            <a:spAutoFit/>
+          </a:bodyPr>
+          <a:lstStyle/>
+          <a:p>
+            <a:r>
+              <a:rPr lang="es-ES" sz="1050" b="1" dirty="0"/>
+              <a:t>RESETEAR CONTRASEÑA</a:t>
+            </a:r>
+          </a:p>
+        </p:txBody>
+      </p:sp>
+    </p:spTree>
+    <p:extLst>
+      <p:ext uri="{BB962C8B-B14F-4D97-AF65-F5344CB8AC3E}">
+        <p14:creationId xmlns:p14="http://schemas.microsoft.com/office/powerpoint/2010/main" val="3433002875"/>
+      </p:ext>
+    </p:extLst>
+  </p:cSld>
+  <p:clrMapOvr>
+    <a:masterClrMapping/>
+  </p:clrMapOvr>
+</p:sld>
+</file>
+
+<file path=ppt/slides/slide9.xml><?xml version="1.0" encoding="utf-8"?>
+<p:sld xmlns:a="http://schemas.openxmlformats.org/drawingml/2006/main" xmlns:r="http://schemas.openxmlformats.org/officeDocument/2006/relationships" xmlns:p="http://schemas.openxmlformats.org/presentationml/2006/main">
+  <p:cSld>
+    <p:spTree>
+      <p:nvGrpSpPr>
+        <p:cNvPr id="1" name=""/>
+        <p:cNvGrpSpPr/>
+        <p:nvPr/>
+      </p:nvGrpSpPr>
+      <p:grpSpPr>
+        <a:xfrm>
+          <a:off x="0" y="0"/>
+          <a:ext cx="0" cy="0"/>
+          <a:chOff x="0" y="0"/>
+          <a:chExt cx="0" cy="0"/>
+        </a:xfrm>
+      </p:grpSpPr>
+      <p:sp>
+        <p:nvSpPr>
+          <p:cNvPr id="4" name="Rectángulo 3">
+            <a:extLst>
+              <a:ext uri="{FF2B5EF4-FFF2-40B4-BE49-F238E27FC236}">
+                <a16:creationId xmlns:a16="http://schemas.microsoft.com/office/drawing/2014/main" id="{6AF03753-3486-50B2-F0FD-661CB0D84AC9}"/>
+              </a:ext>
+            </a:extLst>
+          </p:cNvPr>
+          <p:cNvSpPr/>
+          <p:nvPr/>
+        </p:nvSpPr>
+        <p:spPr>
+          <a:xfrm>
+            <a:off x="3709638" y="1401337"/>
+            <a:ext cx="3821151" cy="2903034"/>
+          </a:xfrm>
+          <a:prstGeom prst="rect">
+            <a:avLst/>
+          </a:prstGeom>
+          <a:solidFill>
+            <a:schemeClr val="bg1"/>
+          </a:solidFill>
+          <a:ln>
+            <a:solidFill>
+              <a:schemeClr val="bg1">
+                <a:lumMod val="65000"/>
+              </a:schemeClr>
+            </a:solidFill>
+          </a:ln>
+        </p:spPr>
+        <p:style>
+          <a:lnRef idx="2">
+            <a:schemeClr val="accent1">
+              <a:shade val="15000"/>
+            </a:schemeClr>
+          </a:lnRef>
+          <a:fillRef idx="1">
+            <a:schemeClr val="accent1"/>
+          </a:fillRef>
+          <a:effectRef idx="0">
+            <a:schemeClr val="accent1"/>
+          </a:effectRef>
+          <a:fontRef idx="minor">
+            <a:schemeClr val="lt1"/>
+          </a:fontRef>
+        </p:style>
+        <p:txBody>
+          <a:bodyPr rtlCol="0" anchor="ctr"/>
+          <a:lstStyle/>
+          <a:p>
+            <a:pPr algn="ctr"/>
+            <a:endParaRPr lang="es-ES"/>
+          </a:p>
+        </p:txBody>
+      </p:sp>
+      <p:sp>
+        <p:nvSpPr>
+          <p:cNvPr id="5" name="CuadroTexto 4">
+            <a:extLst>
+              <a:ext uri="{FF2B5EF4-FFF2-40B4-BE49-F238E27FC236}">
+                <a16:creationId xmlns:a16="http://schemas.microsoft.com/office/drawing/2014/main" id="{BBF24788-5549-138F-DF3B-6F8034047340}"/>
+              </a:ext>
+            </a:extLst>
+          </p:cNvPr>
+          <p:cNvSpPr txBox="1"/>
+          <p:nvPr/>
+        </p:nvSpPr>
+        <p:spPr>
+          <a:xfrm>
+            <a:off x="3934243" y="1540023"/>
+            <a:ext cx="2224840" cy="369332"/>
+          </a:xfrm>
+          <a:prstGeom prst="rect">
+            <a:avLst/>
+          </a:prstGeom>
+          <a:noFill/>
+        </p:spPr>
+        <p:txBody>
+          <a:bodyPr wrap="none" rtlCol="0">
+            <a:spAutoFit/>
+          </a:bodyPr>
+          <a:lstStyle/>
+          <a:p>
+            <a:r>
+              <a:rPr lang="es-ES" dirty="0"/>
+              <a:t>Cambiar contraseña</a:t>
+            </a:r>
+          </a:p>
+        </p:txBody>
+      </p:sp>
+      <p:sp>
+        <p:nvSpPr>
+          <p:cNvPr id="6" name="Rectángulo 5">
+            <a:extLst>
+              <a:ext uri="{FF2B5EF4-FFF2-40B4-BE49-F238E27FC236}">
+                <a16:creationId xmlns:a16="http://schemas.microsoft.com/office/drawing/2014/main" id="{5C4540FD-A515-9ECF-B72A-DF681AC1CC05}"/>
+              </a:ext>
+            </a:extLst>
+          </p:cNvPr>
+          <p:cNvSpPr/>
+          <p:nvPr/>
+        </p:nvSpPr>
+        <p:spPr>
+          <a:xfrm>
+            <a:off x="3996439" y="2099338"/>
+            <a:ext cx="3181577" cy="369332"/>
+          </a:xfrm>
+          <a:prstGeom prst="rect">
+            <a:avLst/>
+          </a:prstGeom>
+          <a:solidFill>
+            <a:schemeClr val="bg1"/>
+          </a:solidFill>
+          <a:ln>
+            <a:solidFill>
+              <a:schemeClr val="bg1">
+                <a:lumMod val="65000"/>
+              </a:schemeClr>
+            </a:solidFill>
+          </a:ln>
+        </p:spPr>
+        <p:style>
+          <a:lnRef idx="2">
+            <a:schemeClr val="accent1">
+              <a:shade val="15000"/>
+            </a:schemeClr>
+          </a:lnRef>
+          <a:fillRef idx="1">
+            <a:schemeClr val="accent1"/>
+          </a:fillRef>
+          <a:effectRef idx="0">
+            <a:schemeClr val="accent1"/>
+          </a:effectRef>
+          <a:fontRef idx="minor">
+            <a:schemeClr val="lt1"/>
+          </a:fontRef>
+        </p:style>
+        <p:txBody>
+          <a:bodyPr rtlCol="0" anchor="ctr"/>
+          <a:lstStyle/>
+          <a:p>
+            <a:pPr algn="ctr"/>
+            <a:endParaRPr lang="es-ES"/>
+          </a:p>
+        </p:txBody>
+      </p:sp>
+      <p:sp>
+        <p:nvSpPr>
+          <p:cNvPr id="7" name="CuadroTexto 6">
+            <a:extLst>
+              <a:ext uri="{FF2B5EF4-FFF2-40B4-BE49-F238E27FC236}">
+                <a16:creationId xmlns:a16="http://schemas.microsoft.com/office/drawing/2014/main" id="{A64C27C1-3CDD-FE80-7AD8-8568C3BDAA78}"/>
+              </a:ext>
+            </a:extLst>
+          </p:cNvPr>
+          <p:cNvSpPr txBox="1"/>
+          <p:nvPr/>
+        </p:nvSpPr>
+        <p:spPr>
+          <a:xfrm>
+            <a:off x="3996440" y="2138525"/>
+            <a:ext cx="2193486" cy="307777"/>
+          </a:xfrm>
+          <a:prstGeom prst="rect">
+            <a:avLst/>
+          </a:prstGeom>
+          <a:noFill/>
+        </p:spPr>
+        <p:txBody>
+          <a:bodyPr wrap="none" rtlCol="0">
+            <a:spAutoFit/>
+          </a:bodyPr>
+          <a:lstStyle/>
+          <a:p>
+            <a:r>
+              <a:rPr lang="es-ES" sz="1400" dirty="0"/>
+              <a:t>Ingrese contraseña actual</a:t>
+            </a:r>
+          </a:p>
+        </p:txBody>
+      </p:sp>
+      <p:sp>
+        <p:nvSpPr>
+          <p:cNvPr id="11" name="Rectángulo 10">
+            <a:extLst>
+              <a:ext uri="{FF2B5EF4-FFF2-40B4-BE49-F238E27FC236}">
+                <a16:creationId xmlns:a16="http://schemas.microsoft.com/office/drawing/2014/main" id="{B8FDB4A9-3D78-CE65-9904-6A9B965D8B28}"/>
+              </a:ext>
+            </a:extLst>
+          </p:cNvPr>
+          <p:cNvSpPr/>
+          <p:nvPr/>
+        </p:nvSpPr>
+        <p:spPr>
+          <a:xfrm>
+            <a:off x="4623798" y="3793684"/>
+            <a:ext cx="1914078" cy="277908"/>
+          </a:xfrm>
+          <a:prstGeom prst="rect">
+            <a:avLst/>
+          </a:prstGeom>
+          <a:solidFill>
+            <a:schemeClr val="bg1">
+              <a:lumMod val="85000"/>
+            </a:schemeClr>
+          </a:solidFill>
+          <a:ln>
+            <a:solidFill>
+              <a:schemeClr val="bg1">
+                <a:lumMod val="65000"/>
+              </a:schemeClr>
+            </a:solidFill>
+          </a:ln>
+        </p:spPr>
+        <p:style>
+          <a:lnRef idx="2">
+            <a:schemeClr val="accent1">
+              <a:shade val="15000"/>
+            </a:schemeClr>
+          </a:lnRef>
+          <a:fillRef idx="1">
+            <a:schemeClr val="accent1"/>
+          </a:fillRef>
+          <a:effectRef idx="0">
+            <a:schemeClr val="accent1"/>
+          </a:effectRef>
+          <a:fontRef idx="minor">
+            <a:schemeClr val="lt1"/>
+          </a:fontRef>
+        </p:style>
+        <p:txBody>
+          <a:bodyPr rtlCol="0" anchor="ctr"/>
+          <a:lstStyle/>
+          <a:p>
+            <a:pPr algn="ctr"/>
+            <a:endParaRPr lang="es-ES"/>
+          </a:p>
+        </p:txBody>
+      </p:sp>
+      <p:sp>
+        <p:nvSpPr>
+          <p:cNvPr id="12" name="CuadroTexto 11">
+            <a:extLst>
+              <a:ext uri="{FF2B5EF4-FFF2-40B4-BE49-F238E27FC236}">
+                <a16:creationId xmlns:a16="http://schemas.microsoft.com/office/drawing/2014/main" id="{A92A0C8B-4444-3E8C-F808-7CC1CB4B1450}"/>
+              </a:ext>
+            </a:extLst>
+          </p:cNvPr>
+          <p:cNvSpPr txBox="1"/>
+          <p:nvPr/>
+        </p:nvSpPr>
+        <p:spPr>
+          <a:xfrm>
+            <a:off x="4805604" y="3813771"/>
+            <a:ext cx="1657826" cy="253916"/>
+          </a:xfrm>
+          <a:prstGeom prst="rect">
+            <a:avLst/>
+          </a:prstGeom>
+          <a:noFill/>
+        </p:spPr>
+        <p:txBody>
+          <a:bodyPr wrap="none" rtlCol="0">
+            <a:spAutoFit/>
+          </a:bodyPr>
+          <a:lstStyle/>
+          <a:p>
+            <a:r>
+              <a:rPr lang="es-ES" sz="1050" b="1" dirty="0"/>
+              <a:t>CAMBIAR CONTRASEÑA</a:t>
+            </a:r>
+          </a:p>
+        </p:txBody>
+      </p:sp>
+      <p:sp>
+        <p:nvSpPr>
+          <p:cNvPr id="13" name="Rectángulo 12">
+            <a:extLst>
+              <a:ext uri="{FF2B5EF4-FFF2-40B4-BE49-F238E27FC236}">
+                <a16:creationId xmlns:a16="http://schemas.microsoft.com/office/drawing/2014/main" id="{4CE4BFC1-0BBF-0471-4C3E-3C2C34750491}"/>
+              </a:ext>
+            </a:extLst>
+          </p:cNvPr>
+          <p:cNvSpPr/>
+          <p:nvPr/>
+        </p:nvSpPr>
+        <p:spPr>
+          <a:xfrm>
+            <a:off x="3996439" y="2576171"/>
+            <a:ext cx="3181577" cy="369332"/>
+          </a:xfrm>
+          <a:prstGeom prst="rect">
+            <a:avLst/>
+          </a:prstGeom>
+          <a:solidFill>
+            <a:schemeClr val="bg1"/>
+          </a:solidFill>
+          <a:ln>
+            <a:solidFill>
+              <a:schemeClr val="bg1">
+                <a:lumMod val="65000"/>
+              </a:schemeClr>
+            </a:solidFill>
+          </a:ln>
+        </p:spPr>
+        <p:style>
+          <a:lnRef idx="2">
+            <a:schemeClr val="accent1">
+              <a:shade val="15000"/>
+            </a:schemeClr>
+          </a:lnRef>
+          <a:fillRef idx="1">
+            <a:schemeClr val="accent1"/>
+          </a:fillRef>
+          <a:effectRef idx="0">
+            <a:schemeClr val="accent1"/>
+          </a:effectRef>
+          <a:fontRef idx="minor">
+            <a:schemeClr val="lt1"/>
+          </a:fontRef>
+        </p:style>
+        <p:txBody>
+          <a:bodyPr rtlCol="0" anchor="ctr"/>
+          <a:lstStyle/>
+          <a:p>
+            <a:pPr algn="ctr"/>
+            <a:endParaRPr lang="es-ES"/>
+          </a:p>
+        </p:txBody>
+      </p:sp>
+      <p:sp>
+        <p:nvSpPr>
+          <p:cNvPr id="14" name="CuadroTexto 13">
+            <a:extLst>
+              <a:ext uri="{FF2B5EF4-FFF2-40B4-BE49-F238E27FC236}">
+                <a16:creationId xmlns:a16="http://schemas.microsoft.com/office/drawing/2014/main" id="{F768EEF8-977C-4969-D05C-42261FCA2E31}"/>
+              </a:ext>
+            </a:extLst>
+          </p:cNvPr>
+          <p:cNvSpPr txBox="1"/>
+          <p:nvPr/>
+        </p:nvSpPr>
+        <p:spPr>
+          <a:xfrm>
+            <a:off x="3996440" y="2615358"/>
+            <a:ext cx="2173415" cy="307777"/>
+          </a:xfrm>
+          <a:prstGeom prst="rect">
+            <a:avLst/>
+          </a:prstGeom>
+          <a:noFill/>
+        </p:spPr>
+        <p:txBody>
+          <a:bodyPr wrap="none" rtlCol="0">
+            <a:spAutoFit/>
+          </a:bodyPr>
+          <a:lstStyle/>
+          <a:p>
+            <a:r>
+              <a:rPr lang="es-ES" sz="1400" dirty="0"/>
+              <a:t>Ingrese nueva contraseña</a:t>
+            </a:r>
+          </a:p>
+        </p:txBody>
+      </p:sp>
+      <p:sp>
+        <p:nvSpPr>
+          <p:cNvPr id="15" name="Rectángulo 14">
+            <a:extLst>
+              <a:ext uri="{FF2B5EF4-FFF2-40B4-BE49-F238E27FC236}">
+                <a16:creationId xmlns:a16="http://schemas.microsoft.com/office/drawing/2014/main" id="{B9C01CFF-C0AF-82BC-A2A2-8F7DAA5C71B6}"/>
+              </a:ext>
+            </a:extLst>
+          </p:cNvPr>
+          <p:cNvSpPr/>
+          <p:nvPr/>
+        </p:nvSpPr>
+        <p:spPr>
+          <a:xfrm>
+            <a:off x="3991895" y="3035444"/>
+            <a:ext cx="3181577" cy="369332"/>
+          </a:xfrm>
+          <a:prstGeom prst="rect">
+            <a:avLst/>
+          </a:prstGeom>
+          <a:solidFill>
+            <a:schemeClr val="bg1"/>
+          </a:solidFill>
+          <a:ln>
+            <a:solidFill>
+              <a:schemeClr val="bg1">
+                <a:lumMod val="65000"/>
+              </a:schemeClr>
+            </a:solidFill>
+          </a:ln>
+        </p:spPr>
+        <p:style>
+          <a:lnRef idx="2">
+            <a:schemeClr val="accent1">
+              <a:shade val="15000"/>
+            </a:schemeClr>
+          </a:lnRef>
+          <a:fillRef idx="1">
+            <a:schemeClr val="accent1"/>
+          </a:fillRef>
+          <a:effectRef idx="0">
+            <a:schemeClr val="accent1"/>
+          </a:effectRef>
+          <a:fontRef idx="minor">
+            <a:schemeClr val="lt1"/>
+          </a:fontRef>
+        </p:style>
+        <p:txBody>
+          <a:bodyPr rtlCol="0" anchor="ctr"/>
+          <a:lstStyle/>
+          <a:p>
+            <a:pPr algn="ctr"/>
+            <a:endParaRPr lang="es-ES"/>
+          </a:p>
+        </p:txBody>
+      </p:sp>
+      <p:sp>
+        <p:nvSpPr>
+          <p:cNvPr id="16" name="CuadroTexto 15">
+            <a:extLst>
+              <a:ext uri="{FF2B5EF4-FFF2-40B4-BE49-F238E27FC236}">
+                <a16:creationId xmlns:a16="http://schemas.microsoft.com/office/drawing/2014/main" id="{B2522AE2-D9BD-986E-52B4-7D0C7DACC276}"/>
+              </a:ext>
+            </a:extLst>
+          </p:cNvPr>
+          <p:cNvSpPr txBox="1"/>
+          <p:nvPr/>
+        </p:nvSpPr>
+        <p:spPr>
+          <a:xfrm>
+            <a:off x="3991896" y="3074631"/>
+            <a:ext cx="3181577" cy="307777"/>
+          </a:xfrm>
+          <a:prstGeom prst="rect">
+            <a:avLst/>
+          </a:prstGeom>
+          <a:noFill/>
+        </p:spPr>
+        <p:txBody>
+          <a:bodyPr wrap="none" rtlCol="0">
+            <a:spAutoFit/>
+          </a:bodyPr>
+          <a:lstStyle/>
+          <a:p>
+            <a:r>
+              <a:rPr lang="es-ES" sz="1400" dirty="0"/>
+              <a:t>Ingrese nuevamente nueva contraseña</a:t>
+            </a:r>
+          </a:p>
+        </p:txBody>
+      </p:sp>
+    </p:spTree>
+    <p:extLst>
+      <p:ext uri="{BB962C8B-B14F-4D97-AF65-F5344CB8AC3E}">
+        <p14:creationId xmlns:p14="http://schemas.microsoft.com/office/powerpoint/2010/main" val="3114900729"/>
       </p:ext>
     </p:extLst>
   </p:cSld>

--- a/estacion90.pptx
+++ b/estacion90.pptx
@@ -14,6 +14,7 @@
     <p:sldId id="260" r:id="rId8"/>
     <p:sldId id="261" r:id="rId9"/>
     <p:sldId id="262" r:id="rId10"/>
+    <p:sldId id="265" r:id="rId11"/>
   </p:sldIdLst>
   <p:sldSz cx="12192000" cy="6858000"/>
   <p:notesSz cx="6858000" cy="9144000"/>
@@ -267,7 +268,7 @@
           <a:p>
             <a:fld id="{DB3237F6-9C76-CF49-A4CB-6D491BD5ABEF}" type="datetimeFigureOut">
               <a:rPr lang="es-ES" smtClean="0"/>
-              <a:t>20/5/25</a:t>
+              <a:t>21/5/25</a:t>
             </a:fld>
             <a:endParaRPr lang="es-ES"/>
           </a:p>
@@ -465,7 +466,7 @@
           <a:p>
             <a:fld id="{DB3237F6-9C76-CF49-A4CB-6D491BD5ABEF}" type="datetimeFigureOut">
               <a:rPr lang="es-ES" smtClean="0"/>
-              <a:t>20/5/25</a:t>
+              <a:t>21/5/25</a:t>
             </a:fld>
             <a:endParaRPr lang="es-ES"/>
           </a:p>
@@ -673,7 +674,7 @@
           <a:p>
             <a:fld id="{DB3237F6-9C76-CF49-A4CB-6D491BD5ABEF}" type="datetimeFigureOut">
               <a:rPr lang="es-ES" smtClean="0"/>
-              <a:t>20/5/25</a:t>
+              <a:t>21/5/25</a:t>
             </a:fld>
             <a:endParaRPr lang="es-ES"/>
           </a:p>
@@ -871,7 +872,7 @@
           <a:p>
             <a:fld id="{DB3237F6-9C76-CF49-A4CB-6D491BD5ABEF}" type="datetimeFigureOut">
               <a:rPr lang="es-ES" smtClean="0"/>
-              <a:t>20/5/25</a:t>
+              <a:t>21/5/25</a:t>
             </a:fld>
             <a:endParaRPr lang="es-ES"/>
           </a:p>
@@ -1146,7 +1147,7 @@
           <a:p>
             <a:fld id="{DB3237F6-9C76-CF49-A4CB-6D491BD5ABEF}" type="datetimeFigureOut">
               <a:rPr lang="es-ES" smtClean="0"/>
-              <a:t>20/5/25</a:t>
+              <a:t>21/5/25</a:t>
             </a:fld>
             <a:endParaRPr lang="es-ES"/>
           </a:p>
@@ -1411,7 +1412,7 @@
           <a:p>
             <a:fld id="{DB3237F6-9C76-CF49-A4CB-6D491BD5ABEF}" type="datetimeFigureOut">
               <a:rPr lang="es-ES" smtClean="0"/>
-              <a:t>20/5/25</a:t>
+              <a:t>21/5/25</a:t>
             </a:fld>
             <a:endParaRPr lang="es-ES"/>
           </a:p>
@@ -1823,7 +1824,7 @@
           <a:p>
             <a:fld id="{DB3237F6-9C76-CF49-A4CB-6D491BD5ABEF}" type="datetimeFigureOut">
               <a:rPr lang="es-ES" smtClean="0"/>
-              <a:t>20/5/25</a:t>
+              <a:t>21/5/25</a:t>
             </a:fld>
             <a:endParaRPr lang="es-ES"/>
           </a:p>
@@ -1964,7 +1965,7 @@
           <a:p>
             <a:fld id="{DB3237F6-9C76-CF49-A4CB-6D491BD5ABEF}" type="datetimeFigureOut">
               <a:rPr lang="es-ES" smtClean="0"/>
-              <a:t>20/5/25</a:t>
+              <a:t>21/5/25</a:t>
             </a:fld>
             <a:endParaRPr lang="es-ES"/>
           </a:p>
@@ -2077,7 +2078,7 @@
           <a:p>
             <a:fld id="{DB3237F6-9C76-CF49-A4CB-6D491BD5ABEF}" type="datetimeFigureOut">
               <a:rPr lang="es-ES" smtClean="0"/>
-              <a:t>20/5/25</a:t>
+              <a:t>21/5/25</a:t>
             </a:fld>
             <a:endParaRPr lang="es-ES"/>
           </a:p>
@@ -2388,7 +2389,7 @@
           <a:p>
             <a:fld id="{DB3237F6-9C76-CF49-A4CB-6D491BD5ABEF}" type="datetimeFigureOut">
               <a:rPr lang="es-ES" smtClean="0"/>
-              <a:t>20/5/25</a:t>
+              <a:t>21/5/25</a:t>
             </a:fld>
             <a:endParaRPr lang="es-ES"/>
           </a:p>
@@ -2676,7 +2677,7 @@
           <a:p>
             <a:fld id="{DB3237F6-9C76-CF49-A4CB-6D491BD5ABEF}" type="datetimeFigureOut">
               <a:rPr lang="es-ES" smtClean="0"/>
-              <a:t>20/5/25</a:t>
+              <a:t>21/5/25</a:t>
             </a:fld>
             <a:endParaRPr lang="es-ES"/>
           </a:p>
@@ -2917,7 +2918,7 @@
           <a:p>
             <a:fld id="{DB3237F6-9C76-CF49-A4CB-6D491BD5ABEF}" type="datetimeFigureOut">
               <a:rPr lang="es-ES" smtClean="0"/>
-              <a:t>20/5/25</a:t>
+              <a:t>21/5/25</a:t>
             </a:fld>
             <a:endParaRPr lang="es-ES"/>
           </a:p>
@@ -5088,6 +5089,1892 @@
     <p:extLst>
       <p:ext uri="{BB962C8B-B14F-4D97-AF65-F5344CB8AC3E}">
         <p14:creationId xmlns:p14="http://schemas.microsoft.com/office/powerpoint/2010/main" val="2408712795"/>
+      </p:ext>
+    </p:extLst>
+  </p:cSld>
+  <p:clrMapOvr>
+    <a:masterClrMapping/>
+  </p:clrMapOvr>
+</p:sld>
+</file>
+
+<file path=ppt/slides/slide10.xml><?xml version="1.0" encoding="utf-8"?>
+<p:sld xmlns:a="http://schemas.openxmlformats.org/drawingml/2006/main" xmlns:r="http://schemas.openxmlformats.org/officeDocument/2006/relationships" xmlns:p="http://schemas.openxmlformats.org/presentationml/2006/main">
+  <p:cSld>
+    <p:spTree>
+      <p:nvGrpSpPr>
+        <p:cNvPr id="1" name="">
+          <a:extLst>
+            <a:ext uri="{FF2B5EF4-FFF2-40B4-BE49-F238E27FC236}">
+              <a16:creationId xmlns:a16="http://schemas.microsoft.com/office/drawing/2014/main" id="{33064968-2062-621B-2976-FD2EA14F730B}"/>
+            </a:ext>
+          </a:extLst>
+        </p:cNvPr>
+        <p:cNvGrpSpPr/>
+        <p:nvPr/>
+      </p:nvGrpSpPr>
+      <p:grpSpPr>
+        <a:xfrm>
+          <a:off x="0" y="0"/>
+          <a:ext cx="0" cy="0"/>
+          <a:chOff x="0" y="0"/>
+          <a:chExt cx="0" cy="0"/>
+        </a:xfrm>
+      </p:grpSpPr>
+      <p:sp>
+        <p:nvSpPr>
+          <p:cNvPr id="4" name="Rectángulo 3">
+            <a:extLst>
+              <a:ext uri="{FF2B5EF4-FFF2-40B4-BE49-F238E27FC236}">
+                <a16:creationId xmlns:a16="http://schemas.microsoft.com/office/drawing/2014/main" id="{51E1E31D-A8A4-D7B4-A19B-1A8800B981D8}"/>
+              </a:ext>
+            </a:extLst>
+          </p:cNvPr>
+          <p:cNvSpPr/>
+          <p:nvPr/>
+        </p:nvSpPr>
+        <p:spPr>
+          <a:xfrm>
+            <a:off x="581060" y="853335"/>
+            <a:ext cx="1339983" cy="277908"/>
+          </a:xfrm>
+          <a:prstGeom prst="rect">
+            <a:avLst/>
+          </a:prstGeom>
+          <a:solidFill>
+            <a:schemeClr val="bg1"/>
+          </a:solidFill>
+          <a:ln>
+            <a:solidFill>
+              <a:schemeClr val="bg1">
+                <a:lumMod val="65000"/>
+              </a:schemeClr>
+            </a:solidFill>
+          </a:ln>
+        </p:spPr>
+        <p:style>
+          <a:lnRef idx="2">
+            <a:schemeClr val="accent1">
+              <a:shade val="15000"/>
+            </a:schemeClr>
+          </a:lnRef>
+          <a:fillRef idx="1">
+            <a:schemeClr val="accent1"/>
+          </a:fillRef>
+          <a:effectRef idx="0">
+            <a:schemeClr val="accent1"/>
+          </a:effectRef>
+          <a:fontRef idx="minor">
+            <a:schemeClr val="lt1"/>
+          </a:fontRef>
+        </p:style>
+        <p:txBody>
+          <a:bodyPr rtlCol="0" anchor="ctr"/>
+          <a:lstStyle/>
+          <a:p>
+            <a:pPr algn="ctr"/>
+            <a:endParaRPr lang="es-ES"/>
+          </a:p>
+        </p:txBody>
+      </p:sp>
+      <p:sp>
+        <p:nvSpPr>
+          <p:cNvPr id="5" name="CuadroTexto 4">
+            <a:extLst>
+              <a:ext uri="{FF2B5EF4-FFF2-40B4-BE49-F238E27FC236}">
+                <a16:creationId xmlns:a16="http://schemas.microsoft.com/office/drawing/2014/main" id="{AE5F5036-4E71-564F-E921-8C3CAC7B00A2}"/>
+              </a:ext>
+            </a:extLst>
+          </p:cNvPr>
+          <p:cNvSpPr txBox="1"/>
+          <p:nvPr/>
+        </p:nvSpPr>
+        <p:spPr>
+          <a:xfrm>
+            <a:off x="493047" y="317106"/>
+            <a:ext cx="935834" cy="369332"/>
+          </a:xfrm>
+          <a:prstGeom prst="rect">
+            <a:avLst/>
+          </a:prstGeom>
+          <a:noFill/>
+        </p:spPr>
+        <p:txBody>
+          <a:bodyPr wrap="none" rtlCol="0">
+            <a:spAutoFit/>
+          </a:bodyPr>
+          <a:lstStyle/>
+          <a:p>
+            <a:r>
+              <a:rPr lang="es-ES" dirty="0" err="1"/>
+              <a:t>Popups</a:t>
+            </a:r>
+            <a:endParaRPr lang="es-ES" dirty="0"/>
+          </a:p>
+        </p:txBody>
+      </p:sp>
+      <p:sp>
+        <p:nvSpPr>
+          <p:cNvPr id="6" name="Rectángulo 5">
+            <a:extLst>
+              <a:ext uri="{FF2B5EF4-FFF2-40B4-BE49-F238E27FC236}">
+                <a16:creationId xmlns:a16="http://schemas.microsoft.com/office/drawing/2014/main" id="{0FF54444-E4F0-1453-594E-C87661B22176}"/>
+              </a:ext>
+            </a:extLst>
+          </p:cNvPr>
+          <p:cNvSpPr/>
+          <p:nvPr/>
+        </p:nvSpPr>
+        <p:spPr>
+          <a:xfrm>
+            <a:off x="2008807" y="853335"/>
+            <a:ext cx="1339983" cy="277908"/>
+          </a:xfrm>
+          <a:prstGeom prst="rect">
+            <a:avLst/>
+          </a:prstGeom>
+          <a:solidFill>
+            <a:schemeClr val="bg1"/>
+          </a:solidFill>
+          <a:ln>
+            <a:solidFill>
+              <a:schemeClr val="bg1">
+                <a:lumMod val="65000"/>
+              </a:schemeClr>
+            </a:solidFill>
+          </a:ln>
+        </p:spPr>
+        <p:style>
+          <a:lnRef idx="2">
+            <a:schemeClr val="accent1">
+              <a:shade val="15000"/>
+            </a:schemeClr>
+          </a:lnRef>
+          <a:fillRef idx="1">
+            <a:schemeClr val="accent1"/>
+          </a:fillRef>
+          <a:effectRef idx="0">
+            <a:schemeClr val="accent1"/>
+          </a:effectRef>
+          <a:fontRef idx="minor">
+            <a:schemeClr val="lt1"/>
+          </a:fontRef>
+        </p:style>
+        <p:txBody>
+          <a:bodyPr rtlCol="0" anchor="ctr"/>
+          <a:lstStyle/>
+          <a:p>
+            <a:pPr algn="ctr"/>
+            <a:endParaRPr lang="es-ES"/>
+          </a:p>
+        </p:txBody>
+      </p:sp>
+      <p:sp>
+        <p:nvSpPr>
+          <p:cNvPr id="9" name="CuadroTexto 8">
+            <a:extLst>
+              <a:ext uri="{FF2B5EF4-FFF2-40B4-BE49-F238E27FC236}">
+                <a16:creationId xmlns:a16="http://schemas.microsoft.com/office/drawing/2014/main" id="{0C5871D5-0219-4126-94DE-F0FF62FCF33F}"/>
+              </a:ext>
+            </a:extLst>
+          </p:cNvPr>
+          <p:cNvSpPr txBox="1"/>
+          <p:nvPr/>
+        </p:nvSpPr>
+        <p:spPr>
+          <a:xfrm>
+            <a:off x="691443" y="865331"/>
+            <a:ext cx="837089" cy="253916"/>
+          </a:xfrm>
+          <a:prstGeom prst="rect">
+            <a:avLst/>
+          </a:prstGeom>
+          <a:noFill/>
+        </p:spPr>
+        <p:txBody>
+          <a:bodyPr wrap="none" rtlCol="0">
+            <a:spAutoFit/>
+          </a:bodyPr>
+          <a:lstStyle/>
+          <a:p>
+            <a:r>
+              <a:rPr lang="es-ES" sz="1050" dirty="0"/>
+              <a:t>Pendientes</a:t>
+            </a:r>
+          </a:p>
+        </p:txBody>
+      </p:sp>
+      <p:sp>
+        <p:nvSpPr>
+          <p:cNvPr id="10" name="CuadroTexto 9">
+            <a:extLst>
+              <a:ext uri="{FF2B5EF4-FFF2-40B4-BE49-F238E27FC236}">
+                <a16:creationId xmlns:a16="http://schemas.microsoft.com/office/drawing/2014/main" id="{94404D17-B39E-6578-7BF8-20B8422CAE41}"/>
+              </a:ext>
+            </a:extLst>
+          </p:cNvPr>
+          <p:cNvSpPr txBox="1"/>
+          <p:nvPr/>
+        </p:nvSpPr>
+        <p:spPr>
+          <a:xfrm>
+            <a:off x="2119189" y="865331"/>
+            <a:ext cx="686406" cy="253916"/>
+          </a:xfrm>
+          <a:prstGeom prst="rect">
+            <a:avLst/>
+          </a:prstGeom>
+          <a:noFill/>
+        </p:spPr>
+        <p:txBody>
+          <a:bodyPr wrap="none" rtlCol="0">
+            <a:spAutoFit/>
+          </a:bodyPr>
+          <a:lstStyle/>
+          <a:p>
+            <a:r>
+              <a:rPr lang="es-ES" sz="1050" dirty="0"/>
+              <a:t>Pasados</a:t>
+            </a:r>
+          </a:p>
+        </p:txBody>
+      </p:sp>
+      <p:sp>
+        <p:nvSpPr>
+          <p:cNvPr id="16" name="Rectángulo 15">
+            <a:extLst>
+              <a:ext uri="{FF2B5EF4-FFF2-40B4-BE49-F238E27FC236}">
+                <a16:creationId xmlns:a16="http://schemas.microsoft.com/office/drawing/2014/main" id="{A02C6631-45D9-0094-0822-3C4A27705790}"/>
+              </a:ext>
+            </a:extLst>
+          </p:cNvPr>
+          <p:cNvSpPr/>
+          <p:nvPr/>
+        </p:nvSpPr>
+        <p:spPr>
+          <a:xfrm>
+            <a:off x="572199" y="1131243"/>
+            <a:ext cx="10251941" cy="4216934"/>
+          </a:xfrm>
+          <a:prstGeom prst="rect">
+            <a:avLst/>
+          </a:prstGeom>
+          <a:solidFill>
+            <a:schemeClr val="bg1"/>
+          </a:solidFill>
+          <a:ln>
+            <a:solidFill>
+              <a:schemeClr val="bg1">
+                <a:lumMod val="65000"/>
+              </a:schemeClr>
+            </a:solidFill>
+          </a:ln>
+        </p:spPr>
+        <p:style>
+          <a:lnRef idx="2">
+            <a:schemeClr val="accent1">
+              <a:shade val="15000"/>
+            </a:schemeClr>
+          </a:lnRef>
+          <a:fillRef idx="1">
+            <a:schemeClr val="accent1"/>
+          </a:fillRef>
+          <a:effectRef idx="0">
+            <a:schemeClr val="accent1"/>
+          </a:effectRef>
+          <a:fontRef idx="minor">
+            <a:schemeClr val="lt1"/>
+          </a:fontRef>
+        </p:style>
+        <p:txBody>
+          <a:bodyPr rtlCol="0" anchor="ctr"/>
+          <a:lstStyle/>
+          <a:p>
+            <a:pPr algn="ctr"/>
+            <a:endParaRPr lang="es-ES"/>
+          </a:p>
+        </p:txBody>
+      </p:sp>
+      <p:sp>
+        <p:nvSpPr>
+          <p:cNvPr id="17" name="CuadroTexto 16">
+            <a:extLst>
+              <a:ext uri="{FF2B5EF4-FFF2-40B4-BE49-F238E27FC236}">
+                <a16:creationId xmlns:a16="http://schemas.microsoft.com/office/drawing/2014/main" id="{E68B760D-77CC-80EE-44E7-7DB5738DB33A}"/>
+              </a:ext>
+            </a:extLst>
+          </p:cNvPr>
+          <p:cNvSpPr txBox="1"/>
+          <p:nvPr/>
+        </p:nvSpPr>
+        <p:spPr>
+          <a:xfrm>
+            <a:off x="3164773" y="1280422"/>
+            <a:ext cx="445956" cy="253916"/>
+          </a:xfrm>
+          <a:prstGeom prst="rect">
+            <a:avLst/>
+          </a:prstGeom>
+          <a:noFill/>
+        </p:spPr>
+        <p:txBody>
+          <a:bodyPr wrap="none" rtlCol="0">
+            <a:spAutoFit/>
+          </a:bodyPr>
+          <a:lstStyle/>
+          <a:p>
+            <a:r>
+              <a:rPr lang="es-ES" sz="1050" dirty="0"/>
+              <a:t>Foto</a:t>
+            </a:r>
+          </a:p>
+        </p:txBody>
+      </p:sp>
+      <p:sp>
+        <p:nvSpPr>
+          <p:cNvPr id="19" name="CuadroTexto 18">
+            <a:extLst>
+              <a:ext uri="{FF2B5EF4-FFF2-40B4-BE49-F238E27FC236}">
+                <a16:creationId xmlns:a16="http://schemas.microsoft.com/office/drawing/2014/main" id="{A440F115-190F-DDD1-6C7E-B95C8A36A84A}"/>
+              </a:ext>
+            </a:extLst>
+          </p:cNvPr>
+          <p:cNvSpPr txBox="1"/>
+          <p:nvPr/>
+        </p:nvSpPr>
+        <p:spPr>
+          <a:xfrm>
+            <a:off x="4772627" y="1280422"/>
+            <a:ext cx="391454" cy="253916"/>
+          </a:xfrm>
+          <a:prstGeom prst="rect">
+            <a:avLst/>
+          </a:prstGeom>
+          <a:noFill/>
+        </p:spPr>
+        <p:txBody>
+          <a:bodyPr wrap="none" rtlCol="0">
+            <a:spAutoFit/>
+          </a:bodyPr>
+          <a:lstStyle/>
+          <a:p>
+            <a:r>
+              <a:rPr lang="es-ES" sz="1050" dirty="0"/>
+              <a:t>link</a:t>
+            </a:r>
+          </a:p>
+        </p:txBody>
+      </p:sp>
+      <p:sp>
+        <p:nvSpPr>
+          <p:cNvPr id="20" name="CuadroTexto 19">
+            <a:extLst>
+              <a:ext uri="{FF2B5EF4-FFF2-40B4-BE49-F238E27FC236}">
+                <a16:creationId xmlns:a16="http://schemas.microsoft.com/office/drawing/2014/main" id="{4FAFBA5D-0A34-14F6-0BAF-DEC4A61F3F64}"/>
+              </a:ext>
+            </a:extLst>
+          </p:cNvPr>
+          <p:cNvSpPr txBox="1"/>
+          <p:nvPr/>
+        </p:nvSpPr>
+        <p:spPr>
+          <a:xfrm>
+            <a:off x="6567000" y="1280422"/>
+            <a:ext cx="886781" cy="253916"/>
+          </a:xfrm>
+          <a:prstGeom prst="rect">
+            <a:avLst/>
+          </a:prstGeom>
+          <a:noFill/>
+        </p:spPr>
+        <p:txBody>
+          <a:bodyPr wrap="none" rtlCol="0">
+            <a:spAutoFit/>
+          </a:bodyPr>
+          <a:lstStyle/>
+          <a:p>
+            <a:r>
+              <a:rPr lang="es-ES" sz="1050" dirty="0"/>
+              <a:t>Descripción</a:t>
+            </a:r>
+          </a:p>
+        </p:txBody>
+      </p:sp>
+      <p:sp>
+        <p:nvSpPr>
+          <p:cNvPr id="23" name="Rectángulo 22">
+            <a:extLst>
+              <a:ext uri="{FF2B5EF4-FFF2-40B4-BE49-F238E27FC236}">
+                <a16:creationId xmlns:a16="http://schemas.microsoft.com/office/drawing/2014/main" id="{6A3D12AA-D879-73E6-8BEA-6F20DB4CAB23}"/>
+              </a:ext>
+            </a:extLst>
+          </p:cNvPr>
+          <p:cNvSpPr/>
+          <p:nvPr/>
+        </p:nvSpPr>
+        <p:spPr>
+          <a:xfrm>
+            <a:off x="2988173" y="1576047"/>
+            <a:ext cx="808434" cy="553835"/>
+          </a:xfrm>
+          <a:prstGeom prst="rect">
+            <a:avLst/>
+          </a:prstGeom>
+          <a:solidFill>
+            <a:schemeClr val="bg1"/>
+          </a:solidFill>
+          <a:ln>
+            <a:solidFill>
+              <a:schemeClr val="bg1">
+                <a:lumMod val="65000"/>
+              </a:schemeClr>
+            </a:solidFill>
+          </a:ln>
+        </p:spPr>
+        <p:style>
+          <a:lnRef idx="2">
+            <a:schemeClr val="accent1">
+              <a:shade val="15000"/>
+            </a:schemeClr>
+          </a:lnRef>
+          <a:fillRef idx="1">
+            <a:schemeClr val="accent1"/>
+          </a:fillRef>
+          <a:effectRef idx="0">
+            <a:schemeClr val="accent1"/>
+          </a:effectRef>
+          <a:fontRef idx="minor">
+            <a:schemeClr val="lt1"/>
+          </a:fontRef>
+        </p:style>
+        <p:txBody>
+          <a:bodyPr rtlCol="0" anchor="ctr"/>
+          <a:lstStyle/>
+          <a:p>
+            <a:pPr algn="ctr"/>
+            <a:endParaRPr lang="es-ES"/>
+          </a:p>
+        </p:txBody>
+      </p:sp>
+      <p:sp>
+        <p:nvSpPr>
+          <p:cNvPr id="24" name="CuadroTexto 23">
+            <a:extLst>
+              <a:ext uri="{FF2B5EF4-FFF2-40B4-BE49-F238E27FC236}">
+                <a16:creationId xmlns:a16="http://schemas.microsoft.com/office/drawing/2014/main" id="{E6D1C734-1463-9B85-C692-6BD8A74C6137}"/>
+              </a:ext>
+            </a:extLst>
+          </p:cNvPr>
+          <p:cNvSpPr txBox="1"/>
+          <p:nvPr/>
+        </p:nvSpPr>
+        <p:spPr>
+          <a:xfrm>
+            <a:off x="4774420" y="1687614"/>
+            <a:ext cx="1552028" cy="253916"/>
+          </a:xfrm>
+          <a:prstGeom prst="rect">
+            <a:avLst/>
+          </a:prstGeom>
+          <a:noFill/>
+        </p:spPr>
+        <p:txBody>
+          <a:bodyPr wrap="none" rtlCol="0">
+            <a:spAutoFit/>
+          </a:bodyPr>
+          <a:lstStyle/>
+          <a:p>
+            <a:r>
+              <a:rPr lang="es-ES" sz="1050" dirty="0"/>
+              <a:t>https://</a:t>
+            </a:r>
+            <a:r>
+              <a:rPr lang="es-ES" sz="1050" dirty="0" err="1"/>
+              <a:t>adsdfsd.asdasd</a:t>
+            </a:r>
+            <a:endParaRPr lang="es-ES" sz="1050" dirty="0"/>
+          </a:p>
+        </p:txBody>
+      </p:sp>
+      <p:sp>
+        <p:nvSpPr>
+          <p:cNvPr id="25" name="CuadroTexto 24">
+            <a:extLst>
+              <a:ext uri="{FF2B5EF4-FFF2-40B4-BE49-F238E27FC236}">
+                <a16:creationId xmlns:a16="http://schemas.microsoft.com/office/drawing/2014/main" id="{EE176403-18F7-ADD0-3B8D-D90F8B861959}"/>
+              </a:ext>
+            </a:extLst>
+          </p:cNvPr>
+          <p:cNvSpPr txBox="1"/>
+          <p:nvPr/>
+        </p:nvSpPr>
+        <p:spPr>
+          <a:xfrm>
+            <a:off x="6567000" y="1687614"/>
+            <a:ext cx="1422184" cy="253916"/>
+          </a:xfrm>
+          <a:prstGeom prst="rect">
+            <a:avLst/>
+          </a:prstGeom>
+          <a:noFill/>
+        </p:spPr>
+        <p:txBody>
+          <a:bodyPr wrap="none" rtlCol="0">
+            <a:spAutoFit/>
+          </a:bodyPr>
+          <a:lstStyle/>
+          <a:p>
+            <a:r>
+              <a:rPr lang="es-ES" sz="1050" dirty="0"/>
+              <a:t>Descripción del plato</a:t>
+            </a:r>
+          </a:p>
+        </p:txBody>
+      </p:sp>
+      <p:sp>
+        <p:nvSpPr>
+          <p:cNvPr id="26" name="CuadroTexto 25">
+            <a:extLst>
+              <a:ext uri="{FF2B5EF4-FFF2-40B4-BE49-F238E27FC236}">
+                <a16:creationId xmlns:a16="http://schemas.microsoft.com/office/drawing/2014/main" id="{19C17EE3-6059-79E7-6D0E-1955A57F1492}"/>
+              </a:ext>
+            </a:extLst>
+          </p:cNvPr>
+          <p:cNvSpPr txBox="1"/>
+          <p:nvPr/>
+        </p:nvSpPr>
+        <p:spPr>
+          <a:xfrm>
+            <a:off x="778590" y="1283675"/>
+            <a:ext cx="944489" cy="253916"/>
+          </a:xfrm>
+          <a:prstGeom prst="rect">
+            <a:avLst/>
+          </a:prstGeom>
+          <a:noFill/>
+        </p:spPr>
+        <p:txBody>
+          <a:bodyPr wrap="none" rtlCol="0">
+            <a:spAutoFit/>
+          </a:bodyPr>
+          <a:lstStyle/>
+          <a:p>
+            <a:r>
+              <a:rPr lang="es-ES" sz="1050" dirty="0"/>
+              <a:t>Fecha </a:t>
+            </a:r>
+            <a:r>
+              <a:rPr lang="es-ES" sz="1050" dirty="0" err="1"/>
+              <a:t>popup</a:t>
+            </a:r>
+            <a:endParaRPr lang="es-ES" sz="1050" dirty="0"/>
+          </a:p>
+        </p:txBody>
+      </p:sp>
+      <p:sp>
+        <p:nvSpPr>
+          <p:cNvPr id="27" name="CuadroTexto 26">
+            <a:extLst>
+              <a:ext uri="{FF2B5EF4-FFF2-40B4-BE49-F238E27FC236}">
+                <a16:creationId xmlns:a16="http://schemas.microsoft.com/office/drawing/2014/main" id="{00BCB213-0752-954D-DF3B-27749010654C}"/>
+              </a:ext>
+            </a:extLst>
+          </p:cNvPr>
+          <p:cNvSpPr txBox="1"/>
+          <p:nvPr/>
+        </p:nvSpPr>
+        <p:spPr>
+          <a:xfrm>
+            <a:off x="1903955" y="1285006"/>
+            <a:ext cx="659155" cy="253916"/>
+          </a:xfrm>
+          <a:prstGeom prst="rect">
+            <a:avLst/>
+          </a:prstGeom>
+          <a:noFill/>
+        </p:spPr>
+        <p:txBody>
+          <a:bodyPr wrap="none" rtlCol="0">
+            <a:spAutoFit/>
+          </a:bodyPr>
+          <a:lstStyle/>
+          <a:p>
+            <a:r>
+              <a:rPr lang="es-ES" sz="1050" dirty="0"/>
+              <a:t>Nombre</a:t>
+            </a:r>
+          </a:p>
+        </p:txBody>
+      </p:sp>
+      <p:sp>
+        <p:nvSpPr>
+          <p:cNvPr id="28" name="CuadroTexto 27">
+            <a:extLst>
+              <a:ext uri="{FF2B5EF4-FFF2-40B4-BE49-F238E27FC236}">
+                <a16:creationId xmlns:a16="http://schemas.microsoft.com/office/drawing/2014/main" id="{ECDB989A-E83F-3DB6-D6DF-6780AA785D57}"/>
+              </a:ext>
+            </a:extLst>
+          </p:cNvPr>
+          <p:cNvSpPr txBox="1"/>
+          <p:nvPr/>
+        </p:nvSpPr>
+        <p:spPr>
+          <a:xfrm>
+            <a:off x="778590" y="1686283"/>
+            <a:ext cx="984565" cy="253916"/>
+          </a:xfrm>
+          <a:prstGeom prst="rect">
+            <a:avLst/>
+          </a:prstGeom>
+          <a:noFill/>
+        </p:spPr>
+        <p:txBody>
+          <a:bodyPr wrap="none" rtlCol="0">
+            <a:spAutoFit/>
+          </a:bodyPr>
+          <a:lstStyle/>
+          <a:p>
+            <a:r>
+              <a:rPr lang="es-ES" sz="1050" dirty="0"/>
+              <a:t>17 Mayo 2025</a:t>
+            </a:r>
+          </a:p>
+        </p:txBody>
+      </p:sp>
+      <p:sp>
+        <p:nvSpPr>
+          <p:cNvPr id="29" name="CuadroTexto 28">
+            <a:extLst>
+              <a:ext uri="{FF2B5EF4-FFF2-40B4-BE49-F238E27FC236}">
+                <a16:creationId xmlns:a16="http://schemas.microsoft.com/office/drawing/2014/main" id="{CB1DDDE3-4E36-4FCD-7DF7-EDAF1C59A8EE}"/>
+              </a:ext>
+            </a:extLst>
+          </p:cNvPr>
+          <p:cNvSpPr txBox="1"/>
+          <p:nvPr/>
+        </p:nvSpPr>
+        <p:spPr>
+          <a:xfrm>
+            <a:off x="1842322" y="1687614"/>
+            <a:ext cx="1061509" cy="253916"/>
+          </a:xfrm>
+          <a:prstGeom prst="rect">
+            <a:avLst/>
+          </a:prstGeom>
+          <a:noFill/>
+        </p:spPr>
+        <p:txBody>
+          <a:bodyPr wrap="none" rtlCol="0">
+            <a:spAutoFit/>
+          </a:bodyPr>
+          <a:lstStyle/>
+          <a:p>
+            <a:r>
+              <a:rPr lang="es-ES" sz="1050" dirty="0"/>
+              <a:t>Nombre </a:t>
+            </a:r>
+            <a:r>
+              <a:rPr lang="es-ES" sz="1050" dirty="0" err="1"/>
+              <a:t>popup</a:t>
+            </a:r>
+            <a:endParaRPr lang="es-ES" sz="1050" dirty="0"/>
+          </a:p>
+        </p:txBody>
+      </p:sp>
+      <p:sp>
+        <p:nvSpPr>
+          <p:cNvPr id="30" name="CuadroTexto 29">
+            <a:extLst>
+              <a:ext uri="{FF2B5EF4-FFF2-40B4-BE49-F238E27FC236}">
+                <a16:creationId xmlns:a16="http://schemas.microsoft.com/office/drawing/2014/main" id="{B9691FD6-CBC3-49A2-2C37-B1F823A13A70}"/>
+              </a:ext>
+            </a:extLst>
+          </p:cNvPr>
+          <p:cNvSpPr txBox="1"/>
+          <p:nvPr/>
+        </p:nvSpPr>
+        <p:spPr>
+          <a:xfrm>
+            <a:off x="10104753" y="1686283"/>
+            <a:ext cx="631904" cy="253916"/>
+          </a:xfrm>
+          <a:prstGeom prst="rect">
+            <a:avLst/>
+          </a:prstGeom>
+          <a:noFill/>
+        </p:spPr>
+        <p:txBody>
+          <a:bodyPr wrap="none" rtlCol="0">
+            <a:spAutoFit/>
+          </a:bodyPr>
+          <a:lstStyle/>
+          <a:p>
+            <a:r>
+              <a:rPr lang="es-ES" sz="1050" b="1" dirty="0"/>
+              <a:t>EDITAR</a:t>
+            </a:r>
+          </a:p>
+        </p:txBody>
+      </p:sp>
+      <p:cxnSp>
+        <p:nvCxnSpPr>
+          <p:cNvPr id="32" name="Conector recto 31">
+            <a:extLst>
+              <a:ext uri="{FF2B5EF4-FFF2-40B4-BE49-F238E27FC236}">
+                <a16:creationId xmlns:a16="http://schemas.microsoft.com/office/drawing/2014/main" id="{800C5505-F196-2DCE-CEA8-FADCC4F30905}"/>
+              </a:ext>
+            </a:extLst>
+          </p:cNvPr>
+          <p:cNvCxnSpPr>
+            <a:cxnSpLocks/>
+          </p:cNvCxnSpPr>
+          <p:nvPr/>
+        </p:nvCxnSpPr>
+        <p:spPr>
+          <a:xfrm>
+            <a:off x="691443" y="1534338"/>
+            <a:ext cx="9776860" cy="0"/>
+          </a:xfrm>
+          <a:prstGeom prst="line">
+            <a:avLst/>
+          </a:prstGeom>
+        </p:spPr>
+        <p:style>
+          <a:lnRef idx="2">
+            <a:schemeClr val="accent1"/>
+          </a:lnRef>
+          <a:fillRef idx="0">
+            <a:schemeClr val="accent1"/>
+          </a:fillRef>
+          <a:effectRef idx="1">
+            <a:schemeClr val="accent1"/>
+          </a:effectRef>
+          <a:fontRef idx="minor">
+            <a:schemeClr val="tx1"/>
+          </a:fontRef>
+        </p:style>
+      </p:cxnSp>
+      <p:sp>
+        <p:nvSpPr>
+          <p:cNvPr id="33" name="Rectángulo 32">
+            <a:extLst>
+              <a:ext uri="{FF2B5EF4-FFF2-40B4-BE49-F238E27FC236}">
+                <a16:creationId xmlns:a16="http://schemas.microsoft.com/office/drawing/2014/main" id="{6281A815-902B-C92A-3989-167D304E162C}"/>
+              </a:ext>
+            </a:extLst>
+          </p:cNvPr>
+          <p:cNvSpPr/>
+          <p:nvPr/>
+        </p:nvSpPr>
+        <p:spPr>
+          <a:xfrm>
+            <a:off x="2988173" y="2258133"/>
+            <a:ext cx="808434" cy="553835"/>
+          </a:xfrm>
+          <a:prstGeom prst="rect">
+            <a:avLst/>
+          </a:prstGeom>
+          <a:solidFill>
+            <a:schemeClr val="bg1"/>
+          </a:solidFill>
+          <a:ln>
+            <a:solidFill>
+              <a:schemeClr val="bg1">
+                <a:lumMod val="65000"/>
+              </a:schemeClr>
+            </a:solidFill>
+          </a:ln>
+        </p:spPr>
+        <p:style>
+          <a:lnRef idx="2">
+            <a:schemeClr val="accent1">
+              <a:shade val="15000"/>
+            </a:schemeClr>
+          </a:lnRef>
+          <a:fillRef idx="1">
+            <a:schemeClr val="accent1"/>
+          </a:fillRef>
+          <a:effectRef idx="0">
+            <a:schemeClr val="accent1"/>
+          </a:effectRef>
+          <a:fontRef idx="minor">
+            <a:schemeClr val="lt1"/>
+          </a:fontRef>
+        </p:style>
+        <p:txBody>
+          <a:bodyPr rtlCol="0" anchor="ctr"/>
+          <a:lstStyle/>
+          <a:p>
+            <a:pPr algn="ctr"/>
+            <a:endParaRPr lang="es-ES"/>
+          </a:p>
+        </p:txBody>
+      </p:sp>
+      <p:sp>
+        <p:nvSpPr>
+          <p:cNvPr id="34" name="CuadroTexto 33">
+            <a:extLst>
+              <a:ext uri="{FF2B5EF4-FFF2-40B4-BE49-F238E27FC236}">
+                <a16:creationId xmlns:a16="http://schemas.microsoft.com/office/drawing/2014/main" id="{7DDD7F4B-72F2-E46C-B9C6-1DD4111F0B92}"/>
+              </a:ext>
+            </a:extLst>
+          </p:cNvPr>
+          <p:cNvSpPr txBox="1"/>
+          <p:nvPr/>
+        </p:nvSpPr>
+        <p:spPr>
+          <a:xfrm>
+            <a:off x="4774420" y="2369700"/>
+            <a:ext cx="1552028" cy="253916"/>
+          </a:xfrm>
+          <a:prstGeom prst="rect">
+            <a:avLst/>
+          </a:prstGeom>
+          <a:noFill/>
+        </p:spPr>
+        <p:txBody>
+          <a:bodyPr wrap="none" rtlCol="0">
+            <a:spAutoFit/>
+          </a:bodyPr>
+          <a:lstStyle/>
+          <a:p>
+            <a:r>
+              <a:rPr lang="es-ES" sz="1050" dirty="0"/>
+              <a:t>https://</a:t>
+            </a:r>
+            <a:r>
+              <a:rPr lang="es-ES" sz="1050" dirty="0" err="1"/>
+              <a:t>adsdfsd.asdasd</a:t>
+            </a:r>
+            <a:endParaRPr lang="es-ES" sz="1050" dirty="0"/>
+          </a:p>
+        </p:txBody>
+      </p:sp>
+      <p:sp>
+        <p:nvSpPr>
+          <p:cNvPr id="35" name="CuadroTexto 34">
+            <a:extLst>
+              <a:ext uri="{FF2B5EF4-FFF2-40B4-BE49-F238E27FC236}">
+                <a16:creationId xmlns:a16="http://schemas.microsoft.com/office/drawing/2014/main" id="{57EE55FC-2C07-30B2-600F-B9CC028D9931}"/>
+              </a:ext>
+            </a:extLst>
+          </p:cNvPr>
+          <p:cNvSpPr txBox="1"/>
+          <p:nvPr/>
+        </p:nvSpPr>
+        <p:spPr>
+          <a:xfrm>
+            <a:off x="6567000" y="2369700"/>
+            <a:ext cx="1422184" cy="253916"/>
+          </a:xfrm>
+          <a:prstGeom prst="rect">
+            <a:avLst/>
+          </a:prstGeom>
+          <a:noFill/>
+        </p:spPr>
+        <p:txBody>
+          <a:bodyPr wrap="none" rtlCol="0">
+            <a:spAutoFit/>
+          </a:bodyPr>
+          <a:lstStyle/>
+          <a:p>
+            <a:r>
+              <a:rPr lang="es-ES" sz="1050" dirty="0"/>
+              <a:t>Descripción del plato</a:t>
+            </a:r>
+          </a:p>
+        </p:txBody>
+      </p:sp>
+      <p:sp>
+        <p:nvSpPr>
+          <p:cNvPr id="36" name="CuadroTexto 35">
+            <a:extLst>
+              <a:ext uri="{FF2B5EF4-FFF2-40B4-BE49-F238E27FC236}">
+                <a16:creationId xmlns:a16="http://schemas.microsoft.com/office/drawing/2014/main" id="{16ACA6D8-F540-48F9-012C-7F6BFDF2D712}"/>
+              </a:ext>
+            </a:extLst>
+          </p:cNvPr>
+          <p:cNvSpPr txBox="1"/>
+          <p:nvPr/>
+        </p:nvSpPr>
+        <p:spPr>
+          <a:xfrm>
+            <a:off x="778590" y="2368369"/>
+            <a:ext cx="984565" cy="253916"/>
+          </a:xfrm>
+          <a:prstGeom prst="rect">
+            <a:avLst/>
+          </a:prstGeom>
+          <a:noFill/>
+        </p:spPr>
+        <p:txBody>
+          <a:bodyPr wrap="none" rtlCol="0">
+            <a:spAutoFit/>
+          </a:bodyPr>
+          <a:lstStyle/>
+          <a:p>
+            <a:r>
+              <a:rPr lang="es-ES" sz="1050" dirty="0"/>
+              <a:t>16 Mayo 2025</a:t>
+            </a:r>
+          </a:p>
+        </p:txBody>
+      </p:sp>
+      <p:sp>
+        <p:nvSpPr>
+          <p:cNvPr id="37" name="CuadroTexto 36">
+            <a:extLst>
+              <a:ext uri="{FF2B5EF4-FFF2-40B4-BE49-F238E27FC236}">
+                <a16:creationId xmlns:a16="http://schemas.microsoft.com/office/drawing/2014/main" id="{098939B3-88A7-4BFB-D4DB-F0C8C907E6FC}"/>
+              </a:ext>
+            </a:extLst>
+          </p:cNvPr>
+          <p:cNvSpPr txBox="1"/>
+          <p:nvPr/>
+        </p:nvSpPr>
+        <p:spPr>
+          <a:xfrm>
+            <a:off x="1842322" y="2369700"/>
+            <a:ext cx="1061509" cy="253916"/>
+          </a:xfrm>
+          <a:prstGeom prst="rect">
+            <a:avLst/>
+          </a:prstGeom>
+          <a:noFill/>
+        </p:spPr>
+        <p:txBody>
+          <a:bodyPr wrap="none" rtlCol="0">
+            <a:spAutoFit/>
+          </a:bodyPr>
+          <a:lstStyle/>
+          <a:p>
+            <a:r>
+              <a:rPr lang="es-ES" sz="1050" dirty="0"/>
+              <a:t>Nombre </a:t>
+            </a:r>
+            <a:r>
+              <a:rPr lang="es-ES" sz="1050" dirty="0" err="1"/>
+              <a:t>popup</a:t>
+            </a:r>
+            <a:endParaRPr lang="es-ES" sz="1050" dirty="0"/>
+          </a:p>
+        </p:txBody>
+      </p:sp>
+      <p:sp>
+        <p:nvSpPr>
+          <p:cNvPr id="38" name="CuadroTexto 37">
+            <a:extLst>
+              <a:ext uri="{FF2B5EF4-FFF2-40B4-BE49-F238E27FC236}">
+                <a16:creationId xmlns:a16="http://schemas.microsoft.com/office/drawing/2014/main" id="{5DAE301F-22F5-0BE6-4BB7-41C1B43FB85A}"/>
+              </a:ext>
+            </a:extLst>
+          </p:cNvPr>
+          <p:cNvSpPr txBox="1"/>
+          <p:nvPr/>
+        </p:nvSpPr>
+        <p:spPr>
+          <a:xfrm>
+            <a:off x="10104753" y="2368369"/>
+            <a:ext cx="631904" cy="253916"/>
+          </a:xfrm>
+          <a:prstGeom prst="rect">
+            <a:avLst/>
+          </a:prstGeom>
+          <a:noFill/>
+        </p:spPr>
+        <p:txBody>
+          <a:bodyPr wrap="none" rtlCol="0">
+            <a:spAutoFit/>
+          </a:bodyPr>
+          <a:lstStyle/>
+          <a:p>
+            <a:r>
+              <a:rPr lang="es-ES" sz="1050" b="1" dirty="0"/>
+              <a:t>EDITAR</a:t>
+            </a:r>
+          </a:p>
+        </p:txBody>
+      </p:sp>
+      <p:sp>
+        <p:nvSpPr>
+          <p:cNvPr id="39" name="Rectángulo 38">
+            <a:extLst>
+              <a:ext uri="{FF2B5EF4-FFF2-40B4-BE49-F238E27FC236}">
+                <a16:creationId xmlns:a16="http://schemas.microsoft.com/office/drawing/2014/main" id="{A98D6752-A629-BDE0-6096-0E3A469665AC}"/>
+              </a:ext>
+            </a:extLst>
+          </p:cNvPr>
+          <p:cNvSpPr/>
+          <p:nvPr/>
+        </p:nvSpPr>
+        <p:spPr>
+          <a:xfrm>
+            <a:off x="2988173" y="2896354"/>
+            <a:ext cx="808434" cy="553835"/>
+          </a:xfrm>
+          <a:prstGeom prst="rect">
+            <a:avLst/>
+          </a:prstGeom>
+          <a:solidFill>
+            <a:schemeClr val="bg1"/>
+          </a:solidFill>
+          <a:ln>
+            <a:solidFill>
+              <a:schemeClr val="bg1">
+                <a:lumMod val="65000"/>
+              </a:schemeClr>
+            </a:solidFill>
+          </a:ln>
+        </p:spPr>
+        <p:style>
+          <a:lnRef idx="2">
+            <a:schemeClr val="accent1">
+              <a:shade val="15000"/>
+            </a:schemeClr>
+          </a:lnRef>
+          <a:fillRef idx="1">
+            <a:schemeClr val="accent1"/>
+          </a:fillRef>
+          <a:effectRef idx="0">
+            <a:schemeClr val="accent1"/>
+          </a:effectRef>
+          <a:fontRef idx="minor">
+            <a:schemeClr val="lt1"/>
+          </a:fontRef>
+        </p:style>
+        <p:txBody>
+          <a:bodyPr rtlCol="0" anchor="ctr"/>
+          <a:lstStyle/>
+          <a:p>
+            <a:pPr algn="ctr"/>
+            <a:endParaRPr lang="es-ES"/>
+          </a:p>
+        </p:txBody>
+      </p:sp>
+      <p:sp>
+        <p:nvSpPr>
+          <p:cNvPr id="40" name="CuadroTexto 39">
+            <a:extLst>
+              <a:ext uri="{FF2B5EF4-FFF2-40B4-BE49-F238E27FC236}">
+                <a16:creationId xmlns:a16="http://schemas.microsoft.com/office/drawing/2014/main" id="{8468C85C-A0E0-661D-C70E-4D0E819A222B}"/>
+              </a:ext>
+            </a:extLst>
+          </p:cNvPr>
+          <p:cNvSpPr txBox="1"/>
+          <p:nvPr/>
+        </p:nvSpPr>
+        <p:spPr>
+          <a:xfrm>
+            <a:off x="4774420" y="3007921"/>
+            <a:ext cx="1552028" cy="253916"/>
+          </a:xfrm>
+          <a:prstGeom prst="rect">
+            <a:avLst/>
+          </a:prstGeom>
+          <a:noFill/>
+        </p:spPr>
+        <p:txBody>
+          <a:bodyPr wrap="none" rtlCol="0">
+            <a:spAutoFit/>
+          </a:bodyPr>
+          <a:lstStyle/>
+          <a:p>
+            <a:r>
+              <a:rPr lang="es-ES" sz="1050" dirty="0"/>
+              <a:t>https://</a:t>
+            </a:r>
+            <a:r>
+              <a:rPr lang="es-ES" sz="1050" dirty="0" err="1"/>
+              <a:t>adsdfsd.asdasd</a:t>
+            </a:r>
+            <a:endParaRPr lang="es-ES" sz="1050" dirty="0"/>
+          </a:p>
+        </p:txBody>
+      </p:sp>
+      <p:sp>
+        <p:nvSpPr>
+          <p:cNvPr id="41" name="CuadroTexto 40">
+            <a:extLst>
+              <a:ext uri="{FF2B5EF4-FFF2-40B4-BE49-F238E27FC236}">
+                <a16:creationId xmlns:a16="http://schemas.microsoft.com/office/drawing/2014/main" id="{F1C3B339-D02C-537F-C083-1AB0D766DF91}"/>
+              </a:ext>
+            </a:extLst>
+          </p:cNvPr>
+          <p:cNvSpPr txBox="1"/>
+          <p:nvPr/>
+        </p:nvSpPr>
+        <p:spPr>
+          <a:xfrm>
+            <a:off x="6567000" y="3007921"/>
+            <a:ext cx="1422184" cy="253916"/>
+          </a:xfrm>
+          <a:prstGeom prst="rect">
+            <a:avLst/>
+          </a:prstGeom>
+          <a:noFill/>
+        </p:spPr>
+        <p:txBody>
+          <a:bodyPr wrap="none" rtlCol="0">
+            <a:spAutoFit/>
+          </a:bodyPr>
+          <a:lstStyle/>
+          <a:p>
+            <a:r>
+              <a:rPr lang="es-ES" sz="1050" dirty="0"/>
+              <a:t>Descripción del plato</a:t>
+            </a:r>
+          </a:p>
+        </p:txBody>
+      </p:sp>
+      <p:sp>
+        <p:nvSpPr>
+          <p:cNvPr id="42" name="CuadroTexto 41">
+            <a:extLst>
+              <a:ext uri="{FF2B5EF4-FFF2-40B4-BE49-F238E27FC236}">
+                <a16:creationId xmlns:a16="http://schemas.microsoft.com/office/drawing/2014/main" id="{6CA727C6-C8B4-212E-0E1B-C5B8B7082499}"/>
+              </a:ext>
+            </a:extLst>
+          </p:cNvPr>
+          <p:cNvSpPr txBox="1"/>
+          <p:nvPr/>
+        </p:nvSpPr>
+        <p:spPr>
+          <a:xfrm>
+            <a:off x="778590" y="3006590"/>
+            <a:ext cx="984565" cy="253916"/>
+          </a:xfrm>
+          <a:prstGeom prst="rect">
+            <a:avLst/>
+          </a:prstGeom>
+          <a:noFill/>
+        </p:spPr>
+        <p:txBody>
+          <a:bodyPr wrap="none" rtlCol="0">
+            <a:spAutoFit/>
+          </a:bodyPr>
+          <a:lstStyle/>
+          <a:p>
+            <a:r>
+              <a:rPr lang="es-ES" sz="1050" dirty="0"/>
+              <a:t>15 Mayo 2025</a:t>
+            </a:r>
+          </a:p>
+        </p:txBody>
+      </p:sp>
+      <p:sp>
+        <p:nvSpPr>
+          <p:cNvPr id="43" name="CuadroTexto 42">
+            <a:extLst>
+              <a:ext uri="{FF2B5EF4-FFF2-40B4-BE49-F238E27FC236}">
+                <a16:creationId xmlns:a16="http://schemas.microsoft.com/office/drawing/2014/main" id="{24A7C59A-7B1E-8CE9-4E0C-22A92253CF59}"/>
+              </a:ext>
+            </a:extLst>
+          </p:cNvPr>
+          <p:cNvSpPr txBox="1"/>
+          <p:nvPr/>
+        </p:nvSpPr>
+        <p:spPr>
+          <a:xfrm>
+            <a:off x="1842322" y="3007921"/>
+            <a:ext cx="1061509" cy="253916"/>
+          </a:xfrm>
+          <a:prstGeom prst="rect">
+            <a:avLst/>
+          </a:prstGeom>
+          <a:noFill/>
+        </p:spPr>
+        <p:txBody>
+          <a:bodyPr wrap="none" rtlCol="0">
+            <a:spAutoFit/>
+          </a:bodyPr>
+          <a:lstStyle/>
+          <a:p>
+            <a:r>
+              <a:rPr lang="es-ES" sz="1050" dirty="0"/>
+              <a:t>Nombre </a:t>
+            </a:r>
+            <a:r>
+              <a:rPr lang="es-ES" sz="1050" dirty="0" err="1"/>
+              <a:t>popup</a:t>
+            </a:r>
+            <a:endParaRPr lang="es-ES" sz="1050" dirty="0"/>
+          </a:p>
+        </p:txBody>
+      </p:sp>
+      <p:sp>
+        <p:nvSpPr>
+          <p:cNvPr id="44" name="CuadroTexto 43">
+            <a:extLst>
+              <a:ext uri="{FF2B5EF4-FFF2-40B4-BE49-F238E27FC236}">
+                <a16:creationId xmlns:a16="http://schemas.microsoft.com/office/drawing/2014/main" id="{880599FC-1E28-330E-D45C-151DBA73F086}"/>
+              </a:ext>
+            </a:extLst>
+          </p:cNvPr>
+          <p:cNvSpPr txBox="1"/>
+          <p:nvPr/>
+        </p:nvSpPr>
+        <p:spPr>
+          <a:xfrm>
+            <a:off x="10104753" y="3006590"/>
+            <a:ext cx="631904" cy="253916"/>
+          </a:xfrm>
+          <a:prstGeom prst="rect">
+            <a:avLst/>
+          </a:prstGeom>
+          <a:noFill/>
+        </p:spPr>
+        <p:txBody>
+          <a:bodyPr wrap="none" rtlCol="0">
+            <a:spAutoFit/>
+          </a:bodyPr>
+          <a:lstStyle/>
+          <a:p>
+            <a:r>
+              <a:rPr lang="es-ES" sz="1050" b="1" dirty="0"/>
+              <a:t>EDITAR</a:t>
+            </a:r>
+          </a:p>
+        </p:txBody>
+      </p:sp>
+      <p:sp>
+        <p:nvSpPr>
+          <p:cNvPr id="51" name="Rectángulo 50">
+            <a:extLst>
+              <a:ext uri="{FF2B5EF4-FFF2-40B4-BE49-F238E27FC236}">
+                <a16:creationId xmlns:a16="http://schemas.microsoft.com/office/drawing/2014/main" id="{30A3192D-5AFA-3C05-610B-7AB8092BF1C6}"/>
+              </a:ext>
+            </a:extLst>
+          </p:cNvPr>
+          <p:cNvSpPr/>
+          <p:nvPr/>
+        </p:nvSpPr>
+        <p:spPr>
+          <a:xfrm>
+            <a:off x="583795" y="5660915"/>
+            <a:ext cx="1914078" cy="277908"/>
+          </a:xfrm>
+          <a:prstGeom prst="rect">
+            <a:avLst/>
+          </a:prstGeom>
+          <a:solidFill>
+            <a:schemeClr val="bg1">
+              <a:lumMod val="85000"/>
+            </a:schemeClr>
+          </a:solidFill>
+          <a:ln>
+            <a:solidFill>
+              <a:schemeClr val="bg1">
+                <a:lumMod val="65000"/>
+              </a:schemeClr>
+            </a:solidFill>
+          </a:ln>
+        </p:spPr>
+        <p:style>
+          <a:lnRef idx="2">
+            <a:schemeClr val="accent1">
+              <a:shade val="15000"/>
+            </a:schemeClr>
+          </a:lnRef>
+          <a:fillRef idx="1">
+            <a:schemeClr val="accent1"/>
+          </a:fillRef>
+          <a:effectRef idx="0">
+            <a:schemeClr val="accent1"/>
+          </a:effectRef>
+          <a:fontRef idx="minor">
+            <a:schemeClr val="lt1"/>
+          </a:fontRef>
+        </p:style>
+        <p:txBody>
+          <a:bodyPr rtlCol="0" anchor="ctr"/>
+          <a:lstStyle/>
+          <a:p>
+            <a:pPr algn="ctr"/>
+            <a:endParaRPr lang="es-ES"/>
+          </a:p>
+        </p:txBody>
+      </p:sp>
+      <p:sp>
+        <p:nvSpPr>
+          <p:cNvPr id="52" name="CuadroTexto 51">
+            <a:extLst>
+              <a:ext uri="{FF2B5EF4-FFF2-40B4-BE49-F238E27FC236}">
+                <a16:creationId xmlns:a16="http://schemas.microsoft.com/office/drawing/2014/main" id="{B12B0CFA-646E-6032-3917-FEA3FE09DCAA}"/>
+              </a:ext>
+            </a:extLst>
+          </p:cNvPr>
+          <p:cNvSpPr txBox="1"/>
+          <p:nvPr/>
+        </p:nvSpPr>
+        <p:spPr>
+          <a:xfrm>
+            <a:off x="765601" y="5681002"/>
+            <a:ext cx="1074333" cy="253916"/>
+          </a:xfrm>
+          <a:prstGeom prst="rect">
+            <a:avLst/>
+          </a:prstGeom>
+          <a:noFill/>
+        </p:spPr>
+        <p:txBody>
+          <a:bodyPr wrap="none" rtlCol="0">
+            <a:spAutoFit/>
+          </a:bodyPr>
+          <a:lstStyle/>
+          <a:p>
+            <a:r>
+              <a:rPr lang="es-ES" sz="1050" b="1" dirty="0"/>
+              <a:t>CREAR POPUP</a:t>
+            </a:r>
+          </a:p>
+        </p:txBody>
+      </p:sp>
+      <p:sp>
+        <p:nvSpPr>
+          <p:cNvPr id="2" name="CuadroTexto 1">
+            <a:extLst>
+              <a:ext uri="{FF2B5EF4-FFF2-40B4-BE49-F238E27FC236}">
+                <a16:creationId xmlns:a16="http://schemas.microsoft.com/office/drawing/2014/main" id="{51CCBDD2-2EB9-A79A-11D3-90EF4CFF128D}"/>
+              </a:ext>
+            </a:extLst>
+          </p:cNvPr>
+          <p:cNvSpPr txBox="1"/>
+          <p:nvPr/>
+        </p:nvSpPr>
+        <p:spPr>
+          <a:xfrm>
+            <a:off x="3992893" y="4953487"/>
+            <a:ext cx="1207382" cy="253916"/>
+          </a:xfrm>
+          <a:prstGeom prst="rect">
+            <a:avLst/>
+          </a:prstGeom>
+          <a:noFill/>
+        </p:spPr>
+        <p:txBody>
+          <a:bodyPr wrap="none" rtlCol="0">
+            <a:spAutoFit/>
+          </a:bodyPr>
+          <a:lstStyle/>
+          <a:p>
+            <a:r>
+              <a:rPr lang="es-ES" sz="1050" dirty="0"/>
+              <a:t>1    2   3   4   5  6    7</a:t>
+            </a:r>
+          </a:p>
+        </p:txBody>
+      </p:sp>
+      <p:sp>
+        <p:nvSpPr>
+          <p:cNvPr id="3" name="CuadroTexto 2">
+            <a:extLst>
+              <a:ext uri="{FF2B5EF4-FFF2-40B4-BE49-F238E27FC236}">
+                <a16:creationId xmlns:a16="http://schemas.microsoft.com/office/drawing/2014/main" id="{BFC5567C-BA92-1D92-7C3C-E9675F5A647A}"/>
+              </a:ext>
+            </a:extLst>
+          </p:cNvPr>
+          <p:cNvSpPr txBox="1"/>
+          <p:nvPr/>
+        </p:nvSpPr>
+        <p:spPr>
+          <a:xfrm>
+            <a:off x="11206949" y="2950433"/>
+            <a:ext cx="862737" cy="253916"/>
+          </a:xfrm>
+          <a:prstGeom prst="rect">
+            <a:avLst/>
+          </a:prstGeom>
+          <a:noFill/>
+        </p:spPr>
+        <p:txBody>
+          <a:bodyPr wrap="none" rtlCol="0">
+            <a:spAutoFit/>
+          </a:bodyPr>
+          <a:lstStyle/>
+          <a:p>
+            <a:r>
+              <a:rPr lang="es-ES" sz="1050" dirty="0"/>
+              <a:t>15 registros</a:t>
+            </a:r>
+          </a:p>
+        </p:txBody>
+      </p:sp>
+      <p:sp>
+        <p:nvSpPr>
+          <p:cNvPr id="8" name="Cerrar llave 7">
+            <a:extLst>
+              <a:ext uri="{FF2B5EF4-FFF2-40B4-BE49-F238E27FC236}">
+                <a16:creationId xmlns:a16="http://schemas.microsoft.com/office/drawing/2014/main" id="{EE8FE9BE-7112-AAB8-9814-D5878F0C96D0}"/>
+              </a:ext>
+            </a:extLst>
+          </p:cNvPr>
+          <p:cNvSpPr/>
+          <p:nvPr/>
+        </p:nvSpPr>
+        <p:spPr>
+          <a:xfrm>
+            <a:off x="10855522" y="1813241"/>
+            <a:ext cx="320046" cy="2528300"/>
+          </a:xfrm>
+          <a:prstGeom prst="rightBrace">
+            <a:avLst/>
+          </a:prstGeom>
+        </p:spPr>
+        <p:style>
+          <a:lnRef idx="2">
+            <a:schemeClr val="accent1"/>
+          </a:lnRef>
+          <a:fillRef idx="0">
+            <a:schemeClr val="accent1"/>
+          </a:fillRef>
+          <a:effectRef idx="1">
+            <a:schemeClr val="accent1"/>
+          </a:effectRef>
+          <a:fontRef idx="minor">
+            <a:schemeClr val="tx1"/>
+          </a:fontRef>
+        </p:style>
+        <p:txBody>
+          <a:bodyPr rtlCol="0" anchor="ctr"/>
+          <a:lstStyle/>
+          <a:p>
+            <a:pPr algn="ctr"/>
+            <a:endParaRPr lang="es-ES"/>
+          </a:p>
+        </p:txBody>
+      </p:sp>
+      <p:sp>
+        <p:nvSpPr>
+          <p:cNvPr id="13" name="CuadroTexto 12">
+            <a:extLst>
+              <a:ext uri="{FF2B5EF4-FFF2-40B4-BE49-F238E27FC236}">
+                <a16:creationId xmlns:a16="http://schemas.microsoft.com/office/drawing/2014/main" id="{80B16E2B-BD37-653D-98E7-12DCD9E3079E}"/>
+              </a:ext>
+            </a:extLst>
+          </p:cNvPr>
+          <p:cNvSpPr txBox="1"/>
+          <p:nvPr/>
+        </p:nvSpPr>
+        <p:spPr>
+          <a:xfrm>
+            <a:off x="3901991" y="1165796"/>
+            <a:ext cx="721672" cy="415498"/>
+          </a:xfrm>
+          <a:prstGeom prst="rect">
+            <a:avLst/>
+          </a:prstGeom>
+          <a:noFill/>
+        </p:spPr>
+        <p:txBody>
+          <a:bodyPr wrap="none" rtlCol="0">
+            <a:spAutoFit/>
+          </a:bodyPr>
+          <a:lstStyle/>
+          <a:p>
+            <a:pPr algn="ctr"/>
+            <a:r>
+              <a:rPr lang="es-ES" sz="1050" dirty="0"/>
+              <a:t>Cantidad</a:t>
+            </a:r>
+          </a:p>
+          <a:p>
+            <a:pPr algn="ctr"/>
+            <a:r>
+              <a:rPr lang="es-ES" sz="1050" dirty="0"/>
+              <a:t>Por día</a:t>
+            </a:r>
+          </a:p>
+        </p:txBody>
+      </p:sp>
+      <p:sp>
+        <p:nvSpPr>
+          <p:cNvPr id="18" name="CuadroTexto 17">
+            <a:extLst>
+              <a:ext uri="{FF2B5EF4-FFF2-40B4-BE49-F238E27FC236}">
+                <a16:creationId xmlns:a16="http://schemas.microsoft.com/office/drawing/2014/main" id="{82CB8CCB-3379-8D1D-0D5C-0F82E0FB4353}"/>
+              </a:ext>
+            </a:extLst>
+          </p:cNvPr>
+          <p:cNvSpPr txBox="1"/>
+          <p:nvPr/>
+        </p:nvSpPr>
+        <p:spPr>
+          <a:xfrm>
+            <a:off x="4097829" y="1686283"/>
+            <a:ext cx="256802" cy="253916"/>
+          </a:xfrm>
+          <a:prstGeom prst="rect">
+            <a:avLst/>
+          </a:prstGeom>
+          <a:noFill/>
+        </p:spPr>
+        <p:txBody>
+          <a:bodyPr wrap="none" rtlCol="0">
+            <a:spAutoFit/>
+          </a:bodyPr>
+          <a:lstStyle/>
+          <a:p>
+            <a:r>
+              <a:rPr lang="es-ES" sz="1050" dirty="0"/>
+              <a:t>2</a:t>
+            </a:r>
+          </a:p>
+        </p:txBody>
+      </p:sp>
+      <p:sp>
+        <p:nvSpPr>
+          <p:cNvPr id="21" name="CuadroTexto 20">
+            <a:extLst>
+              <a:ext uri="{FF2B5EF4-FFF2-40B4-BE49-F238E27FC236}">
+                <a16:creationId xmlns:a16="http://schemas.microsoft.com/office/drawing/2014/main" id="{325DB73A-2434-3314-5EA4-3A47F5797B71}"/>
+              </a:ext>
+            </a:extLst>
+          </p:cNvPr>
+          <p:cNvSpPr txBox="1"/>
+          <p:nvPr/>
+        </p:nvSpPr>
+        <p:spPr>
+          <a:xfrm>
+            <a:off x="4097829" y="2368369"/>
+            <a:ext cx="256802" cy="253916"/>
+          </a:xfrm>
+          <a:prstGeom prst="rect">
+            <a:avLst/>
+          </a:prstGeom>
+          <a:noFill/>
+        </p:spPr>
+        <p:txBody>
+          <a:bodyPr wrap="none" rtlCol="0">
+            <a:spAutoFit/>
+          </a:bodyPr>
+          <a:lstStyle/>
+          <a:p>
+            <a:r>
+              <a:rPr lang="es-ES" sz="1050" dirty="0"/>
+              <a:t>3</a:t>
+            </a:r>
+          </a:p>
+        </p:txBody>
+      </p:sp>
+      <p:sp>
+        <p:nvSpPr>
+          <p:cNvPr id="22" name="CuadroTexto 21">
+            <a:extLst>
+              <a:ext uri="{FF2B5EF4-FFF2-40B4-BE49-F238E27FC236}">
+                <a16:creationId xmlns:a16="http://schemas.microsoft.com/office/drawing/2014/main" id="{F2747D37-E6B9-0D8E-0899-891D4B52E883}"/>
+              </a:ext>
+            </a:extLst>
+          </p:cNvPr>
+          <p:cNvSpPr txBox="1"/>
+          <p:nvPr/>
+        </p:nvSpPr>
+        <p:spPr>
+          <a:xfrm>
+            <a:off x="4097829" y="3006590"/>
+            <a:ext cx="256802" cy="253916"/>
+          </a:xfrm>
+          <a:prstGeom prst="rect">
+            <a:avLst/>
+          </a:prstGeom>
+          <a:noFill/>
+        </p:spPr>
+        <p:txBody>
+          <a:bodyPr wrap="none" rtlCol="0">
+            <a:spAutoFit/>
+          </a:bodyPr>
+          <a:lstStyle/>
+          <a:p>
+            <a:r>
+              <a:rPr lang="es-ES" sz="1050" dirty="0"/>
+              <a:t>3</a:t>
+            </a:r>
+          </a:p>
+        </p:txBody>
+      </p:sp>
+      <p:sp>
+        <p:nvSpPr>
+          <p:cNvPr id="31" name="CuadroTexto 30">
+            <a:extLst>
+              <a:ext uri="{FF2B5EF4-FFF2-40B4-BE49-F238E27FC236}">
+                <a16:creationId xmlns:a16="http://schemas.microsoft.com/office/drawing/2014/main" id="{F87C8281-19A6-DD02-692F-62B935FAB2FA}"/>
+              </a:ext>
+            </a:extLst>
+          </p:cNvPr>
+          <p:cNvSpPr txBox="1"/>
+          <p:nvPr/>
+        </p:nvSpPr>
+        <p:spPr>
+          <a:xfrm>
+            <a:off x="8075435" y="1280422"/>
+            <a:ext cx="639919" cy="253916"/>
+          </a:xfrm>
+          <a:prstGeom prst="rect">
+            <a:avLst/>
+          </a:prstGeom>
+          <a:noFill/>
+        </p:spPr>
+        <p:txBody>
+          <a:bodyPr wrap="none" rtlCol="0">
+            <a:spAutoFit/>
+          </a:bodyPr>
+          <a:lstStyle/>
+          <a:p>
+            <a:r>
+              <a:rPr lang="es-ES" sz="1050" dirty="0"/>
+              <a:t>Usuario</a:t>
+            </a:r>
+          </a:p>
+        </p:txBody>
+      </p:sp>
+      <p:sp>
+        <p:nvSpPr>
+          <p:cNvPr id="45" name="CuadroTexto 44">
+            <a:extLst>
+              <a:ext uri="{FF2B5EF4-FFF2-40B4-BE49-F238E27FC236}">
+                <a16:creationId xmlns:a16="http://schemas.microsoft.com/office/drawing/2014/main" id="{02E43837-ABD2-1E4E-9AB7-B4B66967FC3A}"/>
+              </a:ext>
+            </a:extLst>
+          </p:cNvPr>
+          <p:cNvSpPr txBox="1"/>
+          <p:nvPr/>
+        </p:nvSpPr>
+        <p:spPr>
+          <a:xfrm>
+            <a:off x="8075435" y="1687614"/>
+            <a:ext cx="627095" cy="253916"/>
+          </a:xfrm>
+          <a:prstGeom prst="rect">
+            <a:avLst/>
+          </a:prstGeom>
+          <a:noFill/>
+        </p:spPr>
+        <p:txBody>
+          <a:bodyPr wrap="none" rtlCol="0">
+            <a:spAutoFit/>
+          </a:bodyPr>
+          <a:lstStyle/>
+          <a:p>
+            <a:r>
+              <a:rPr lang="es-ES" sz="1050" dirty="0"/>
+              <a:t>Alfonso</a:t>
+            </a:r>
+          </a:p>
+        </p:txBody>
+      </p:sp>
+      <p:sp>
+        <p:nvSpPr>
+          <p:cNvPr id="50" name="CuadroTexto 49">
+            <a:extLst>
+              <a:ext uri="{FF2B5EF4-FFF2-40B4-BE49-F238E27FC236}">
+                <a16:creationId xmlns:a16="http://schemas.microsoft.com/office/drawing/2014/main" id="{907160F7-8D59-19BF-14E6-23475B5BD3F4}"/>
+              </a:ext>
+            </a:extLst>
+          </p:cNvPr>
+          <p:cNvSpPr txBox="1"/>
+          <p:nvPr/>
+        </p:nvSpPr>
+        <p:spPr>
+          <a:xfrm>
+            <a:off x="8075435" y="2369700"/>
+            <a:ext cx="526106" cy="253916"/>
+          </a:xfrm>
+          <a:prstGeom prst="rect">
+            <a:avLst/>
+          </a:prstGeom>
+          <a:noFill/>
+        </p:spPr>
+        <p:txBody>
+          <a:bodyPr wrap="none" rtlCol="0">
+            <a:spAutoFit/>
+          </a:bodyPr>
+          <a:lstStyle/>
+          <a:p>
+            <a:r>
+              <a:rPr lang="es-ES" sz="1050" dirty="0"/>
+              <a:t>Pedro</a:t>
+            </a:r>
+          </a:p>
+        </p:txBody>
+      </p:sp>
+      <p:sp>
+        <p:nvSpPr>
+          <p:cNvPr id="53" name="CuadroTexto 52">
+            <a:extLst>
+              <a:ext uri="{FF2B5EF4-FFF2-40B4-BE49-F238E27FC236}">
+                <a16:creationId xmlns:a16="http://schemas.microsoft.com/office/drawing/2014/main" id="{2397F516-974A-598A-2118-D093509A5B47}"/>
+              </a:ext>
+            </a:extLst>
+          </p:cNvPr>
+          <p:cNvSpPr txBox="1"/>
+          <p:nvPr/>
+        </p:nvSpPr>
+        <p:spPr>
+          <a:xfrm>
+            <a:off x="8075435" y="3007921"/>
+            <a:ext cx="601447" cy="253916"/>
+          </a:xfrm>
+          <a:prstGeom prst="rect">
+            <a:avLst/>
+          </a:prstGeom>
+          <a:noFill/>
+        </p:spPr>
+        <p:txBody>
+          <a:bodyPr wrap="none" rtlCol="0">
+            <a:spAutoFit/>
+          </a:bodyPr>
+          <a:lstStyle/>
+          <a:p>
+            <a:r>
+              <a:rPr lang="es-ES" sz="1050" dirty="0"/>
+              <a:t>Román</a:t>
+            </a:r>
+          </a:p>
+        </p:txBody>
+      </p:sp>
+      <p:sp>
+        <p:nvSpPr>
+          <p:cNvPr id="54" name="CuadroTexto 53">
+            <a:extLst>
+              <a:ext uri="{FF2B5EF4-FFF2-40B4-BE49-F238E27FC236}">
+                <a16:creationId xmlns:a16="http://schemas.microsoft.com/office/drawing/2014/main" id="{E1D6361F-B70F-369A-8E0E-1C55993EF16A}"/>
+              </a:ext>
+            </a:extLst>
+          </p:cNvPr>
+          <p:cNvSpPr txBox="1"/>
+          <p:nvPr/>
+        </p:nvSpPr>
+        <p:spPr>
+          <a:xfrm>
+            <a:off x="9088760" y="1281029"/>
+            <a:ext cx="1077539" cy="253916"/>
+          </a:xfrm>
+          <a:prstGeom prst="rect">
+            <a:avLst/>
+          </a:prstGeom>
+          <a:noFill/>
+        </p:spPr>
+        <p:txBody>
+          <a:bodyPr wrap="none" rtlCol="0">
+            <a:spAutoFit/>
+          </a:bodyPr>
+          <a:lstStyle/>
+          <a:p>
+            <a:r>
+              <a:rPr lang="es-ES" sz="1050" dirty="0"/>
+              <a:t>Fecha creación</a:t>
+            </a:r>
+          </a:p>
+        </p:txBody>
+      </p:sp>
+      <p:sp>
+        <p:nvSpPr>
+          <p:cNvPr id="58" name="CuadroTexto 57">
+            <a:extLst>
+              <a:ext uri="{FF2B5EF4-FFF2-40B4-BE49-F238E27FC236}">
+                <a16:creationId xmlns:a16="http://schemas.microsoft.com/office/drawing/2014/main" id="{F051931A-D551-FFC2-6081-7100A030A733}"/>
+              </a:ext>
+            </a:extLst>
+          </p:cNvPr>
+          <p:cNvSpPr txBox="1"/>
+          <p:nvPr/>
+        </p:nvSpPr>
+        <p:spPr>
+          <a:xfrm>
+            <a:off x="9120188" y="1685706"/>
+            <a:ext cx="984565" cy="253916"/>
+          </a:xfrm>
+          <a:prstGeom prst="rect">
+            <a:avLst/>
+          </a:prstGeom>
+          <a:noFill/>
+        </p:spPr>
+        <p:txBody>
+          <a:bodyPr wrap="none" rtlCol="0">
+            <a:spAutoFit/>
+          </a:bodyPr>
+          <a:lstStyle/>
+          <a:p>
+            <a:r>
+              <a:rPr lang="es-ES" sz="1050" dirty="0"/>
+              <a:t>15 Mayo 2025</a:t>
+            </a:r>
+          </a:p>
+        </p:txBody>
+      </p:sp>
+      <p:sp>
+        <p:nvSpPr>
+          <p:cNvPr id="59" name="CuadroTexto 58">
+            <a:extLst>
+              <a:ext uri="{FF2B5EF4-FFF2-40B4-BE49-F238E27FC236}">
+                <a16:creationId xmlns:a16="http://schemas.microsoft.com/office/drawing/2014/main" id="{B71A28D5-D5B4-DC13-9B94-2D95055121B2}"/>
+              </a:ext>
+            </a:extLst>
+          </p:cNvPr>
+          <p:cNvSpPr txBox="1"/>
+          <p:nvPr/>
+        </p:nvSpPr>
+        <p:spPr>
+          <a:xfrm>
+            <a:off x="9120188" y="2367792"/>
+            <a:ext cx="984565" cy="253916"/>
+          </a:xfrm>
+          <a:prstGeom prst="rect">
+            <a:avLst/>
+          </a:prstGeom>
+          <a:noFill/>
+        </p:spPr>
+        <p:txBody>
+          <a:bodyPr wrap="none" rtlCol="0">
+            <a:spAutoFit/>
+          </a:bodyPr>
+          <a:lstStyle/>
+          <a:p>
+            <a:r>
+              <a:rPr lang="es-ES" sz="1050" dirty="0"/>
+              <a:t>15 Mayo 2025</a:t>
+            </a:r>
+          </a:p>
+        </p:txBody>
+      </p:sp>
+      <p:sp>
+        <p:nvSpPr>
+          <p:cNvPr id="60" name="CuadroTexto 59">
+            <a:extLst>
+              <a:ext uri="{FF2B5EF4-FFF2-40B4-BE49-F238E27FC236}">
+                <a16:creationId xmlns:a16="http://schemas.microsoft.com/office/drawing/2014/main" id="{C8B2202F-5EC9-FBD0-C101-5D82E9290CE6}"/>
+              </a:ext>
+            </a:extLst>
+          </p:cNvPr>
+          <p:cNvSpPr txBox="1"/>
+          <p:nvPr/>
+        </p:nvSpPr>
+        <p:spPr>
+          <a:xfrm>
+            <a:off x="9120188" y="3006013"/>
+            <a:ext cx="984565" cy="253916"/>
+          </a:xfrm>
+          <a:prstGeom prst="rect">
+            <a:avLst/>
+          </a:prstGeom>
+          <a:noFill/>
+        </p:spPr>
+        <p:txBody>
+          <a:bodyPr wrap="none" rtlCol="0">
+            <a:spAutoFit/>
+          </a:bodyPr>
+          <a:lstStyle/>
+          <a:p>
+            <a:r>
+              <a:rPr lang="es-ES" sz="1050" dirty="0"/>
+              <a:t>15 Mayo 2025</a:t>
+            </a:r>
+          </a:p>
+        </p:txBody>
+      </p:sp>
+    </p:spTree>
+    <p:extLst>
+      <p:ext uri="{BB962C8B-B14F-4D97-AF65-F5344CB8AC3E}">
+        <p14:creationId xmlns:p14="http://schemas.microsoft.com/office/powerpoint/2010/main" val="352235802"/>
       </p:ext>
     </p:extLst>
   </p:cSld>

--- a/estacion90.pptx
+++ b/estacion90.pptx
@@ -22,6 +22,8 @@
     <p:sldId id="271" r:id="rId16"/>
     <p:sldId id="272" r:id="rId17"/>
     <p:sldId id="274" r:id="rId18"/>
+    <p:sldId id="275" r:id="rId19"/>
+    <p:sldId id="276" r:id="rId20"/>
   </p:sldIdLst>
   <p:sldSz cx="12192000" cy="6858000"/>
   <p:notesSz cx="6858000" cy="9144000"/>
@@ -20727,6 +20729,3077 @@
     <p:extLst>
       <p:ext uri="{BB962C8B-B14F-4D97-AF65-F5344CB8AC3E}">
         <p14:creationId xmlns:p14="http://schemas.microsoft.com/office/powerpoint/2010/main" val="4225967294"/>
+      </p:ext>
+    </p:extLst>
+  </p:cSld>
+  <p:clrMapOvr>
+    <a:masterClrMapping/>
+  </p:clrMapOvr>
+</p:sld>
+</file>
+
+<file path=ppt/slides/slide18.xml><?xml version="1.0" encoding="utf-8"?>
+<p:sld xmlns:a="http://schemas.openxmlformats.org/drawingml/2006/main" xmlns:r="http://schemas.openxmlformats.org/officeDocument/2006/relationships" xmlns:p="http://schemas.openxmlformats.org/presentationml/2006/main">
+  <p:cSld>
+    <p:spTree>
+      <p:nvGrpSpPr>
+        <p:cNvPr id="1" name=""/>
+        <p:cNvGrpSpPr/>
+        <p:nvPr/>
+      </p:nvGrpSpPr>
+      <p:grpSpPr>
+        <a:xfrm>
+          <a:off x="0" y="0"/>
+          <a:ext cx="0" cy="0"/>
+          <a:chOff x="0" y="0"/>
+          <a:chExt cx="0" cy="0"/>
+        </a:xfrm>
+      </p:grpSpPr>
+      <p:pic>
+        <p:nvPicPr>
+          <p:cNvPr id="5" name="Marcador de contenido 4" descr="Interfaz de usuario gráfica&#10;&#10;Descripción generada automáticamente">
+            <a:extLst>
+              <a:ext uri="{FF2B5EF4-FFF2-40B4-BE49-F238E27FC236}">
+                <a16:creationId xmlns:a16="http://schemas.microsoft.com/office/drawing/2014/main" id="{6465FF1A-24CE-855D-278E-2176DF01B4E6}"/>
+              </a:ext>
+            </a:extLst>
+          </p:cNvPr>
+          <p:cNvPicPr>
+            <a:picLocks noGrp="1" noChangeAspect="1"/>
+          </p:cNvPicPr>
+          <p:nvPr>
+            <p:ph idx="1"/>
+          </p:nvPr>
+        </p:nvPicPr>
+        <p:blipFill rotWithShape="1">
+          <a:blip r:embed="rId2"/>
+          <a:srcRect l="4078" t="6239" r="3539" b="6323"/>
+          <a:stretch/>
+        </p:blipFill>
+        <p:spPr>
+          <a:xfrm>
+            <a:off x="270920" y="18826"/>
+            <a:ext cx="11383197" cy="6704703"/>
+          </a:xfrm>
+        </p:spPr>
+      </p:pic>
+      <p:sp>
+        <p:nvSpPr>
+          <p:cNvPr id="6" name="Rectángulo 5">
+            <a:extLst>
+              <a:ext uri="{FF2B5EF4-FFF2-40B4-BE49-F238E27FC236}">
+                <a16:creationId xmlns:a16="http://schemas.microsoft.com/office/drawing/2014/main" id="{3E1666FE-4A17-D722-7795-74AAD367FCD3}"/>
+              </a:ext>
+            </a:extLst>
+          </p:cNvPr>
+          <p:cNvSpPr/>
+          <p:nvPr/>
+        </p:nvSpPr>
+        <p:spPr>
+          <a:xfrm>
+            <a:off x="5512090" y="4166138"/>
+            <a:ext cx="2364693" cy="257821"/>
+          </a:xfrm>
+          <a:prstGeom prst="rect">
+            <a:avLst/>
+          </a:prstGeom>
+          <a:solidFill>
+            <a:schemeClr val="accent2"/>
+          </a:solidFill>
+          <a:ln>
+            <a:solidFill>
+              <a:schemeClr val="bg1">
+                <a:lumMod val="65000"/>
+              </a:schemeClr>
+            </a:solidFill>
+          </a:ln>
+        </p:spPr>
+        <p:style>
+          <a:lnRef idx="2">
+            <a:schemeClr val="accent1">
+              <a:shade val="15000"/>
+            </a:schemeClr>
+          </a:lnRef>
+          <a:fillRef idx="1">
+            <a:schemeClr val="accent1"/>
+          </a:fillRef>
+          <a:effectRef idx="0">
+            <a:schemeClr val="accent1"/>
+          </a:effectRef>
+          <a:fontRef idx="minor">
+            <a:schemeClr val="lt1"/>
+          </a:fontRef>
+        </p:style>
+        <p:txBody>
+          <a:bodyPr rtlCol="0" anchor="ctr"/>
+          <a:lstStyle/>
+          <a:p>
+            <a:pPr algn="ctr"/>
+            <a:endParaRPr lang="es-ES"/>
+          </a:p>
+        </p:txBody>
+      </p:sp>
+      <p:sp>
+        <p:nvSpPr>
+          <p:cNvPr id="7" name="CuadroTexto 6">
+            <a:extLst>
+              <a:ext uri="{FF2B5EF4-FFF2-40B4-BE49-F238E27FC236}">
+                <a16:creationId xmlns:a16="http://schemas.microsoft.com/office/drawing/2014/main" id="{B28FD435-BE5C-1D69-C1D1-E82EA2A92B11}"/>
+              </a:ext>
+            </a:extLst>
+          </p:cNvPr>
+          <p:cNvSpPr txBox="1"/>
+          <p:nvPr/>
+        </p:nvSpPr>
+        <p:spPr>
+          <a:xfrm>
+            <a:off x="5656140" y="4166139"/>
+            <a:ext cx="2220643" cy="246221"/>
+          </a:xfrm>
+          <a:prstGeom prst="rect">
+            <a:avLst/>
+          </a:prstGeom>
+          <a:noFill/>
+        </p:spPr>
+        <p:txBody>
+          <a:bodyPr wrap="square" rtlCol="0">
+            <a:spAutoFit/>
+          </a:bodyPr>
+          <a:lstStyle/>
+          <a:p>
+            <a:r>
+              <a:rPr lang="es-ES" sz="1000" b="1" dirty="0">
+                <a:solidFill>
+                  <a:schemeClr val="bg1"/>
+                </a:solidFill>
+              </a:rPr>
+              <a:t>Mover marcador a ubicación actual</a:t>
+            </a:r>
+          </a:p>
+        </p:txBody>
+      </p:sp>
+    </p:spTree>
+    <p:extLst>
+      <p:ext uri="{BB962C8B-B14F-4D97-AF65-F5344CB8AC3E}">
+        <p14:creationId xmlns:p14="http://schemas.microsoft.com/office/powerpoint/2010/main" val="2063260639"/>
+      </p:ext>
+    </p:extLst>
+  </p:cSld>
+  <p:clrMapOvr>
+    <a:masterClrMapping/>
+  </p:clrMapOvr>
+</p:sld>
+</file>
+
+<file path=ppt/slides/slide19.xml><?xml version="1.0" encoding="utf-8"?>
+<p:sld xmlns:a="http://schemas.openxmlformats.org/drawingml/2006/main" xmlns:r="http://schemas.openxmlformats.org/officeDocument/2006/relationships" xmlns:p="http://schemas.openxmlformats.org/presentationml/2006/main">
+  <p:cSld>
+    <p:spTree>
+      <p:nvGrpSpPr>
+        <p:cNvPr id="1" name="">
+          <a:extLst>
+            <a:ext uri="{FF2B5EF4-FFF2-40B4-BE49-F238E27FC236}">
+              <a16:creationId xmlns:a16="http://schemas.microsoft.com/office/drawing/2014/main" id="{D5E43594-CEFE-B8B6-FF2E-3F6F44BE8542}"/>
+            </a:ext>
+          </a:extLst>
+        </p:cNvPr>
+        <p:cNvGrpSpPr/>
+        <p:nvPr/>
+      </p:nvGrpSpPr>
+      <p:grpSpPr>
+        <a:xfrm>
+          <a:off x="0" y="0"/>
+          <a:ext cx="0" cy="0"/>
+          <a:chOff x="0" y="0"/>
+          <a:chExt cx="0" cy="0"/>
+        </a:xfrm>
+      </p:grpSpPr>
+      <p:sp>
+        <p:nvSpPr>
+          <p:cNvPr id="44" name="Rectángulo 43">
+            <a:extLst>
+              <a:ext uri="{FF2B5EF4-FFF2-40B4-BE49-F238E27FC236}">
+                <a16:creationId xmlns:a16="http://schemas.microsoft.com/office/drawing/2014/main" id="{228E41B1-0966-DFDC-5DD9-58352B57F94F}"/>
+              </a:ext>
+            </a:extLst>
+          </p:cNvPr>
+          <p:cNvSpPr/>
+          <p:nvPr/>
+        </p:nvSpPr>
+        <p:spPr>
+          <a:xfrm>
+            <a:off x="1405200" y="1288472"/>
+            <a:ext cx="1725029" cy="2010705"/>
+          </a:xfrm>
+          <a:prstGeom prst="rect">
+            <a:avLst/>
+          </a:prstGeom>
+          <a:solidFill>
+            <a:schemeClr val="bg1"/>
+          </a:solidFill>
+          <a:ln w="9525">
+            <a:solidFill>
+              <a:schemeClr val="bg1">
+                <a:lumMod val="65000"/>
+              </a:schemeClr>
+            </a:solidFill>
+          </a:ln>
+        </p:spPr>
+        <p:style>
+          <a:lnRef idx="2">
+            <a:schemeClr val="accent1">
+              <a:shade val="15000"/>
+            </a:schemeClr>
+          </a:lnRef>
+          <a:fillRef idx="1">
+            <a:schemeClr val="accent1"/>
+          </a:fillRef>
+          <a:effectRef idx="0">
+            <a:schemeClr val="accent1"/>
+          </a:effectRef>
+          <a:fontRef idx="minor">
+            <a:schemeClr val="lt1"/>
+          </a:fontRef>
+        </p:style>
+        <p:txBody>
+          <a:bodyPr rtlCol="0" anchor="ctr"/>
+          <a:lstStyle/>
+          <a:p>
+            <a:pPr algn="ctr"/>
+            <a:endParaRPr lang="es-ES"/>
+          </a:p>
+        </p:txBody>
+      </p:sp>
+      <p:sp>
+        <p:nvSpPr>
+          <p:cNvPr id="78" name="CuadroTexto 77">
+            <a:extLst>
+              <a:ext uri="{FF2B5EF4-FFF2-40B4-BE49-F238E27FC236}">
+                <a16:creationId xmlns:a16="http://schemas.microsoft.com/office/drawing/2014/main" id="{A3514D29-1C26-84E6-1281-147A14A69B94}"/>
+              </a:ext>
+            </a:extLst>
+          </p:cNvPr>
+          <p:cNvSpPr txBox="1"/>
+          <p:nvPr/>
+        </p:nvSpPr>
+        <p:spPr>
+          <a:xfrm>
+            <a:off x="1369227" y="569329"/>
+            <a:ext cx="1215397" cy="253916"/>
+          </a:xfrm>
+          <a:prstGeom prst="rect">
+            <a:avLst/>
+          </a:prstGeom>
+          <a:noFill/>
+        </p:spPr>
+        <p:txBody>
+          <a:bodyPr wrap="none" rtlCol="0">
+            <a:spAutoFit/>
+          </a:bodyPr>
+          <a:lstStyle/>
+          <a:p>
+            <a:pPr algn="r"/>
+            <a:r>
+              <a:rPr lang="es-ES" sz="1050" b="1" dirty="0"/>
+              <a:t>JUEVES 29 MAYO</a:t>
+            </a:r>
+          </a:p>
+        </p:txBody>
+      </p:sp>
+      <p:sp>
+        <p:nvSpPr>
+          <p:cNvPr id="128" name="CuadroTexto 127">
+            <a:extLst>
+              <a:ext uri="{FF2B5EF4-FFF2-40B4-BE49-F238E27FC236}">
+                <a16:creationId xmlns:a16="http://schemas.microsoft.com/office/drawing/2014/main" id="{8AD70F19-15C4-D970-FEEE-C06AD7874B6E}"/>
+              </a:ext>
+            </a:extLst>
+          </p:cNvPr>
+          <p:cNvSpPr txBox="1"/>
+          <p:nvPr/>
+        </p:nvSpPr>
+        <p:spPr>
+          <a:xfrm>
+            <a:off x="1914036" y="1328122"/>
+            <a:ext cx="652743" cy="215444"/>
+          </a:xfrm>
+          <a:prstGeom prst="rect">
+            <a:avLst/>
+          </a:prstGeom>
+          <a:noFill/>
+        </p:spPr>
+        <p:txBody>
+          <a:bodyPr wrap="none" rtlCol="0">
+            <a:spAutoFit/>
+          </a:bodyPr>
+          <a:lstStyle/>
+          <a:p>
+            <a:r>
+              <a:rPr lang="es-ES" sz="800" dirty="0"/>
+              <a:t>ORDEN #1</a:t>
+            </a:r>
+          </a:p>
+        </p:txBody>
+      </p:sp>
+      <p:sp>
+        <p:nvSpPr>
+          <p:cNvPr id="10" name="Rectángulo 9">
+            <a:extLst>
+              <a:ext uri="{FF2B5EF4-FFF2-40B4-BE49-F238E27FC236}">
+                <a16:creationId xmlns:a16="http://schemas.microsoft.com/office/drawing/2014/main" id="{F2FE1B94-DAB5-E0E1-393B-5B4A1001C5F9}"/>
+              </a:ext>
+            </a:extLst>
+          </p:cNvPr>
+          <p:cNvSpPr/>
+          <p:nvPr/>
+        </p:nvSpPr>
+        <p:spPr>
+          <a:xfrm>
+            <a:off x="1416152" y="874900"/>
+            <a:ext cx="1725029" cy="287002"/>
+          </a:xfrm>
+          <a:prstGeom prst="rect">
+            <a:avLst/>
+          </a:prstGeom>
+          <a:solidFill>
+            <a:schemeClr val="accent1"/>
+          </a:solidFill>
+          <a:ln>
+            <a:solidFill>
+              <a:schemeClr val="accent1"/>
+            </a:solidFill>
+          </a:ln>
+        </p:spPr>
+        <p:style>
+          <a:lnRef idx="2">
+            <a:schemeClr val="accent1">
+              <a:shade val="15000"/>
+            </a:schemeClr>
+          </a:lnRef>
+          <a:fillRef idx="1">
+            <a:schemeClr val="accent1"/>
+          </a:fillRef>
+          <a:effectRef idx="0">
+            <a:schemeClr val="accent1"/>
+          </a:effectRef>
+          <a:fontRef idx="minor">
+            <a:schemeClr val="lt1"/>
+          </a:fontRef>
+        </p:style>
+        <p:txBody>
+          <a:bodyPr rtlCol="0" anchor="ctr"/>
+          <a:lstStyle/>
+          <a:p>
+            <a:pPr algn="ctr"/>
+            <a:endParaRPr lang="es-ES"/>
+          </a:p>
+        </p:txBody>
+      </p:sp>
+      <p:pic>
+        <p:nvPicPr>
+          <p:cNvPr id="3" name="Imagen 2" descr="Imagen en blanco y negro de un teclado de computadora&#10;&#10;Descripción generada automáticamente con confianza baja">
+            <a:extLst>
+              <a:ext uri="{FF2B5EF4-FFF2-40B4-BE49-F238E27FC236}">
+                <a16:creationId xmlns:a16="http://schemas.microsoft.com/office/drawing/2014/main" id="{E3C3F9E1-AB32-CA4F-9758-4D9D2AED87C3}"/>
+              </a:ext>
+            </a:extLst>
+          </p:cNvPr>
+          <p:cNvPicPr>
+            <a:picLocks noChangeAspect="1"/>
+          </p:cNvPicPr>
+          <p:nvPr/>
+        </p:nvPicPr>
+        <p:blipFill>
+          <a:blip r:embed="rId2"/>
+          <a:stretch>
+            <a:fillRect/>
+          </a:stretch>
+        </p:blipFill>
+        <p:spPr>
+          <a:xfrm>
+            <a:off x="61582" y="1179016"/>
+            <a:ext cx="1181252" cy="1586470"/>
+          </a:xfrm>
+          <a:prstGeom prst="rect">
+            <a:avLst/>
+          </a:prstGeom>
+        </p:spPr>
+      </p:pic>
+      <p:sp>
+        <p:nvSpPr>
+          <p:cNvPr id="4" name="CuadroTexto 3">
+            <a:extLst>
+              <a:ext uri="{FF2B5EF4-FFF2-40B4-BE49-F238E27FC236}">
+                <a16:creationId xmlns:a16="http://schemas.microsoft.com/office/drawing/2014/main" id="{0C57F9F7-6FC0-0139-A6C1-2E618F7C0A4C}"/>
+              </a:ext>
+            </a:extLst>
+          </p:cNvPr>
+          <p:cNvSpPr txBox="1"/>
+          <p:nvPr/>
+        </p:nvSpPr>
+        <p:spPr>
+          <a:xfrm>
+            <a:off x="1662952" y="891443"/>
+            <a:ext cx="1103187" cy="253916"/>
+          </a:xfrm>
+          <a:prstGeom prst="rect">
+            <a:avLst/>
+          </a:prstGeom>
+          <a:noFill/>
+        </p:spPr>
+        <p:txBody>
+          <a:bodyPr wrap="none" rtlCol="0">
+            <a:spAutoFit/>
+          </a:bodyPr>
+          <a:lstStyle/>
+          <a:p>
+            <a:pPr algn="r"/>
+            <a:r>
+              <a:rPr lang="es-ES" sz="1050" b="1" dirty="0">
+                <a:solidFill>
+                  <a:schemeClr val="bg1"/>
+                </a:solidFill>
+              </a:rPr>
+              <a:t>3 EN PROCESO</a:t>
+            </a:r>
+          </a:p>
+        </p:txBody>
+      </p:sp>
+      <p:sp>
+        <p:nvSpPr>
+          <p:cNvPr id="25" name="Rectángulo 24">
+            <a:extLst>
+              <a:ext uri="{FF2B5EF4-FFF2-40B4-BE49-F238E27FC236}">
+                <a16:creationId xmlns:a16="http://schemas.microsoft.com/office/drawing/2014/main" id="{B5AD3BB8-4FBB-388C-7E99-763975BC4D1F}"/>
+              </a:ext>
+            </a:extLst>
+          </p:cNvPr>
+          <p:cNvSpPr/>
+          <p:nvPr/>
+        </p:nvSpPr>
+        <p:spPr>
+          <a:xfrm>
+            <a:off x="3206765" y="1288472"/>
+            <a:ext cx="1725029" cy="2010705"/>
+          </a:xfrm>
+          <a:prstGeom prst="rect">
+            <a:avLst/>
+          </a:prstGeom>
+          <a:solidFill>
+            <a:schemeClr val="bg1"/>
+          </a:solidFill>
+          <a:ln w="9525">
+            <a:solidFill>
+              <a:schemeClr val="bg1">
+                <a:lumMod val="65000"/>
+              </a:schemeClr>
+            </a:solidFill>
+          </a:ln>
+        </p:spPr>
+        <p:style>
+          <a:lnRef idx="2">
+            <a:schemeClr val="accent1">
+              <a:shade val="15000"/>
+            </a:schemeClr>
+          </a:lnRef>
+          <a:fillRef idx="1">
+            <a:schemeClr val="accent1"/>
+          </a:fillRef>
+          <a:effectRef idx="0">
+            <a:schemeClr val="accent1"/>
+          </a:effectRef>
+          <a:fontRef idx="minor">
+            <a:schemeClr val="lt1"/>
+          </a:fontRef>
+        </p:style>
+        <p:txBody>
+          <a:bodyPr rtlCol="0" anchor="ctr"/>
+          <a:lstStyle/>
+          <a:p>
+            <a:pPr algn="ctr"/>
+            <a:endParaRPr lang="es-ES"/>
+          </a:p>
+        </p:txBody>
+      </p:sp>
+      <p:sp>
+        <p:nvSpPr>
+          <p:cNvPr id="27" name="Rectángulo 26">
+            <a:extLst>
+              <a:ext uri="{FF2B5EF4-FFF2-40B4-BE49-F238E27FC236}">
+                <a16:creationId xmlns:a16="http://schemas.microsoft.com/office/drawing/2014/main" id="{35606254-471C-0B9A-A764-DABF43F41395}"/>
+              </a:ext>
+            </a:extLst>
+          </p:cNvPr>
+          <p:cNvSpPr/>
+          <p:nvPr/>
+        </p:nvSpPr>
+        <p:spPr>
+          <a:xfrm>
+            <a:off x="1373757" y="3516269"/>
+            <a:ext cx="1725029" cy="287002"/>
+          </a:xfrm>
+          <a:prstGeom prst="rect">
+            <a:avLst/>
+          </a:prstGeom>
+          <a:solidFill>
+            <a:schemeClr val="bg1">
+              <a:lumMod val="85000"/>
+            </a:schemeClr>
+          </a:solidFill>
+          <a:ln>
+            <a:solidFill>
+              <a:schemeClr val="accent1"/>
+            </a:solidFill>
+          </a:ln>
+        </p:spPr>
+        <p:style>
+          <a:lnRef idx="2">
+            <a:schemeClr val="accent1">
+              <a:shade val="15000"/>
+            </a:schemeClr>
+          </a:lnRef>
+          <a:fillRef idx="1">
+            <a:schemeClr val="accent1"/>
+          </a:fillRef>
+          <a:effectRef idx="0">
+            <a:schemeClr val="accent1"/>
+          </a:effectRef>
+          <a:fontRef idx="minor">
+            <a:schemeClr val="lt1"/>
+          </a:fontRef>
+        </p:style>
+        <p:txBody>
+          <a:bodyPr rtlCol="0" anchor="ctr"/>
+          <a:lstStyle/>
+          <a:p>
+            <a:pPr algn="ctr"/>
+            <a:endParaRPr lang="es-ES"/>
+          </a:p>
+        </p:txBody>
+      </p:sp>
+      <p:sp>
+        <p:nvSpPr>
+          <p:cNvPr id="28" name="CuadroTexto 27">
+            <a:extLst>
+              <a:ext uri="{FF2B5EF4-FFF2-40B4-BE49-F238E27FC236}">
+                <a16:creationId xmlns:a16="http://schemas.microsoft.com/office/drawing/2014/main" id="{4CE1E7DE-2655-8F64-FB09-D14C0C0302F3}"/>
+              </a:ext>
+            </a:extLst>
+          </p:cNvPr>
+          <p:cNvSpPr txBox="1"/>
+          <p:nvPr/>
+        </p:nvSpPr>
+        <p:spPr>
+          <a:xfrm>
+            <a:off x="1649411" y="3532812"/>
+            <a:ext cx="1074333" cy="253916"/>
+          </a:xfrm>
+          <a:prstGeom prst="rect">
+            <a:avLst/>
+          </a:prstGeom>
+          <a:noFill/>
+        </p:spPr>
+        <p:txBody>
+          <a:bodyPr wrap="none" rtlCol="0">
+            <a:spAutoFit/>
+          </a:bodyPr>
+          <a:lstStyle/>
+          <a:p>
+            <a:pPr algn="r"/>
+            <a:r>
+              <a:rPr lang="es-ES" sz="1050" b="1" dirty="0"/>
+              <a:t>6 PENDIENTES</a:t>
+            </a:r>
+          </a:p>
+        </p:txBody>
+      </p:sp>
+      <p:sp>
+        <p:nvSpPr>
+          <p:cNvPr id="32" name="Rectángulo 31">
+            <a:extLst>
+              <a:ext uri="{FF2B5EF4-FFF2-40B4-BE49-F238E27FC236}">
+                <a16:creationId xmlns:a16="http://schemas.microsoft.com/office/drawing/2014/main" id="{A1A9C626-1DB0-F83D-6470-F19B1B48BD4F}"/>
+              </a:ext>
+            </a:extLst>
+          </p:cNvPr>
+          <p:cNvSpPr/>
+          <p:nvPr/>
+        </p:nvSpPr>
+        <p:spPr>
+          <a:xfrm>
+            <a:off x="1416152" y="3906582"/>
+            <a:ext cx="1725029" cy="2010705"/>
+          </a:xfrm>
+          <a:prstGeom prst="rect">
+            <a:avLst/>
+          </a:prstGeom>
+          <a:solidFill>
+            <a:schemeClr val="bg1"/>
+          </a:solidFill>
+          <a:ln w="9525">
+            <a:solidFill>
+              <a:schemeClr val="bg1">
+                <a:lumMod val="65000"/>
+              </a:schemeClr>
+            </a:solidFill>
+          </a:ln>
+        </p:spPr>
+        <p:style>
+          <a:lnRef idx="2">
+            <a:schemeClr val="accent1">
+              <a:shade val="15000"/>
+            </a:schemeClr>
+          </a:lnRef>
+          <a:fillRef idx="1">
+            <a:schemeClr val="accent1"/>
+          </a:fillRef>
+          <a:effectRef idx="0">
+            <a:schemeClr val="accent1"/>
+          </a:effectRef>
+          <a:fontRef idx="minor">
+            <a:schemeClr val="lt1"/>
+          </a:fontRef>
+        </p:style>
+        <p:txBody>
+          <a:bodyPr rtlCol="0" anchor="ctr"/>
+          <a:lstStyle/>
+          <a:p>
+            <a:pPr algn="ctr"/>
+            <a:endParaRPr lang="es-ES"/>
+          </a:p>
+        </p:txBody>
+      </p:sp>
+      <p:sp>
+        <p:nvSpPr>
+          <p:cNvPr id="33" name="Rectángulo 32">
+            <a:extLst>
+              <a:ext uri="{FF2B5EF4-FFF2-40B4-BE49-F238E27FC236}">
+                <a16:creationId xmlns:a16="http://schemas.microsoft.com/office/drawing/2014/main" id="{333A3914-251E-CE71-3CA4-9F995A5BD157}"/>
+              </a:ext>
+            </a:extLst>
+          </p:cNvPr>
+          <p:cNvSpPr/>
+          <p:nvPr/>
+        </p:nvSpPr>
+        <p:spPr>
+          <a:xfrm>
+            <a:off x="3206765" y="3906581"/>
+            <a:ext cx="1725029" cy="2010705"/>
+          </a:xfrm>
+          <a:prstGeom prst="rect">
+            <a:avLst/>
+          </a:prstGeom>
+          <a:solidFill>
+            <a:schemeClr val="bg1"/>
+          </a:solidFill>
+          <a:ln w="9525">
+            <a:solidFill>
+              <a:schemeClr val="bg1">
+                <a:lumMod val="65000"/>
+              </a:schemeClr>
+            </a:solidFill>
+          </a:ln>
+        </p:spPr>
+        <p:style>
+          <a:lnRef idx="2">
+            <a:schemeClr val="accent1">
+              <a:shade val="15000"/>
+            </a:schemeClr>
+          </a:lnRef>
+          <a:fillRef idx="1">
+            <a:schemeClr val="accent1"/>
+          </a:fillRef>
+          <a:effectRef idx="0">
+            <a:schemeClr val="accent1"/>
+          </a:effectRef>
+          <a:fontRef idx="minor">
+            <a:schemeClr val="lt1"/>
+          </a:fontRef>
+        </p:style>
+        <p:txBody>
+          <a:bodyPr rtlCol="0" anchor="ctr"/>
+          <a:lstStyle/>
+          <a:p>
+            <a:pPr algn="ctr"/>
+            <a:endParaRPr lang="es-ES"/>
+          </a:p>
+        </p:txBody>
+      </p:sp>
+      <p:sp>
+        <p:nvSpPr>
+          <p:cNvPr id="35" name="Rectángulo 34">
+            <a:extLst>
+              <a:ext uri="{FF2B5EF4-FFF2-40B4-BE49-F238E27FC236}">
+                <a16:creationId xmlns:a16="http://schemas.microsoft.com/office/drawing/2014/main" id="{9B51428E-ECAF-AD48-B208-E3E7DF85C155}"/>
+              </a:ext>
+            </a:extLst>
+          </p:cNvPr>
+          <p:cNvSpPr/>
+          <p:nvPr/>
+        </p:nvSpPr>
+        <p:spPr>
+          <a:xfrm>
+            <a:off x="4997378" y="3890039"/>
+            <a:ext cx="1725029" cy="2010705"/>
+          </a:xfrm>
+          <a:prstGeom prst="rect">
+            <a:avLst/>
+          </a:prstGeom>
+          <a:solidFill>
+            <a:schemeClr val="bg1"/>
+          </a:solidFill>
+          <a:ln w="9525">
+            <a:solidFill>
+              <a:schemeClr val="bg1">
+                <a:lumMod val="65000"/>
+              </a:schemeClr>
+            </a:solidFill>
+          </a:ln>
+        </p:spPr>
+        <p:style>
+          <a:lnRef idx="2">
+            <a:schemeClr val="accent1">
+              <a:shade val="15000"/>
+            </a:schemeClr>
+          </a:lnRef>
+          <a:fillRef idx="1">
+            <a:schemeClr val="accent1"/>
+          </a:fillRef>
+          <a:effectRef idx="0">
+            <a:schemeClr val="accent1"/>
+          </a:effectRef>
+          <a:fontRef idx="minor">
+            <a:schemeClr val="lt1"/>
+          </a:fontRef>
+        </p:style>
+        <p:txBody>
+          <a:bodyPr rtlCol="0" anchor="ctr"/>
+          <a:lstStyle/>
+          <a:p>
+            <a:pPr algn="ctr"/>
+            <a:endParaRPr lang="es-ES"/>
+          </a:p>
+        </p:txBody>
+      </p:sp>
+      <p:sp>
+        <p:nvSpPr>
+          <p:cNvPr id="36" name="Rectángulo 35">
+            <a:extLst>
+              <a:ext uri="{FF2B5EF4-FFF2-40B4-BE49-F238E27FC236}">
+                <a16:creationId xmlns:a16="http://schemas.microsoft.com/office/drawing/2014/main" id="{10DC9780-ECFC-8CF2-1034-A7D591BBB1F5}"/>
+              </a:ext>
+            </a:extLst>
+          </p:cNvPr>
+          <p:cNvSpPr/>
+          <p:nvPr/>
+        </p:nvSpPr>
+        <p:spPr>
+          <a:xfrm>
+            <a:off x="6787991" y="3890038"/>
+            <a:ext cx="1725029" cy="2010705"/>
+          </a:xfrm>
+          <a:prstGeom prst="rect">
+            <a:avLst/>
+          </a:prstGeom>
+          <a:solidFill>
+            <a:schemeClr val="bg1"/>
+          </a:solidFill>
+          <a:ln w="9525">
+            <a:solidFill>
+              <a:schemeClr val="bg1">
+                <a:lumMod val="65000"/>
+              </a:schemeClr>
+            </a:solidFill>
+          </a:ln>
+        </p:spPr>
+        <p:style>
+          <a:lnRef idx="2">
+            <a:schemeClr val="accent1">
+              <a:shade val="15000"/>
+            </a:schemeClr>
+          </a:lnRef>
+          <a:fillRef idx="1">
+            <a:schemeClr val="accent1"/>
+          </a:fillRef>
+          <a:effectRef idx="0">
+            <a:schemeClr val="accent1"/>
+          </a:effectRef>
+          <a:fontRef idx="minor">
+            <a:schemeClr val="lt1"/>
+          </a:fontRef>
+        </p:style>
+        <p:txBody>
+          <a:bodyPr rtlCol="0" anchor="ctr"/>
+          <a:lstStyle/>
+          <a:p>
+            <a:pPr algn="ctr"/>
+            <a:endParaRPr lang="es-ES"/>
+          </a:p>
+        </p:txBody>
+      </p:sp>
+      <p:sp>
+        <p:nvSpPr>
+          <p:cNvPr id="37" name="Rectángulo 36">
+            <a:extLst>
+              <a:ext uri="{FF2B5EF4-FFF2-40B4-BE49-F238E27FC236}">
+                <a16:creationId xmlns:a16="http://schemas.microsoft.com/office/drawing/2014/main" id="{A26D3EBB-CFC2-6831-3D0B-CA7D1C3FF581}"/>
+              </a:ext>
+            </a:extLst>
+          </p:cNvPr>
+          <p:cNvSpPr/>
+          <p:nvPr/>
+        </p:nvSpPr>
+        <p:spPr>
+          <a:xfrm>
+            <a:off x="8600621" y="3890036"/>
+            <a:ext cx="1725029" cy="2010705"/>
+          </a:xfrm>
+          <a:prstGeom prst="rect">
+            <a:avLst/>
+          </a:prstGeom>
+          <a:solidFill>
+            <a:schemeClr val="bg1"/>
+          </a:solidFill>
+          <a:ln w="9525">
+            <a:solidFill>
+              <a:schemeClr val="bg1">
+                <a:lumMod val="65000"/>
+              </a:schemeClr>
+            </a:solidFill>
+          </a:ln>
+        </p:spPr>
+        <p:style>
+          <a:lnRef idx="2">
+            <a:schemeClr val="accent1">
+              <a:shade val="15000"/>
+            </a:schemeClr>
+          </a:lnRef>
+          <a:fillRef idx="1">
+            <a:schemeClr val="accent1"/>
+          </a:fillRef>
+          <a:effectRef idx="0">
+            <a:schemeClr val="accent1"/>
+          </a:effectRef>
+          <a:fontRef idx="minor">
+            <a:schemeClr val="lt1"/>
+          </a:fontRef>
+        </p:style>
+        <p:txBody>
+          <a:bodyPr rtlCol="0" anchor="ctr"/>
+          <a:lstStyle/>
+          <a:p>
+            <a:pPr algn="ctr"/>
+            <a:endParaRPr lang="es-ES"/>
+          </a:p>
+        </p:txBody>
+      </p:sp>
+      <p:sp>
+        <p:nvSpPr>
+          <p:cNvPr id="38" name="Rectángulo 37">
+            <a:extLst>
+              <a:ext uri="{FF2B5EF4-FFF2-40B4-BE49-F238E27FC236}">
+                <a16:creationId xmlns:a16="http://schemas.microsoft.com/office/drawing/2014/main" id="{7209EE3A-9521-2925-B5D1-28210F484D94}"/>
+              </a:ext>
+            </a:extLst>
+          </p:cNvPr>
+          <p:cNvSpPr/>
+          <p:nvPr/>
+        </p:nvSpPr>
+        <p:spPr>
+          <a:xfrm>
+            <a:off x="10388423" y="3890036"/>
+            <a:ext cx="1725029" cy="2010705"/>
+          </a:xfrm>
+          <a:prstGeom prst="rect">
+            <a:avLst/>
+          </a:prstGeom>
+          <a:solidFill>
+            <a:schemeClr val="bg1"/>
+          </a:solidFill>
+          <a:ln w="9525">
+            <a:solidFill>
+              <a:schemeClr val="bg1">
+                <a:lumMod val="65000"/>
+              </a:schemeClr>
+            </a:solidFill>
+          </a:ln>
+        </p:spPr>
+        <p:style>
+          <a:lnRef idx="2">
+            <a:schemeClr val="accent1">
+              <a:shade val="15000"/>
+            </a:schemeClr>
+          </a:lnRef>
+          <a:fillRef idx="1">
+            <a:schemeClr val="accent1"/>
+          </a:fillRef>
+          <a:effectRef idx="0">
+            <a:schemeClr val="accent1"/>
+          </a:effectRef>
+          <a:fontRef idx="minor">
+            <a:schemeClr val="lt1"/>
+          </a:fontRef>
+        </p:style>
+        <p:txBody>
+          <a:bodyPr rtlCol="0" anchor="ctr"/>
+          <a:lstStyle/>
+          <a:p>
+            <a:pPr algn="ctr"/>
+            <a:endParaRPr lang="es-ES"/>
+          </a:p>
+        </p:txBody>
+      </p:sp>
+      <p:sp>
+        <p:nvSpPr>
+          <p:cNvPr id="39" name="CuadroTexto 38">
+            <a:extLst>
+              <a:ext uri="{FF2B5EF4-FFF2-40B4-BE49-F238E27FC236}">
+                <a16:creationId xmlns:a16="http://schemas.microsoft.com/office/drawing/2014/main" id="{C92CDC6E-DB9E-51D1-013F-B9268B7D9A73}"/>
+              </a:ext>
+            </a:extLst>
+          </p:cNvPr>
+          <p:cNvSpPr txBox="1"/>
+          <p:nvPr/>
+        </p:nvSpPr>
+        <p:spPr>
+          <a:xfrm>
+            <a:off x="3742907" y="1328123"/>
+            <a:ext cx="652743" cy="215444"/>
+          </a:xfrm>
+          <a:prstGeom prst="rect">
+            <a:avLst/>
+          </a:prstGeom>
+          <a:noFill/>
+        </p:spPr>
+        <p:txBody>
+          <a:bodyPr wrap="none" rtlCol="0">
+            <a:spAutoFit/>
+          </a:bodyPr>
+          <a:lstStyle/>
+          <a:p>
+            <a:r>
+              <a:rPr lang="es-ES" sz="800" dirty="0"/>
+              <a:t>ORDEN #2</a:t>
+            </a:r>
+          </a:p>
+        </p:txBody>
+      </p:sp>
+      <p:sp>
+        <p:nvSpPr>
+          <p:cNvPr id="40" name="CuadroTexto 39">
+            <a:extLst>
+              <a:ext uri="{FF2B5EF4-FFF2-40B4-BE49-F238E27FC236}">
+                <a16:creationId xmlns:a16="http://schemas.microsoft.com/office/drawing/2014/main" id="{A4A95ACA-6CB4-A35A-1A7F-55048F5C7876}"/>
+              </a:ext>
+            </a:extLst>
+          </p:cNvPr>
+          <p:cNvSpPr txBox="1"/>
+          <p:nvPr/>
+        </p:nvSpPr>
+        <p:spPr>
+          <a:xfrm>
+            <a:off x="1425578" y="1387674"/>
+            <a:ext cx="527709" cy="215444"/>
+          </a:xfrm>
+          <a:prstGeom prst="rect">
+            <a:avLst/>
+          </a:prstGeom>
+          <a:noFill/>
+        </p:spPr>
+        <p:txBody>
+          <a:bodyPr wrap="none" rtlCol="0">
+            <a:spAutoFit/>
+          </a:bodyPr>
+          <a:lstStyle/>
+          <a:p>
+            <a:r>
+              <a:rPr lang="es-ES" sz="800" b="1" dirty="0"/>
+              <a:t>9:30AM</a:t>
+            </a:r>
+          </a:p>
+        </p:txBody>
+      </p:sp>
+      <p:sp>
+        <p:nvSpPr>
+          <p:cNvPr id="41" name="CuadroTexto 40">
+            <a:extLst>
+              <a:ext uri="{FF2B5EF4-FFF2-40B4-BE49-F238E27FC236}">
+                <a16:creationId xmlns:a16="http://schemas.microsoft.com/office/drawing/2014/main" id="{518C3E0D-0B03-9F84-2AD5-DB3CF3F0FE81}"/>
+              </a:ext>
+            </a:extLst>
+          </p:cNvPr>
+          <p:cNvSpPr txBox="1"/>
+          <p:nvPr/>
+        </p:nvSpPr>
+        <p:spPr>
+          <a:xfrm>
+            <a:off x="2567529" y="1387674"/>
+            <a:ext cx="463588" cy="215444"/>
+          </a:xfrm>
+          <a:prstGeom prst="rect">
+            <a:avLst/>
+          </a:prstGeom>
+          <a:noFill/>
+        </p:spPr>
+        <p:txBody>
+          <a:bodyPr wrap="none" rtlCol="0">
+            <a:spAutoFit/>
+          </a:bodyPr>
+          <a:lstStyle/>
+          <a:p>
+            <a:r>
+              <a:rPr lang="es-ES" sz="800" b="1" dirty="0"/>
+              <a:t>1:45M</a:t>
+            </a:r>
+          </a:p>
+        </p:txBody>
+      </p:sp>
+      <p:cxnSp>
+        <p:nvCxnSpPr>
+          <p:cNvPr id="43" name="Conector recto de flecha 42">
+            <a:extLst>
+              <a:ext uri="{FF2B5EF4-FFF2-40B4-BE49-F238E27FC236}">
+                <a16:creationId xmlns:a16="http://schemas.microsoft.com/office/drawing/2014/main" id="{20F96ED4-6B6A-F485-4FDB-751B6C3673F7}"/>
+              </a:ext>
+            </a:extLst>
+          </p:cNvPr>
+          <p:cNvCxnSpPr/>
+          <p:nvPr/>
+        </p:nvCxnSpPr>
+        <p:spPr>
+          <a:xfrm>
+            <a:off x="1529571" y="1387674"/>
+            <a:ext cx="255777" cy="0"/>
+          </a:xfrm>
+          <a:prstGeom prst="straightConnector1">
+            <a:avLst/>
+          </a:prstGeom>
+          <a:ln>
+            <a:tailEnd type="triangle"/>
+          </a:ln>
+        </p:spPr>
+        <p:style>
+          <a:lnRef idx="2">
+            <a:schemeClr val="accent1"/>
+          </a:lnRef>
+          <a:fillRef idx="0">
+            <a:schemeClr val="accent1"/>
+          </a:fillRef>
+          <a:effectRef idx="1">
+            <a:schemeClr val="accent1"/>
+          </a:effectRef>
+          <a:fontRef idx="minor">
+            <a:schemeClr val="tx1"/>
+          </a:fontRef>
+        </p:style>
+      </p:cxnSp>
+      <p:cxnSp>
+        <p:nvCxnSpPr>
+          <p:cNvPr id="45" name="Conector recto de flecha 44">
+            <a:extLst>
+              <a:ext uri="{FF2B5EF4-FFF2-40B4-BE49-F238E27FC236}">
+                <a16:creationId xmlns:a16="http://schemas.microsoft.com/office/drawing/2014/main" id="{13FD87F1-B8CB-AD94-6BE4-FD4F548F479F}"/>
+              </a:ext>
+            </a:extLst>
+          </p:cNvPr>
+          <p:cNvCxnSpPr/>
+          <p:nvPr/>
+        </p:nvCxnSpPr>
+        <p:spPr>
+          <a:xfrm>
+            <a:off x="2679117" y="1387674"/>
+            <a:ext cx="255777" cy="0"/>
+          </a:xfrm>
+          <a:prstGeom prst="straightConnector1">
+            <a:avLst/>
+          </a:prstGeom>
+          <a:ln>
+            <a:tailEnd type="triangle"/>
+          </a:ln>
+        </p:spPr>
+        <p:style>
+          <a:lnRef idx="2">
+            <a:schemeClr val="accent1"/>
+          </a:lnRef>
+          <a:fillRef idx="0">
+            <a:schemeClr val="accent1"/>
+          </a:fillRef>
+          <a:effectRef idx="1">
+            <a:schemeClr val="accent1"/>
+          </a:effectRef>
+          <a:fontRef idx="minor">
+            <a:schemeClr val="tx1"/>
+          </a:fontRef>
+        </p:style>
+      </p:cxnSp>
+      <p:cxnSp>
+        <p:nvCxnSpPr>
+          <p:cNvPr id="46" name="Conector recto 45">
+            <a:extLst>
+              <a:ext uri="{FF2B5EF4-FFF2-40B4-BE49-F238E27FC236}">
+                <a16:creationId xmlns:a16="http://schemas.microsoft.com/office/drawing/2014/main" id="{B5A10B62-1D91-F264-A5EA-20FF4D7FD09F}"/>
+              </a:ext>
+            </a:extLst>
+          </p:cNvPr>
+          <p:cNvCxnSpPr>
+            <a:cxnSpLocks/>
+          </p:cNvCxnSpPr>
+          <p:nvPr/>
+        </p:nvCxnSpPr>
+        <p:spPr>
+          <a:xfrm>
+            <a:off x="1459424" y="1603118"/>
+            <a:ext cx="1571693" cy="0"/>
+          </a:xfrm>
+          <a:prstGeom prst="line">
+            <a:avLst/>
+          </a:prstGeom>
+          <a:ln w="6350"/>
+        </p:spPr>
+        <p:style>
+          <a:lnRef idx="2">
+            <a:schemeClr val="accent1"/>
+          </a:lnRef>
+          <a:fillRef idx="0">
+            <a:schemeClr val="accent1"/>
+          </a:fillRef>
+          <a:effectRef idx="1">
+            <a:schemeClr val="accent1"/>
+          </a:effectRef>
+          <a:fontRef idx="minor">
+            <a:schemeClr val="tx1"/>
+          </a:fontRef>
+        </p:style>
+      </p:cxnSp>
+      <p:sp>
+        <p:nvSpPr>
+          <p:cNvPr id="49" name="CuadroTexto 48">
+            <a:extLst>
+              <a:ext uri="{FF2B5EF4-FFF2-40B4-BE49-F238E27FC236}">
+                <a16:creationId xmlns:a16="http://schemas.microsoft.com/office/drawing/2014/main" id="{A03A6254-27D5-AE90-444F-0FD1C161CEE6}"/>
+              </a:ext>
+            </a:extLst>
+          </p:cNvPr>
+          <p:cNvSpPr txBox="1"/>
+          <p:nvPr/>
+        </p:nvSpPr>
+        <p:spPr>
+          <a:xfrm>
+            <a:off x="1615358" y="1633697"/>
+            <a:ext cx="939681" cy="338554"/>
+          </a:xfrm>
+          <a:prstGeom prst="rect">
+            <a:avLst/>
+          </a:prstGeom>
+          <a:noFill/>
+        </p:spPr>
+        <p:txBody>
+          <a:bodyPr wrap="none" rtlCol="0">
+            <a:spAutoFit/>
+          </a:bodyPr>
+          <a:lstStyle/>
+          <a:p>
+            <a:r>
+              <a:rPr lang="es-ES" sz="800" dirty="0"/>
+              <a:t>CAUSA RELLENA</a:t>
+            </a:r>
+          </a:p>
+          <a:p>
+            <a:r>
+              <a:rPr lang="es-ES" sz="800" dirty="0"/>
+              <a:t>X 1</a:t>
+            </a:r>
+          </a:p>
+        </p:txBody>
+      </p:sp>
+      <p:sp>
+        <p:nvSpPr>
+          <p:cNvPr id="51" name="Rectángulo 50">
+            <a:extLst>
+              <a:ext uri="{FF2B5EF4-FFF2-40B4-BE49-F238E27FC236}">
+                <a16:creationId xmlns:a16="http://schemas.microsoft.com/office/drawing/2014/main" id="{804261B2-E19E-2AE4-CED0-9ABB3B29C724}"/>
+              </a:ext>
+            </a:extLst>
+          </p:cNvPr>
+          <p:cNvSpPr/>
+          <p:nvPr/>
+        </p:nvSpPr>
+        <p:spPr>
+          <a:xfrm>
+            <a:off x="1436252" y="1678573"/>
+            <a:ext cx="223134" cy="215445"/>
+          </a:xfrm>
+          <a:prstGeom prst="rect">
+            <a:avLst/>
+          </a:prstGeom>
+          <a:solidFill>
+            <a:schemeClr val="bg1">
+              <a:lumMod val="85000"/>
+            </a:schemeClr>
+          </a:solidFill>
+          <a:ln>
+            <a:solidFill>
+              <a:schemeClr val="bg1">
+                <a:lumMod val="65000"/>
+              </a:schemeClr>
+            </a:solidFill>
+          </a:ln>
+        </p:spPr>
+        <p:style>
+          <a:lnRef idx="2">
+            <a:schemeClr val="accent1">
+              <a:shade val="15000"/>
+            </a:schemeClr>
+          </a:lnRef>
+          <a:fillRef idx="1">
+            <a:schemeClr val="accent1"/>
+          </a:fillRef>
+          <a:effectRef idx="0">
+            <a:schemeClr val="accent1"/>
+          </a:effectRef>
+          <a:fontRef idx="minor">
+            <a:schemeClr val="lt1"/>
+          </a:fontRef>
+        </p:style>
+        <p:txBody>
+          <a:bodyPr rtlCol="0" anchor="ctr"/>
+          <a:lstStyle/>
+          <a:p>
+            <a:pPr algn="ctr"/>
+            <a:endParaRPr lang="es-ES"/>
+          </a:p>
+        </p:txBody>
+      </p:sp>
+      <p:sp>
+        <p:nvSpPr>
+          <p:cNvPr id="52" name="CuadroTexto 51">
+            <a:extLst>
+              <a:ext uri="{FF2B5EF4-FFF2-40B4-BE49-F238E27FC236}">
+                <a16:creationId xmlns:a16="http://schemas.microsoft.com/office/drawing/2014/main" id="{6C3E6DC4-3252-F6AD-0079-B03923CE19D3}"/>
+              </a:ext>
+            </a:extLst>
+          </p:cNvPr>
+          <p:cNvSpPr txBox="1"/>
+          <p:nvPr/>
+        </p:nvSpPr>
+        <p:spPr>
+          <a:xfrm>
+            <a:off x="1612461" y="1946315"/>
+            <a:ext cx="909223" cy="338554"/>
+          </a:xfrm>
+          <a:prstGeom prst="rect">
+            <a:avLst/>
+          </a:prstGeom>
+          <a:noFill/>
+        </p:spPr>
+        <p:txBody>
+          <a:bodyPr wrap="none" rtlCol="0">
+            <a:spAutoFit/>
+          </a:bodyPr>
+          <a:lstStyle/>
+          <a:p>
+            <a:r>
+              <a:rPr lang="es-ES" sz="800" dirty="0"/>
+              <a:t>ARROZ CHAUFA</a:t>
+            </a:r>
+          </a:p>
+          <a:p>
+            <a:r>
+              <a:rPr lang="es-ES" sz="800" dirty="0"/>
+              <a:t>X 1</a:t>
+            </a:r>
+          </a:p>
+        </p:txBody>
+      </p:sp>
+      <p:sp>
+        <p:nvSpPr>
+          <p:cNvPr id="53" name="Rectángulo 52">
+            <a:extLst>
+              <a:ext uri="{FF2B5EF4-FFF2-40B4-BE49-F238E27FC236}">
+                <a16:creationId xmlns:a16="http://schemas.microsoft.com/office/drawing/2014/main" id="{912D3CE0-A6B4-F500-AFF0-8836197486AE}"/>
+              </a:ext>
+            </a:extLst>
+          </p:cNvPr>
+          <p:cNvSpPr/>
+          <p:nvPr/>
+        </p:nvSpPr>
+        <p:spPr>
+          <a:xfrm>
+            <a:off x="1433355" y="1976260"/>
+            <a:ext cx="223134" cy="215445"/>
+          </a:xfrm>
+          <a:prstGeom prst="rect">
+            <a:avLst/>
+          </a:prstGeom>
+          <a:solidFill>
+            <a:schemeClr val="bg1">
+              <a:lumMod val="85000"/>
+            </a:schemeClr>
+          </a:solidFill>
+          <a:ln>
+            <a:solidFill>
+              <a:schemeClr val="bg1">
+                <a:lumMod val="65000"/>
+              </a:schemeClr>
+            </a:solidFill>
+          </a:ln>
+        </p:spPr>
+        <p:style>
+          <a:lnRef idx="2">
+            <a:schemeClr val="accent1">
+              <a:shade val="15000"/>
+            </a:schemeClr>
+          </a:lnRef>
+          <a:fillRef idx="1">
+            <a:schemeClr val="accent1"/>
+          </a:fillRef>
+          <a:effectRef idx="0">
+            <a:schemeClr val="accent1"/>
+          </a:effectRef>
+          <a:fontRef idx="minor">
+            <a:schemeClr val="lt1"/>
+          </a:fontRef>
+        </p:style>
+        <p:txBody>
+          <a:bodyPr rtlCol="0" anchor="ctr"/>
+          <a:lstStyle/>
+          <a:p>
+            <a:pPr algn="ctr"/>
+            <a:endParaRPr lang="es-ES"/>
+          </a:p>
+        </p:txBody>
+      </p:sp>
+      <p:sp>
+        <p:nvSpPr>
+          <p:cNvPr id="54" name="CuadroTexto 53">
+            <a:extLst>
+              <a:ext uri="{FF2B5EF4-FFF2-40B4-BE49-F238E27FC236}">
+                <a16:creationId xmlns:a16="http://schemas.microsoft.com/office/drawing/2014/main" id="{2785DC30-8D3A-06D9-04C3-5725CD8EE6E7}"/>
+              </a:ext>
+            </a:extLst>
+          </p:cNvPr>
+          <p:cNvSpPr txBox="1"/>
+          <p:nvPr/>
+        </p:nvSpPr>
+        <p:spPr>
+          <a:xfrm>
+            <a:off x="1317712" y="1685655"/>
+            <a:ext cx="439544" cy="215444"/>
+          </a:xfrm>
+          <a:prstGeom prst="rect">
+            <a:avLst/>
+          </a:prstGeom>
+          <a:noFill/>
+        </p:spPr>
+        <p:txBody>
+          <a:bodyPr wrap="square" rtlCol="0">
+            <a:spAutoFit/>
+          </a:bodyPr>
+          <a:lstStyle/>
+          <a:p>
+            <a:r>
+              <a:rPr lang="es-ES" sz="800" dirty="0"/>
+              <a:t>FOTO</a:t>
+            </a:r>
+          </a:p>
+        </p:txBody>
+      </p:sp>
+      <p:sp>
+        <p:nvSpPr>
+          <p:cNvPr id="56" name="CuadroTexto 55">
+            <a:extLst>
+              <a:ext uri="{FF2B5EF4-FFF2-40B4-BE49-F238E27FC236}">
+                <a16:creationId xmlns:a16="http://schemas.microsoft.com/office/drawing/2014/main" id="{C33F3044-1EF4-0C47-1D1D-169F199DE02F}"/>
+              </a:ext>
+            </a:extLst>
+          </p:cNvPr>
+          <p:cNvSpPr txBox="1"/>
+          <p:nvPr/>
+        </p:nvSpPr>
+        <p:spPr>
+          <a:xfrm>
+            <a:off x="1331527" y="1977893"/>
+            <a:ext cx="439544" cy="215444"/>
+          </a:xfrm>
+          <a:prstGeom prst="rect">
+            <a:avLst/>
+          </a:prstGeom>
+          <a:noFill/>
+        </p:spPr>
+        <p:txBody>
+          <a:bodyPr wrap="square" rtlCol="0">
+            <a:spAutoFit/>
+          </a:bodyPr>
+          <a:lstStyle/>
+          <a:p>
+            <a:r>
+              <a:rPr lang="es-ES" sz="800" dirty="0"/>
+              <a:t>FOTO</a:t>
+            </a:r>
+          </a:p>
+        </p:txBody>
+      </p:sp>
+      <p:sp>
+        <p:nvSpPr>
+          <p:cNvPr id="57" name="Rectángulo 56">
+            <a:extLst>
+              <a:ext uri="{FF2B5EF4-FFF2-40B4-BE49-F238E27FC236}">
+                <a16:creationId xmlns:a16="http://schemas.microsoft.com/office/drawing/2014/main" id="{94414D94-691A-19C3-1E4E-67831E3238EE}"/>
+              </a:ext>
+            </a:extLst>
+          </p:cNvPr>
+          <p:cNvSpPr/>
+          <p:nvPr/>
+        </p:nvSpPr>
+        <p:spPr>
+          <a:xfrm>
+            <a:off x="2635138" y="1665543"/>
+            <a:ext cx="242819" cy="210409"/>
+          </a:xfrm>
+          <a:prstGeom prst="rect">
+            <a:avLst/>
+          </a:prstGeom>
+          <a:solidFill>
+            <a:schemeClr val="bg1">
+              <a:lumMod val="85000"/>
+            </a:schemeClr>
+          </a:solidFill>
+          <a:ln>
+            <a:solidFill>
+              <a:schemeClr val="accent1"/>
+            </a:solidFill>
+          </a:ln>
+        </p:spPr>
+        <p:style>
+          <a:lnRef idx="2">
+            <a:schemeClr val="accent1">
+              <a:shade val="15000"/>
+            </a:schemeClr>
+          </a:lnRef>
+          <a:fillRef idx="1">
+            <a:schemeClr val="accent1"/>
+          </a:fillRef>
+          <a:effectRef idx="0">
+            <a:schemeClr val="accent1"/>
+          </a:effectRef>
+          <a:fontRef idx="minor">
+            <a:schemeClr val="lt1"/>
+          </a:fontRef>
+        </p:style>
+        <p:txBody>
+          <a:bodyPr rtlCol="0" anchor="ctr"/>
+          <a:lstStyle/>
+          <a:p>
+            <a:pPr algn="ctr"/>
+            <a:endParaRPr lang="es-ES"/>
+          </a:p>
+        </p:txBody>
+      </p:sp>
+      <p:sp>
+        <p:nvSpPr>
+          <p:cNvPr id="58" name="Rectángulo 57">
+            <a:extLst>
+              <a:ext uri="{FF2B5EF4-FFF2-40B4-BE49-F238E27FC236}">
+                <a16:creationId xmlns:a16="http://schemas.microsoft.com/office/drawing/2014/main" id="{2E9CFEE8-4D58-C36F-CD49-AB1656996CE0}"/>
+              </a:ext>
+            </a:extLst>
+          </p:cNvPr>
+          <p:cNvSpPr/>
+          <p:nvPr/>
+        </p:nvSpPr>
+        <p:spPr>
+          <a:xfrm>
+            <a:off x="2919812" y="1665543"/>
+            <a:ext cx="170016" cy="210409"/>
+          </a:xfrm>
+          <a:prstGeom prst="rect">
+            <a:avLst/>
+          </a:prstGeom>
+          <a:solidFill>
+            <a:srgbClr val="FF0000"/>
+          </a:solidFill>
+          <a:ln>
+            <a:solidFill>
+              <a:srgbClr val="FF0000"/>
+            </a:solidFill>
+          </a:ln>
+        </p:spPr>
+        <p:style>
+          <a:lnRef idx="2">
+            <a:schemeClr val="accent1">
+              <a:shade val="15000"/>
+            </a:schemeClr>
+          </a:lnRef>
+          <a:fillRef idx="1">
+            <a:schemeClr val="accent1"/>
+          </a:fillRef>
+          <a:effectRef idx="0">
+            <a:schemeClr val="accent1"/>
+          </a:effectRef>
+          <a:fontRef idx="minor">
+            <a:schemeClr val="lt1"/>
+          </a:fontRef>
+        </p:style>
+        <p:txBody>
+          <a:bodyPr rtlCol="0" anchor="ctr"/>
+          <a:lstStyle/>
+          <a:p>
+            <a:pPr algn="ctr"/>
+            <a:endParaRPr lang="es-ES"/>
+          </a:p>
+        </p:txBody>
+      </p:sp>
+      <p:sp>
+        <p:nvSpPr>
+          <p:cNvPr id="59" name="Rectángulo 58">
+            <a:extLst>
+              <a:ext uri="{FF2B5EF4-FFF2-40B4-BE49-F238E27FC236}">
+                <a16:creationId xmlns:a16="http://schemas.microsoft.com/office/drawing/2014/main" id="{01B9D35D-5676-238A-7821-6DA33D952CE4}"/>
+              </a:ext>
+            </a:extLst>
+          </p:cNvPr>
+          <p:cNvSpPr/>
+          <p:nvPr/>
+        </p:nvSpPr>
+        <p:spPr>
+          <a:xfrm>
+            <a:off x="2633685" y="1964416"/>
+            <a:ext cx="242819" cy="210409"/>
+          </a:xfrm>
+          <a:prstGeom prst="rect">
+            <a:avLst/>
+          </a:prstGeom>
+          <a:solidFill>
+            <a:schemeClr val="bg1">
+              <a:lumMod val="85000"/>
+            </a:schemeClr>
+          </a:solidFill>
+          <a:ln>
+            <a:solidFill>
+              <a:schemeClr val="accent1"/>
+            </a:solidFill>
+          </a:ln>
+        </p:spPr>
+        <p:style>
+          <a:lnRef idx="2">
+            <a:schemeClr val="accent1">
+              <a:shade val="15000"/>
+            </a:schemeClr>
+          </a:lnRef>
+          <a:fillRef idx="1">
+            <a:schemeClr val="accent1"/>
+          </a:fillRef>
+          <a:effectRef idx="0">
+            <a:schemeClr val="accent1"/>
+          </a:effectRef>
+          <a:fontRef idx="minor">
+            <a:schemeClr val="lt1"/>
+          </a:fontRef>
+        </p:style>
+        <p:txBody>
+          <a:bodyPr rtlCol="0" anchor="ctr"/>
+          <a:lstStyle/>
+          <a:p>
+            <a:pPr algn="ctr"/>
+            <a:endParaRPr lang="es-ES"/>
+          </a:p>
+        </p:txBody>
+      </p:sp>
+      <p:sp>
+        <p:nvSpPr>
+          <p:cNvPr id="60" name="Rectángulo 59">
+            <a:extLst>
+              <a:ext uri="{FF2B5EF4-FFF2-40B4-BE49-F238E27FC236}">
+                <a16:creationId xmlns:a16="http://schemas.microsoft.com/office/drawing/2014/main" id="{A8D6DAC3-7174-9DD5-C6A2-A069610D03BA}"/>
+              </a:ext>
+            </a:extLst>
+          </p:cNvPr>
+          <p:cNvSpPr/>
+          <p:nvPr/>
+        </p:nvSpPr>
+        <p:spPr>
+          <a:xfrm>
+            <a:off x="2918359" y="1964416"/>
+            <a:ext cx="170016" cy="210409"/>
+          </a:xfrm>
+          <a:prstGeom prst="rect">
+            <a:avLst/>
+          </a:prstGeom>
+          <a:solidFill>
+            <a:srgbClr val="FF0000"/>
+          </a:solidFill>
+          <a:ln>
+            <a:solidFill>
+              <a:srgbClr val="FF0000"/>
+            </a:solidFill>
+          </a:ln>
+        </p:spPr>
+        <p:style>
+          <a:lnRef idx="2">
+            <a:schemeClr val="accent1">
+              <a:shade val="15000"/>
+            </a:schemeClr>
+          </a:lnRef>
+          <a:fillRef idx="1">
+            <a:schemeClr val="accent1"/>
+          </a:fillRef>
+          <a:effectRef idx="0">
+            <a:schemeClr val="accent1"/>
+          </a:effectRef>
+          <a:fontRef idx="minor">
+            <a:schemeClr val="lt1"/>
+          </a:fontRef>
+        </p:style>
+        <p:txBody>
+          <a:bodyPr rtlCol="0" anchor="ctr"/>
+          <a:lstStyle/>
+          <a:p>
+            <a:pPr algn="ctr"/>
+            <a:endParaRPr lang="es-ES"/>
+          </a:p>
+        </p:txBody>
+      </p:sp>
+      <p:sp>
+        <p:nvSpPr>
+          <p:cNvPr id="61" name="CuadroTexto 60">
+            <a:extLst>
+              <a:ext uri="{FF2B5EF4-FFF2-40B4-BE49-F238E27FC236}">
+                <a16:creationId xmlns:a16="http://schemas.microsoft.com/office/drawing/2014/main" id="{5A5ECD15-316D-C4D5-CA12-A51005B1BFFF}"/>
+              </a:ext>
+            </a:extLst>
+          </p:cNvPr>
+          <p:cNvSpPr txBox="1"/>
+          <p:nvPr/>
+        </p:nvSpPr>
+        <p:spPr>
+          <a:xfrm>
+            <a:off x="1612461" y="2233065"/>
+            <a:ext cx="1039067" cy="338554"/>
+          </a:xfrm>
+          <a:prstGeom prst="rect">
+            <a:avLst/>
+          </a:prstGeom>
+          <a:noFill/>
+        </p:spPr>
+        <p:txBody>
+          <a:bodyPr wrap="none" rtlCol="0">
+            <a:spAutoFit/>
+          </a:bodyPr>
+          <a:lstStyle/>
+          <a:p>
+            <a:r>
+              <a:rPr lang="es-ES" sz="800" dirty="0"/>
+              <a:t>JUEGO MARACUYA</a:t>
+            </a:r>
+          </a:p>
+          <a:p>
+            <a:r>
+              <a:rPr lang="es-ES" sz="800" dirty="0"/>
+              <a:t>x1</a:t>
+            </a:r>
+          </a:p>
+        </p:txBody>
+      </p:sp>
+      <p:sp>
+        <p:nvSpPr>
+          <p:cNvPr id="62" name="Rectángulo 61">
+            <a:extLst>
+              <a:ext uri="{FF2B5EF4-FFF2-40B4-BE49-F238E27FC236}">
+                <a16:creationId xmlns:a16="http://schemas.microsoft.com/office/drawing/2014/main" id="{6B84D2F9-B982-FBD0-287D-C11062640986}"/>
+              </a:ext>
+            </a:extLst>
+          </p:cNvPr>
+          <p:cNvSpPr/>
+          <p:nvPr/>
+        </p:nvSpPr>
+        <p:spPr>
+          <a:xfrm>
+            <a:off x="1433355" y="2269398"/>
+            <a:ext cx="223134" cy="215445"/>
+          </a:xfrm>
+          <a:prstGeom prst="rect">
+            <a:avLst/>
+          </a:prstGeom>
+          <a:solidFill>
+            <a:schemeClr val="bg1">
+              <a:lumMod val="85000"/>
+            </a:schemeClr>
+          </a:solidFill>
+          <a:ln>
+            <a:solidFill>
+              <a:schemeClr val="bg1">
+                <a:lumMod val="65000"/>
+              </a:schemeClr>
+            </a:solidFill>
+          </a:ln>
+        </p:spPr>
+        <p:style>
+          <a:lnRef idx="2">
+            <a:schemeClr val="accent1">
+              <a:shade val="15000"/>
+            </a:schemeClr>
+          </a:lnRef>
+          <a:fillRef idx="1">
+            <a:schemeClr val="accent1"/>
+          </a:fillRef>
+          <a:effectRef idx="0">
+            <a:schemeClr val="accent1"/>
+          </a:effectRef>
+          <a:fontRef idx="minor">
+            <a:schemeClr val="lt1"/>
+          </a:fontRef>
+        </p:style>
+        <p:txBody>
+          <a:bodyPr rtlCol="0" anchor="ctr"/>
+          <a:lstStyle/>
+          <a:p>
+            <a:pPr algn="ctr"/>
+            <a:endParaRPr lang="es-ES"/>
+          </a:p>
+        </p:txBody>
+      </p:sp>
+      <p:sp>
+        <p:nvSpPr>
+          <p:cNvPr id="63" name="CuadroTexto 62">
+            <a:extLst>
+              <a:ext uri="{FF2B5EF4-FFF2-40B4-BE49-F238E27FC236}">
+                <a16:creationId xmlns:a16="http://schemas.microsoft.com/office/drawing/2014/main" id="{606F7801-7568-165F-ACA1-F91609984206}"/>
+              </a:ext>
+            </a:extLst>
+          </p:cNvPr>
+          <p:cNvSpPr txBox="1"/>
+          <p:nvPr/>
+        </p:nvSpPr>
+        <p:spPr>
+          <a:xfrm>
+            <a:off x="1331527" y="2271031"/>
+            <a:ext cx="439544" cy="215444"/>
+          </a:xfrm>
+          <a:prstGeom prst="rect">
+            <a:avLst/>
+          </a:prstGeom>
+          <a:noFill/>
+        </p:spPr>
+        <p:txBody>
+          <a:bodyPr wrap="square" rtlCol="0">
+            <a:spAutoFit/>
+          </a:bodyPr>
+          <a:lstStyle/>
+          <a:p>
+            <a:r>
+              <a:rPr lang="es-ES" sz="800" dirty="0"/>
+              <a:t>FOTO</a:t>
+            </a:r>
+          </a:p>
+        </p:txBody>
+      </p:sp>
+      <p:sp>
+        <p:nvSpPr>
+          <p:cNvPr id="64" name="Rectángulo 63">
+            <a:extLst>
+              <a:ext uri="{FF2B5EF4-FFF2-40B4-BE49-F238E27FC236}">
+                <a16:creationId xmlns:a16="http://schemas.microsoft.com/office/drawing/2014/main" id="{99F8A2A5-6E78-3C6C-C47F-469EDAC5BF08}"/>
+              </a:ext>
+            </a:extLst>
+          </p:cNvPr>
+          <p:cNvSpPr/>
+          <p:nvPr/>
+        </p:nvSpPr>
+        <p:spPr>
+          <a:xfrm>
+            <a:off x="2633685" y="2256962"/>
+            <a:ext cx="242819" cy="210409"/>
+          </a:xfrm>
+          <a:prstGeom prst="rect">
+            <a:avLst/>
+          </a:prstGeom>
+          <a:solidFill>
+            <a:schemeClr val="accent1"/>
+          </a:solidFill>
+          <a:ln>
+            <a:solidFill>
+              <a:schemeClr val="accent1"/>
+            </a:solidFill>
+          </a:ln>
+        </p:spPr>
+        <p:style>
+          <a:lnRef idx="2">
+            <a:schemeClr val="accent1">
+              <a:shade val="15000"/>
+            </a:schemeClr>
+          </a:lnRef>
+          <a:fillRef idx="1">
+            <a:schemeClr val="accent1"/>
+          </a:fillRef>
+          <a:effectRef idx="0">
+            <a:schemeClr val="accent1"/>
+          </a:effectRef>
+          <a:fontRef idx="minor">
+            <a:schemeClr val="lt1"/>
+          </a:fontRef>
+        </p:style>
+        <p:txBody>
+          <a:bodyPr rtlCol="0" anchor="ctr"/>
+          <a:lstStyle/>
+          <a:p>
+            <a:pPr algn="ctr"/>
+            <a:endParaRPr lang="es-ES">
+              <a:solidFill>
+                <a:schemeClr val="accent1"/>
+              </a:solidFill>
+            </a:endParaRPr>
+          </a:p>
+        </p:txBody>
+      </p:sp>
+      <p:sp>
+        <p:nvSpPr>
+          <p:cNvPr id="65" name="Rectángulo 64">
+            <a:extLst>
+              <a:ext uri="{FF2B5EF4-FFF2-40B4-BE49-F238E27FC236}">
+                <a16:creationId xmlns:a16="http://schemas.microsoft.com/office/drawing/2014/main" id="{830DEED3-525F-287B-F6E4-A86219D8DFE1}"/>
+              </a:ext>
+            </a:extLst>
+          </p:cNvPr>
+          <p:cNvSpPr/>
+          <p:nvPr/>
+        </p:nvSpPr>
+        <p:spPr>
+          <a:xfrm>
+            <a:off x="2918359" y="2256962"/>
+            <a:ext cx="170016" cy="210409"/>
+          </a:xfrm>
+          <a:prstGeom prst="rect">
+            <a:avLst/>
+          </a:prstGeom>
+          <a:solidFill>
+            <a:srgbClr val="FF0000"/>
+          </a:solidFill>
+          <a:ln>
+            <a:solidFill>
+              <a:srgbClr val="FF0000"/>
+            </a:solidFill>
+          </a:ln>
+        </p:spPr>
+        <p:style>
+          <a:lnRef idx="2">
+            <a:schemeClr val="accent1">
+              <a:shade val="15000"/>
+            </a:schemeClr>
+          </a:lnRef>
+          <a:fillRef idx="1">
+            <a:schemeClr val="accent1"/>
+          </a:fillRef>
+          <a:effectRef idx="0">
+            <a:schemeClr val="accent1"/>
+          </a:effectRef>
+          <a:fontRef idx="minor">
+            <a:schemeClr val="lt1"/>
+          </a:fontRef>
+        </p:style>
+        <p:txBody>
+          <a:bodyPr rtlCol="0" anchor="ctr"/>
+          <a:lstStyle/>
+          <a:p>
+            <a:pPr algn="ctr"/>
+            <a:endParaRPr lang="es-ES"/>
+          </a:p>
+        </p:txBody>
+      </p:sp>
+      <p:sp>
+        <p:nvSpPr>
+          <p:cNvPr id="66" name="CuadroTexto 65">
+            <a:extLst>
+              <a:ext uri="{FF2B5EF4-FFF2-40B4-BE49-F238E27FC236}">
+                <a16:creationId xmlns:a16="http://schemas.microsoft.com/office/drawing/2014/main" id="{E3BB57BE-2EDB-92BC-575F-8E20095554FD}"/>
+              </a:ext>
+            </a:extLst>
+          </p:cNvPr>
+          <p:cNvSpPr txBox="1"/>
+          <p:nvPr/>
+        </p:nvSpPr>
+        <p:spPr>
+          <a:xfrm>
+            <a:off x="1492969" y="2651588"/>
+            <a:ext cx="1425390" cy="215444"/>
+          </a:xfrm>
+          <a:prstGeom prst="rect">
+            <a:avLst/>
+          </a:prstGeom>
+          <a:noFill/>
+        </p:spPr>
+        <p:txBody>
+          <a:bodyPr wrap="none" rtlCol="0">
+            <a:spAutoFit/>
+          </a:bodyPr>
+          <a:lstStyle/>
+          <a:p>
+            <a:r>
+              <a:rPr lang="es-ES" sz="800" dirty="0"/>
+              <a:t>COMENTARIO DEL CLIENTE</a:t>
+            </a:r>
+          </a:p>
+        </p:txBody>
+      </p:sp>
+      <p:sp>
+        <p:nvSpPr>
+          <p:cNvPr id="67" name="Rectángulo 66">
+            <a:extLst>
+              <a:ext uri="{FF2B5EF4-FFF2-40B4-BE49-F238E27FC236}">
+                <a16:creationId xmlns:a16="http://schemas.microsoft.com/office/drawing/2014/main" id="{FB82B709-726A-01AF-2574-726673885A55}"/>
+              </a:ext>
+            </a:extLst>
+          </p:cNvPr>
+          <p:cNvSpPr/>
+          <p:nvPr/>
+        </p:nvSpPr>
+        <p:spPr>
+          <a:xfrm>
+            <a:off x="4997378" y="1288472"/>
+            <a:ext cx="1725029" cy="2010705"/>
+          </a:xfrm>
+          <a:prstGeom prst="rect">
+            <a:avLst/>
+          </a:prstGeom>
+          <a:solidFill>
+            <a:schemeClr val="bg1"/>
+          </a:solidFill>
+          <a:ln w="9525">
+            <a:solidFill>
+              <a:schemeClr val="bg1">
+                <a:lumMod val="65000"/>
+              </a:schemeClr>
+            </a:solidFill>
+          </a:ln>
+        </p:spPr>
+        <p:style>
+          <a:lnRef idx="2">
+            <a:schemeClr val="accent1">
+              <a:shade val="15000"/>
+            </a:schemeClr>
+          </a:lnRef>
+          <a:fillRef idx="1">
+            <a:schemeClr val="accent1"/>
+          </a:fillRef>
+          <a:effectRef idx="0">
+            <a:schemeClr val="accent1"/>
+          </a:effectRef>
+          <a:fontRef idx="minor">
+            <a:schemeClr val="lt1"/>
+          </a:fontRef>
+        </p:style>
+        <p:txBody>
+          <a:bodyPr rtlCol="0" anchor="ctr"/>
+          <a:lstStyle/>
+          <a:p>
+            <a:pPr algn="ctr"/>
+            <a:endParaRPr lang="es-ES"/>
+          </a:p>
+        </p:txBody>
+      </p:sp>
+      <p:sp>
+        <p:nvSpPr>
+          <p:cNvPr id="68" name="Rectángulo 67">
+            <a:extLst>
+              <a:ext uri="{FF2B5EF4-FFF2-40B4-BE49-F238E27FC236}">
+                <a16:creationId xmlns:a16="http://schemas.microsoft.com/office/drawing/2014/main" id="{B68E3006-0D3E-56C9-3335-6D72781DDD3E}"/>
+              </a:ext>
+            </a:extLst>
+          </p:cNvPr>
+          <p:cNvSpPr/>
+          <p:nvPr/>
+        </p:nvSpPr>
+        <p:spPr>
+          <a:xfrm>
+            <a:off x="6787991" y="1288472"/>
+            <a:ext cx="1725029" cy="2010705"/>
+          </a:xfrm>
+          <a:prstGeom prst="rect">
+            <a:avLst/>
+          </a:prstGeom>
+          <a:solidFill>
+            <a:schemeClr val="bg1"/>
+          </a:solidFill>
+          <a:ln w="9525">
+            <a:solidFill>
+              <a:schemeClr val="bg1">
+                <a:lumMod val="65000"/>
+              </a:schemeClr>
+            </a:solidFill>
+          </a:ln>
+        </p:spPr>
+        <p:style>
+          <a:lnRef idx="2">
+            <a:schemeClr val="accent1">
+              <a:shade val="15000"/>
+            </a:schemeClr>
+          </a:lnRef>
+          <a:fillRef idx="1">
+            <a:schemeClr val="accent1"/>
+          </a:fillRef>
+          <a:effectRef idx="0">
+            <a:schemeClr val="accent1"/>
+          </a:effectRef>
+          <a:fontRef idx="minor">
+            <a:schemeClr val="lt1"/>
+          </a:fontRef>
+        </p:style>
+        <p:txBody>
+          <a:bodyPr rtlCol="0" anchor="ctr"/>
+          <a:lstStyle/>
+          <a:p>
+            <a:pPr algn="ctr"/>
+            <a:endParaRPr lang="es-ES"/>
+          </a:p>
+        </p:txBody>
+      </p:sp>
+      <p:sp>
+        <p:nvSpPr>
+          <p:cNvPr id="101" name="CuadroTexto 100">
+            <a:extLst>
+              <a:ext uri="{FF2B5EF4-FFF2-40B4-BE49-F238E27FC236}">
+                <a16:creationId xmlns:a16="http://schemas.microsoft.com/office/drawing/2014/main" id="{CCD912B9-3D2E-A631-8D70-4C1155AD5E5A}"/>
+              </a:ext>
+            </a:extLst>
+          </p:cNvPr>
+          <p:cNvSpPr txBox="1"/>
+          <p:nvPr/>
+        </p:nvSpPr>
+        <p:spPr>
+          <a:xfrm>
+            <a:off x="1346410" y="143458"/>
+            <a:ext cx="1523174" cy="253916"/>
+          </a:xfrm>
+          <a:prstGeom prst="rect">
+            <a:avLst/>
+          </a:prstGeom>
+          <a:noFill/>
+        </p:spPr>
+        <p:txBody>
+          <a:bodyPr wrap="none" rtlCol="0">
+            <a:spAutoFit/>
+          </a:bodyPr>
+          <a:lstStyle/>
+          <a:p>
+            <a:pPr algn="r"/>
+            <a:r>
+              <a:rPr lang="es-ES" sz="1050" b="1" dirty="0"/>
+              <a:t>DASHBOARD COCINA</a:t>
+            </a:r>
+          </a:p>
+        </p:txBody>
+      </p:sp>
+      <p:sp>
+        <p:nvSpPr>
+          <p:cNvPr id="104" name="Rectángulo 103">
+            <a:extLst>
+              <a:ext uri="{FF2B5EF4-FFF2-40B4-BE49-F238E27FC236}">
+                <a16:creationId xmlns:a16="http://schemas.microsoft.com/office/drawing/2014/main" id="{C4845120-5059-029F-D829-EAF47FA47FC9}"/>
+              </a:ext>
+            </a:extLst>
+          </p:cNvPr>
+          <p:cNvSpPr/>
+          <p:nvPr/>
+        </p:nvSpPr>
+        <p:spPr>
+          <a:xfrm>
+            <a:off x="1425850" y="3906581"/>
+            <a:ext cx="1725029" cy="2010705"/>
+          </a:xfrm>
+          <a:prstGeom prst="rect">
+            <a:avLst/>
+          </a:prstGeom>
+          <a:solidFill>
+            <a:schemeClr val="bg1"/>
+          </a:solidFill>
+          <a:ln w="9525">
+            <a:solidFill>
+              <a:schemeClr val="bg1">
+                <a:lumMod val="65000"/>
+              </a:schemeClr>
+            </a:solidFill>
+          </a:ln>
+        </p:spPr>
+        <p:style>
+          <a:lnRef idx="2">
+            <a:schemeClr val="accent1">
+              <a:shade val="15000"/>
+            </a:schemeClr>
+          </a:lnRef>
+          <a:fillRef idx="1">
+            <a:schemeClr val="accent1"/>
+          </a:fillRef>
+          <a:effectRef idx="0">
+            <a:schemeClr val="accent1"/>
+          </a:effectRef>
+          <a:fontRef idx="minor">
+            <a:schemeClr val="lt1"/>
+          </a:fontRef>
+        </p:style>
+        <p:txBody>
+          <a:bodyPr rtlCol="0" anchor="ctr"/>
+          <a:lstStyle/>
+          <a:p>
+            <a:pPr algn="ctr"/>
+            <a:endParaRPr lang="es-ES"/>
+          </a:p>
+        </p:txBody>
+      </p:sp>
+      <p:sp>
+        <p:nvSpPr>
+          <p:cNvPr id="112" name="CuadroTexto 111">
+            <a:extLst>
+              <a:ext uri="{FF2B5EF4-FFF2-40B4-BE49-F238E27FC236}">
+                <a16:creationId xmlns:a16="http://schemas.microsoft.com/office/drawing/2014/main" id="{E1715843-9FC7-00AC-CB38-70F739AE59DD}"/>
+              </a:ext>
+            </a:extLst>
+          </p:cNvPr>
+          <p:cNvSpPr txBox="1"/>
+          <p:nvPr/>
+        </p:nvSpPr>
+        <p:spPr>
+          <a:xfrm>
+            <a:off x="1934686" y="3946231"/>
+            <a:ext cx="652743" cy="215444"/>
+          </a:xfrm>
+          <a:prstGeom prst="rect">
+            <a:avLst/>
+          </a:prstGeom>
+          <a:noFill/>
+        </p:spPr>
+        <p:txBody>
+          <a:bodyPr wrap="none" rtlCol="0">
+            <a:spAutoFit/>
+          </a:bodyPr>
+          <a:lstStyle/>
+          <a:p>
+            <a:r>
+              <a:rPr lang="es-ES" sz="800" dirty="0"/>
+              <a:t>ORDEN #1</a:t>
+            </a:r>
+          </a:p>
+        </p:txBody>
+      </p:sp>
+      <p:sp>
+        <p:nvSpPr>
+          <p:cNvPr id="117" name="CuadroTexto 116">
+            <a:extLst>
+              <a:ext uri="{FF2B5EF4-FFF2-40B4-BE49-F238E27FC236}">
+                <a16:creationId xmlns:a16="http://schemas.microsoft.com/office/drawing/2014/main" id="{B4761C77-EC89-7A3D-7681-41C783206056}"/>
+              </a:ext>
+            </a:extLst>
+          </p:cNvPr>
+          <p:cNvSpPr txBox="1"/>
+          <p:nvPr/>
+        </p:nvSpPr>
+        <p:spPr>
+          <a:xfrm>
+            <a:off x="1446228" y="4005783"/>
+            <a:ext cx="527709" cy="215444"/>
+          </a:xfrm>
+          <a:prstGeom prst="rect">
+            <a:avLst/>
+          </a:prstGeom>
+          <a:noFill/>
+        </p:spPr>
+        <p:txBody>
+          <a:bodyPr wrap="none" rtlCol="0">
+            <a:spAutoFit/>
+          </a:bodyPr>
+          <a:lstStyle/>
+          <a:p>
+            <a:r>
+              <a:rPr lang="es-ES" sz="800" b="1" dirty="0"/>
+              <a:t>9:30AM</a:t>
+            </a:r>
+          </a:p>
+        </p:txBody>
+      </p:sp>
+      <p:sp>
+        <p:nvSpPr>
+          <p:cNvPr id="118" name="CuadroTexto 117">
+            <a:extLst>
+              <a:ext uri="{FF2B5EF4-FFF2-40B4-BE49-F238E27FC236}">
+                <a16:creationId xmlns:a16="http://schemas.microsoft.com/office/drawing/2014/main" id="{8503DB3A-9764-3499-DE5B-85D72B759BFD}"/>
+              </a:ext>
+            </a:extLst>
+          </p:cNvPr>
+          <p:cNvSpPr txBox="1"/>
+          <p:nvPr/>
+        </p:nvSpPr>
+        <p:spPr>
+          <a:xfrm>
+            <a:off x="2588179" y="4005783"/>
+            <a:ext cx="463588" cy="215444"/>
+          </a:xfrm>
+          <a:prstGeom prst="rect">
+            <a:avLst/>
+          </a:prstGeom>
+          <a:noFill/>
+        </p:spPr>
+        <p:txBody>
+          <a:bodyPr wrap="none" rtlCol="0">
+            <a:spAutoFit/>
+          </a:bodyPr>
+          <a:lstStyle/>
+          <a:p>
+            <a:r>
+              <a:rPr lang="es-ES" sz="800" b="1" dirty="0"/>
+              <a:t>1:45M</a:t>
+            </a:r>
+          </a:p>
+        </p:txBody>
+      </p:sp>
+      <p:cxnSp>
+        <p:nvCxnSpPr>
+          <p:cNvPr id="119" name="Conector recto de flecha 118">
+            <a:extLst>
+              <a:ext uri="{FF2B5EF4-FFF2-40B4-BE49-F238E27FC236}">
+                <a16:creationId xmlns:a16="http://schemas.microsoft.com/office/drawing/2014/main" id="{46733007-4A4C-DE49-00D7-2644AEB88605}"/>
+              </a:ext>
+            </a:extLst>
+          </p:cNvPr>
+          <p:cNvCxnSpPr/>
+          <p:nvPr/>
+        </p:nvCxnSpPr>
+        <p:spPr>
+          <a:xfrm>
+            <a:off x="1550221" y="4005783"/>
+            <a:ext cx="255777" cy="0"/>
+          </a:xfrm>
+          <a:prstGeom prst="straightConnector1">
+            <a:avLst/>
+          </a:prstGeom>
+          <a:ln>
+            <a:tailEnd type="triangle"/>
+          </a:ln>
+        </p:spPr>
+        <p:style>
+          <a:lnRef idx="2">
+            <a:schemeClr val="accent1"/>
+          </a:lnRef>
+          <a:fillRef idx="0">
+            <a:schemeClr val="accent1"/>
+          </a:fillRef>
+          <a:effectRef idx="1">
+            <a:schemeClr val="accent1"/>
+          </a:effectRef>
+          <a:fontRef idx="minor">
+            <a:schemeClr val="tx1"/>
+          </a:fontRef>
+        </p:style>
+      </p:cxnSp>
+      <p:cxnSp>
+        <p:nvCxnSpPr>
+          <p:cNvPr id="121" name="Conector recto de flecha 120">
+            <a:extLst>
+              <a:ext uri="{FF2B5EF4-FFF2-40B4-BE49-F238E27FC236}">
+                <a16:creationId xmlns:a16="http://schemas.microsoft.com/office/drawing/2014/main" id="{431C7307-6E17-4C8F-823C-24A477904C49}"/>
+              </a:ext>
+            </a:extLst>
+          </p:cNvPr>
+          <p:cNvCxnSpPr/>
+          <p:nvPr/>
+        </p:nvCxnSpPr>
+        <p:spPr>
+          <a:xfrm>
+            <a:off x="2699767" y="4005783"/>
+            <a:ext cx="255777" cy="0"/>
+          </a:xfrm>
+          <a:prstGeom prst="straightConnector1">
+            <a:avLst/>
+          </a:prstGeom>
+          <a:ln>
+            <a:tailEnd type="triangle"/>
+          </a:ln>
+        </p:spPr>
+        <p:style>
+          <a:lnRef idx="2">
+            <a:schemeClr val="accent1"/>
+          </a:lnRef>
+          <a:fillRef idx="0">
+            <a:schemeClr val="accent1"/>
+          </a:fillRef>
+          <a:effectRef idx="1">
+            <a:schemeClr val="accent1"/>
+          </a:effectRef>
+          <a:fontRef idx="minor">
+            <a:schemeClr val="tx1"/>
+          </a:fontRef>
+        </p:style>
+      </p:cxnSp>
+      <p:cxnSp>
+        <p:nvCxnSpPr>
+          <p:cNvPr id="122" name="Conector recto 121">
+            <a:extLst>
+              <a:ext uri="{FF2B5EF4-FFF2-40B4-BE49-F238E27FC236}">
+                <a16:creationId xmlns:a16="http://schemas.microsoft.com/office/drawing/2014/main" id="{735E7FA7-5F31-5C7E-955F-A42B11084608}"/>
+              </a:ext>
+            </a:extLst>
+          </p:cNvPr>
+          <p:cNvCxnSpPr>
+            <a:cxnSpLocks/>
+          </p:cNvCxnSpPr>
+          <p:nvPr/>
+        </p:nvCxnSpPr>
+        <p:spPr>
+          <a:xfrm>
+            <a:off x="1480074" y="4221227"/>
+            <a:ext cx="1571693" cy="0"/>
+          </a:xfrm>
+          <a:prstGeom prst="line">
+            <a:avLst/>
+          </a:prstGeom>
+          <a:ln w="6350"/>
+        </p:spPr>
+        <p:style>
+          <a:lnRef idx="2">
+            <a:schemeClr val="accent1"/>
+          </a:lnRef>
+          <a:fillRef idx="0">
+            <a:schemeClr val="accent1"/>
+          </a:fillRef>
+          <a:effectRef idx="1">
+            <a:schemeClr val="accent1"/>
+          </a:effectRef>
+          <a:fontRef idx="minor">
+            <a:schemeClr val="tx1"/>
+          </a:fontRef>
+        </p:style>
+      </p:cxnSp>
+      <p:sp>
+        <p:nvSpPr>
+          <p:cNvPr id="130" name="CuadroTexto 129">
+            <a:extLst>
+              <a:ext uri="{FF2B5EF4-FFF2-40B4-BE49-F238E27FC236}">
+                <a16:creationId xmlns:a16="http://schemas.microsoft.com/office/drawing/2014/main" id="{E2B8BCD8-D3F9-A138-5D60-00CC30BF3E4F}"/>
+              </a:ext>
+            </a:extLst>
+          </p:cNvPr>
+          <p:cNvSpPr txBox="1"/>
+          <p:nvPr/>
+        </p:nvSpPr>
+        <p:spPr>
+          <a:xfrm>
+            <a:off x="1636008" y="4251806"/>
+            <a:ext cx="939681" cy="338554"/>
+          </a:xfrm>
+          <a:prstGeom prst="rect">
+            <a:avLst/>
+          </a:prstGeom>
+          <a:noFill/>
+        </p:spPr>
+        <p:txBody>
+          <a:bodyPr wrap="none" rtlCol="0">
+            <a:spAutoFit/>
+          </a:bodyPr>
+          <a:lstStyle/>
+          <a:p>
+            <a:r>
+              <a:rPr lang="es-ES" sz="800" dirty="0"/>
+              <a:t>CAUSA RELLENA</a:t>
+            </a:r>
+          </a:p>
+          <a:p>
+            <a:r>
+              <a:rPr lang="es-ES" sz="800" dirty="0"/>
+              <a:t>X 1</a:t>
+            </a:r>
+          </a:p>
+        </p:txBody>
+      </p:sp>
+      <p:sp>
+        <p:nvSpPr>
+          <p:cNvPr id="131" name="Rectángulo 130">
+            <a:extLst>
+              <a:ext uri="{FF2B5EF4-FFF2-40B4-BE49-F238E27FC236}">
+                <a16:creationId xmlns:a16="http://schemas.microsoft.com/office/drawing/2014/main" id="{3291B802-98C2-D446-AF79-6F9DA005823E}"/>
+              </a:ext>
+            </a:extLst>
+          </p:cNvPr>
+          <p:cNvSpPr/>
+          <p:nvPr/>
+        </p:nvSpPr>
+        <p:spPr>
+          <a:xfrm>
+            <a:off x="1456902" y="4296682"/>
+            <a:ext cx="223134" cy="215445"/>
+          </a:xfrm>
+          <a:prstGeom prst="rect">
+            <a:avLst/>
+          </a:prstGeom>
+          <a:solidFill>
+            <a:schemeClr val="bg1">
+              <a:lumMod val="85000"/>
+            </a:schemeClr>
+          </a:solidFill>
+          <a:ln>
+            <a:solidFill>
+              <a:schemeClr val="bg1">
+                <a:lumMod val="65000"/>
+              </a:schemeClr>
+            </a:solidFill>
+          </a:ln>
+        </p:spPr>
+        <p:style>
+          <a:lnRef idx="2">
+            <a:schemeClr val="accent1">
+              <a:shade val="15000"/>
+            </a:schemeClr>
+          </a:lnRef>
+          <a:fillRef idx="1">
+            <a:schemeClr val="accent1"/>
+          </a:fillRef>
+          <a:effectRef idx="0">
+            <a:schemeClr val="accent1"/>
+          </a:effectRef>
+          <a:fontRef idx="minor">
+            <a:schemeClr val="lt1"/>
+          </a:fontRef>
+        </p:style>
+        <p:txBody>
+          <a:bodyPr rtlCol="0" anchor="ctr"/>
+          <a:lstStyle/>
+          <a:p>
+            <a:pPr algn="ctr"/>
+            <a:endParaRPr lang="es-ES"/>
+          </a:p>
+        </p:txBody>
+      </p:sp>
+      <p:sp>
+        <p:nvSpPr>
+          <p:cNvPr id="132" name="CuadroTexto 131">
+            <a:extLst>
+              <a:ext uri="{FF2B5EF4-FFF2-40B4-BE49-F238E27FC236}">
+                <a16:creationId xmlns:a16="http://schemas.microsoft.com/office/drawing/2014/main" id="{2814CD0B-48F2-43B9-D975-81089E89054C}"/>
+              </a:ext>
+            </a:extLst>
+          </p:cNvPr>
+          <p:cNvSpPr txBox="1"/>
+          <p:nvPr/>
+        </p:nvSpPr>
+        <p:spPr>
+          <a:xfrm>
+            <a:off x="1633111" y="4564424"/>
+            <a:ext cx="909223" cy="338554"/>
+          </a:xfrm>
+          <a:prstGeom prst="rect">
+            <a:avLst/>
+          </a:prstGeom>
+          <a:noFill/>
+        </p:spPr>
+        <p:txBody>
+          <a:bodyPr wrap="none" rtlCol="0">
+            <a:spAutoFit/>
+          </a:bodyPr>
+          <a:lstStyle/>
+          <a:p>
+            <a:r>
+              <a:rPr lang="es-ES" sz="800" dirty="0"/>
+              <a:t>ARROZ CHAUFA</a:t>
+            </a:r>
+          </a:p>
+          <a:p>
+            <a:r>
+              <a:rPr lang="es-ES" sz="800" dirty="0"/>
+              <a:t>X 1</a:t>
+            </a:r>
+          </a:p>
+        </p:txBody>
+      </p:sp>
+      <p:sp>
+        <p:nvSpPr>
+          <p:cNvPr id="133" name="Rectángulo 132">
+            <a:extLst>
+              <a:ext uri="{FF2B5EF4-FFF2-40B4-BE49-F238E27FC236}">
+                <a16:creationId xmlns:a16="http://schemas.microsoft.com/office/drawing/2014/main" id="{32F984B1-26C4-BBEB-8DC8-20C8DBB4CD77}"/>
+              </a:ext>
+            </a:extLst>
+          </p:cNvPr>
+          <p:cNvSpPr/>
+          <p:nvPr/>
+        </p:nvSpPr>
+        <p:spPr>
+          <a:xfrm>
+            <a:off x="1454005" y="4594369"/>
+            <a:ext cx="223134" cy="215445"/>
+          </a:xfrm>
+          <a:prstGeom prst="rect">
+            <a:avLst/>
+          </a:prstGeom>
+          <a:solidFill>
+            <a:schemeClr val="bg1">
+              <a:lumMod val="85000"/>
+            </a:schemeClr>
+          </a:solidFill>
+          <a:ln>
+            <a:solidFill>
+              <a:schemeClr val="bg1">
+                <a:lumMod val="65000"/>
+              </a:schemeClr>
+            </a:solidFill>
+          </a:ln>
+        </p:spPr>
+        <p:style>
+          <a:lnRef idx="2">
+            <a:schemeClr val="accent1">
+              <a:shade val="15000"/>
+            </a:schemeClr>
+          </a:lnRef>
+          <a:fillRef idx="1">
+            <a:schemeClr val="accent1"/>
+          </a:fillRef>
+          <a:effectRef idx="0">
+            <a:schemeClr val="accent1"/>
+          </a:effectRef>
+          <a:fontRef idx="minor">
+            <a:schemeClr val="lt1"/>
+          </a:fontRef>
+        </p:style>
+        <p:txBody>
+          <a:bodyPr rtlCol="0" anchor="ctr"/>
+          <a:lstStyle/>
+          <a:p>
+            <a:pPr algn="ctr"/>
+            <a:endParaRPr lang="es-ES"/>
+          </a:p>
+        </p:txBody>
+      </p:sp>
+      <p:sp>
+        <p:nvSpPr>
+          <p:cNvPr id="134" name="CuadroTexto 133">
+            <a:extLst>
+              <a:ext uri="{FF2B5EF4-FFF2-40B4-BE49-F238E27FC236}">
+                <a16:creationId xmlns:a16="http://schemas.microsoft.com/office/drawing/2014/main" id="{4CC8BC24-A85C-753B-9DFC-7E413CB807F4}"/>
+              </a:ext>
+            </a:extLst>
+          </p:cNvPr>
+          <p:cNvSpPr txBox="1"/>
+          <p:nvPr/>
+        </p:nvSpPr>
+        <p:spPr>
+          <a:xfrm>
+            <a:off x="1352177" y="4596002"/>
+            <a:ext cx="439544" cy="215444"/>
+          </a:xfrm>
+          <a:prstGeom prst="rect">
+            <a:avLst/>
+          </a:prstGeom>
+          <a:noFill/>
+        </p:spPr>
+        <p:txBody>
+          <a:bodyPr wrap="square" rtlCol="0">
+            <a:spAutoFit/>
+          </a:bodyPr>
+          <a:lstStyle/>
+          <a:p>
+            <a:r>
+              <a:rPr lang="es-ES" sz="800" dirty="0"/>
+              <a:t>FOTO</a:t>
+            </a:r>
+          </a:p>
+        </p:txBody>
+      </p:sp>
+      <p:sp>
+        <p:nvSpPr>
+          <p:cNvPr id="135" name="Rectángulo 134">
+            <a:extLst>
+              <a:ext uri="{FF2B5EF4-FFF2-40B4-BE49-F238E27FC236}">
+                <a16:creationId xmlns:a16="http://schemas.microsoft.com/office/drawing/2014/main" id="{99BBC037-20B7-2E44-7BE2-34DD3FB122A9}"/>
+              </a:ext>
+            </a:extLst>
+          </p:cNvPr>
+          <p:cNvSpPr/>
+          <p:nvPr/>
+        </p:nvSpPr>
+        <p:spPr>
+          <a:xfrm>
+            <a:off x="2655788" y="4283652"/>
+            <a:ext cx="242819" cy="210409"/>
+          </a:xfrm>
+          <a:prstGeom prst="rect">
+            <a:avLst/>
+          </a:prstGeom>
+          <a:solidFill>
+            <a:schemeClr val="bg1">
+              <a:lumMod val="85000"/>
+            </a:schemeClr>
+          </a:solidFill>
+          <a:ln>
+            <a:solidFill>
+              <a:schemeClr val="accent1"/>
+            </a:solidFill>
+          </a:ln>
+        </p:spPr>
+        <p:style>
+          <a:lnRef idx="2">
+            <a:schemeClr val="accent1">
+              <a:shade val="15000"/>
+            </a:schemeClr>
+          </a:lnRef>
+          <a:fillRef idx="1">
+            <a:schemeClr val="accent1"/>
+          </a:fillRef>
+          <a:effectRef idx="0">
+            <a:schemeClr val="accent1"/>
+          </a:effectRef>
+          <a:fontRef idx="minor">
+            <a:schemeClr val="lt1"/>
+          </a:fontRef>
+        </p:style>
+        <p:txBody>
+          <a:bodyPr rtlCol="0" anchor="ctr"/>
+          <a:lstStyle/>
+          <a:p>
+            <a:pPr algn="ctr"/>
+            <a:endParaRPr lang="es-ES"/>
+          </a:p>
+        </p:txBody>
+      </p:sp>
+      <p:sp>
+        <p:nvSpPr>
+          <p:cNvPr id="136" name="Rectángulo 135">
+            <a:extLst>
+              <a:ext uri="{FF2B5EF4-FFF2-40B4-BE49-F238E27FC236}">
+                <a16:creationId xmlns:a16="http://schemas.microsoft.com/office/drawing/2014/main" id="{3AA02B6B-318F-8A9C-1586-26A5A0291733}"/>
+              </a:ext>
+            </a:extLst>
+          </p:cNvPr>
+          <p:cNvSpPr/>
+          <p:nvPr/>
+        </p:nvSpPr>
+        <p:spPr>
+          <a:xfrm>
+            <a:off x="2940462" y="4283652"/>
+            <a:ext cx="170016" cy="210409"/>
+          </a:xfrm>
+          <a:prstGeom prst="rect">
+            <a:avLst/>
+          </a:prstGeom>
+          <a:solidFill>
+            <a:srgbClr val="FF0000"/>
+          </a:solidFill>
+          <a:ln>
+            <a:solidFill>
+              <a:srgbClr val="FF0000"/>
+            </a:solidFill>
+          </a:ln>
+        </p:spPr>
+        <p:style>
+          <a:lnRef idx="2">
+            <a:schemeClr val="accent1">
+              <a:shade val="15000"/>
+            </a:schemeClr>
+          </a:lnRef>
+          <a:fillRef idx="1">
+            <a:schemeClr val="accent1"/>
+          </a:fillRef>
+          <a:effectRef idx="0">
+            <a:schemeClr val="accent1"/>
+          </a:effectRef>
+          <a:fontRef idx="minor">
+            <a:schemeClr val="lt1"/>
+          </a:fontRef>
+        </p:style>
+        <p:txBody>
+          <a:bodyPr rtlCol="0" anchor="ctr"/>
+          <a:lstStyle/>
+          <a:p>
+            <a:pPr algn="ctr"/>
+            <a:endParaRPr lang="es-ES"/>
+          </a:p>
+        </p:txBody>
+      </p:sp>
+      <p:sp>
+        <p:nvSpPr>
+          <p:cNvPr id="142" name="Rectángulo 141">
+            <a:extLst>
+              <a:ext uri="{FF2B5EF4-FFF2-40B4-BE49-F238E27FC236}">
+                <a16:creationId xmlns:a16="http://schemas.microsoft.com/office/drawing/2014/main" id="{95BCFE8E-9D2F-1D0E-5BA4-2E81BB18AD0C}"/>
+              </a:ext>
+            </a:extLst>
+          </p:cNvPr>
+          <p:cNvSpPr/>
+          <p:nvPr/>
+        </p:nvSpPr>
+        <p:spPr>
+          <a:xfrm>
+            <a:off x="2654335" y="4582525"/>
+            <a:ext cx="242819" cy="210409"/>
+          </a:xfrm>
+          <a:prstGeom prst="rect">
+            <a:avLst/>
+          </a:prstGeom>
+          <a:solidFill>
+            <a:schemeClr val="bg1">
+              <a:lumMod val="85000"/>
+            </a:schemeClr>
+          </a:solidFill>
+          <a:ln>
+            <a:solidFill>
+              <a:schemeClr val="accent1"/>
+            </a:solidFill>
+          </a:ln>
+        </p:spPr>
+        <p:style>
+          <a:lnRef idx="2">
+            <a:schemeClr val="accent1">
+              <a:shade val="15000"/>
+            </a:schemeClr>
+          </a:lnRef>
+          <a:fillRef idx="1">
+            <a:schemeClr val="accent1"/>
+          </a:fillRef>
+          <a:effectRef idx="0">
+            <a:schemeClr val="accent1"/>
+          </a:effectRef>
+          <a:fontRef idx="minor">
+            <a:schemeClr val="lt1"/>
+          </a:fontRef>
+        </p:style>
+        <p:txBody>
+          <a:bodyPr rtlCol="0" anchor="ctr"/>
+          <a:lstStyle/>
+          <a:p>
+            <a:pPr algn="ctr"/>
+            <a:endParaRPr lang="es-ES"/>
+          </a:p>
+        </p:txBody>
+      </p:sp>
+      <p:sp>
+        <p:nvSpPr>
+          <p:cNvPr id="143" name="Rectángulo 142">
+            <a:extLst>
+              <a:ext uri="{FF2B5EF4-FFF2-40B4-BE49-F238E27FC236}">
+                <a16:creationId xmlns:a16="http://schemas.microsoft.com/office/drawing/2014/main" id="{AB3F06C8-2B9E-A272-3A2A-4198595F68CD}"/>
+              </a:ext>
+            </a:extLst>
+          </p:cNvPr>
+          <p:cNvSpPr/>
+          <p:nvPr/>
+        </p:nvSpPr>
+        <p:spPr>
+          <a:xfrm>
+            <a:off x="2939009" y="4582525"/>
+            <a:ext cx="170016" cy="210409"/>
+          </a:xfrm>
+          <a:prstGeom prst="rect">
+            <a:avLst/>
+          </a:prstGeom>
+          <a:solidFill>
+            <a:srgbClr val="FF0000"/>
+          </a:solidFill>
+          <a:ln>
+            <a:solidFill>
+              <a:srgbClr val="FF0000"/>
+            </a:solidFill>
+          </a:ln>
+        </p:spPr>
+        <p:style>
+          <a:lnRef idx="2">
+            <a:schemeClr val="accent1">
+              <a:shade val="15000"/>
+            </a:schemeClr>
+          </a:lnRef>
+          <a:fillRef idx="1">
+            <a:schemeClr val="accent1"/>
+          </a:fillRef>
+          <a:effectRef idx="0">
+            <a:schemeClr val="accent1"/>
+          </a:effectRef>
+          <a:fontRef idx="minor">
+            <a:schemeClr val="lt1"/>
+          </a:fontRef>
+        </p:style>
+        <p:txBody>
+          <a:bodyPr rtlCol="0" anchor="ctr"/>
+          <a:lstStyle/>
+          <a:p>
+            <a:pPr algn="ctr"/>
+            <a:endParaRPr lang="es-ES"/>
+          </a:p>
+        </p:txBody>
+      </p:sp>
+      <p:sp>
+        <p:nvSpPr>
+          <p:cNvPr id="144" name="CuadroTexto 143">
+            <a:extLst>
+              <a:ext uri="{FF2B5EF4-FFF2-40B4-BE49-F238E27FC236}">
+                <a16:creationId xmlns:a16="http://schemas.microsoft.com/office/drawing/2014/main" id="{155190C7-0B33-7971-A576-B61F73B75E36}"/>
+              </a:ext>
+            </a:extLst>
+          </p:cNvPr>
+          <p:cNvSpPr txBox="1"/>
+          <p:nvPr/>
+        </p:nvSpPr>
+        <p:spPr>
+          <a:xfrm>
+            <a:off x="1633111" y="4851174"/>
+            <a:ext cx="1039067" cy="338554"/>
+          </a:xfrm>
+          <a:prstGeom prst="rect">
+            <a:avLst/>
+          </a:prstGeom>
+          <a:noFill/>
+        </p:spPr>
+        <p:txBody>
+          <a:bodyPr wrap="none" rtlCol="0">
+            <a:spAutoFit/>
+          </a:bodyPr>
+          <a:lstStyle/>
+          <a:p>
+            <a:r>
+              <a:rPr lang="es-ES" sz="800" dirty="0"/>
+              <a:t>JUEGO MARACUYA</a:t>
+            </a:r>
+          </a:p>
+          <a:p>
+            <a:r>
+              <a:rPr lang="es-ES" sz="800" dirty="0"/>
+              <a:t>x1</a:t>
+            </a:r>
+          </a:p>
+        </p:txBody>
+      </p:sp>
+      <p:sp>
+        <p:nvSpPr>
+          <p:cNvPr id="145" name="Rectángulo 144">
+            <a:extLst>
+              <a:ext uri="{FF2B5EF4-FFF2-40B4-BE49-F238E27FC236}">
+                <a16:creationId xmlns:a16="http://schemas.microsoft.com/office/drawing/2014/main" id="{61AA1FED-77AB-758B-5EAA-EE809D8FF635}"/>
+              </a:ext>
+            </a:extLst>
+          </p:cNvPr>
+          <p:cNvSpPr/>
+          <p:nvPr/>
+        </p:nvSpPr>
+        <p:spPr>
+          <a:xfrm>
+            <a:off x="1454005" y="4887507"/>
+            <a:ext cx="223134" cy="215445"/>
+          </a:xfrm>
+          <a:prstGeom prst="rect">
+            <a:avLst/>
+          </a:prstGeom>
+          <a:solidFill>
+            <a:schemeClr val="bg1">
+              <a:lumMod val="85000"/>
+            </a:schemeClr>
+          </a:solidFill>
+          <a:ln>
+            <a:solidFill>
+              <a:schemeClr val="bg1">
+                <a:lumMod val="65000"/>
+              </a:schemeClr>
+            </a:solidFill>
+          </a:ln>
+        </p:spPr>
+        <p:style>
+          <a:lnRef idx="2">
+            <a:schemeClr val="accent1">
+              <a:shade val="15000"/>
+            </a:schemeClr>
+          </a:lnRef>
+          <a:fillRef idx="1">
+            <a:schemeClr val="accent1"/>
+          </a:fillRef>
+          <a:effectRef idx="0">
+            <a:schemeClr val="accent1"/>
+          </a:effectRef>
+          <a:fontRef idx="minor">
+            <a:schemeClr val="lt1"/>
+          </a:fontRef>
+        </p:style>
+        <p:txBody>
+          <a:bodyPr rtlCol="0" anchor="ctr"/>
+          <a:lstStyle/>
+          <a:p>
+            <a:pPr algn="ctr"/>
+            <a:endParaRPr lang="es-ES"/>
+          </a:p>
+        </p:txBody>
+      </p:sp>
+      <p:sp>
+        <p:nvSpPr>
+          <p:cNvPr id="146" name="CuadroTexto 145">
+            <a:extLst>
+              <a:ext uri="{FF2B5EF4-FFF2-40B4-BE49-F238E27FC236}">
+                <a16:creationId xmlns:a16="http://schemas.microsoft.com/office/drawing/2014/main" id="{8855EA36-2778-B336-8DB5-0A1FAB5F9C22}"/>
+              </a:ext>
+            </a:extLst>
+          </p:cNvPr>
+          <p:cNvSpPr txBox="1"/>
+          <p:nvPr/>
+        </p:nvSpPr>
+        <p:spPr>
+          <a:xfrm>
+            <a:off x="1352177" y="4889140"/>
+            <a:ext cx="439544" cy="215444"/>
+          </a:xfrm>
+          <a:prstGeom prst="rect">
+            <a:avLst/>
+          </a:prstGeom>
+          <a:noFill/>
+        </p:spPr>
+        <p:txBody>
+          <a:bodyPr wrap="square" rtlCol="0">
+            <a:spAutoFit/>
+          </a:bodyPr>
+          <a:lstStyle/>
+          <a:p>
+            <a:r>
+              <a:rPr lang="es-ES" sz="800" dirty="0"/>
+              <a:t>FOTO</a:t>
+            </a:r>
+          </a:p>
+        </p:txBody>
+      </p:sp>
+      <p:sp>
+        <p:nvSpPr>
+          <p:cNvPr id="148" name="Rectángulo 147">
+            <a:extLst>
+              <a:ext uri="{FF2B5EF4-FFF2-40B4-BE49-F238E27FC236}">
+                <a16:creationId xmlns:a16="http://schemas.microsoft.com/office/drawing/2014/main" id="{D0783304-008F-68BE-3D4C-F23CFE8AED73}"/>
+              </a:ext>
+            </a:extLst>
+          </p:cNvPr>
+          <p:cNvSpPr/>
+          <p:nvPr/>
+        </p:nvSpPr>
+        <p:spPr>
+          <a:xfrm>
+            <a:off x="2939009" y="4875071"/>
+            <a:ext cx="170016" cy="210409"/>
+          </a:xfrm>
+          <a:prstGeom prst="rect">
+            <a:avLst/>
+          </a:prstGeom>
+          <a:solidFill>
+            <a:srgbClr val="FF0000"/>
+          </a:solidFill>
+          <a:ln>
+            <a:solidFill>
+              <a:srgbClr val="FF0000"/>
+            </a:solidFill>
+          </a:ln>
+        </p:spPr>
+        <p:style>
+          <a:lnRef idx="2">
+            <a:schemeClr val="accent1">
+              <a:shade val="15000"/>
+            </a:schemeClr>
+          </a:lnRef>
+          <a:fillRef idx="1">
+            <a:schemeClr val="accent1"/>
+          </a:fillRef>
+          <a:effectRef idx="0">
+            <a:schemeClr val="accent1"/>
+          </a:effectRef>
+          <a:fontRef idx="minor">
+            <a:schemeClr val="lt1"/>
+          </a:fontRef>
+        </p:style>
+        <p:txBody>
+          <a:bodyPr rtlCol="0" anchor="ctr"/>
+          <a:lstStyle/>
+          <a:p>
+            <a:pPr algn="ctr"/>
+            <a:endParaRPr lang="es-ES"/>
+          </a:p>
+        </p:txBody>
+      </p:sp>
+      <p:sp>
+        <p:nvSpPr>
+          <p:cNvPr id="149" name="CuadroTexto 148">
+            <a:extLst>
+              <a:ext uri="{FF2B5EF4-FFF2-40B4-BE49-F238E27FC236}">
+                <a16:creationId xmlns:a16="http://schemas.microsoft.com/office/drawing/2014/main" id="{D00E9A3E-08C9-E08D-C2B3-B16D26FFABB1}"/>
+              </a:ext>
+            </a:extLst>
+          </p:cNvPr>
+          <p:cNvSpPr txBox="1"/>
+          <p:nvPr/>
+        </p:nvSpPr>
+        <p:spPr>
+          <a:xfrm>
+            <a:off x="1480074" y="5264275"/>
+            <a:ext cx="1425390" cy="215444"/>
+          </a:xfrm>
+          <a:prstGeom prst="rect">
+            <a:avLst/>
+          </a:prstGeom>
+          <a:noFill/>
+        </p:spPr>
+        <p:txBody>
+          <a:bodyPr wrap="none" rtlCol="0">
+            <a:spAutoFit/>
+          </a:bodyPr>
+          <a:lstStyle/>
+          <a:p>
+            <a:r>
+              <a:rPr lang="es-ES" sz="800" dirty="0"/>
+              <a:t>COMENTARIO DEL CLIENTE</a:t>
+            </a:r>
+          </a:p>
+        </p:txBody>
+      </p:sp>
+      <p:sp>
+        <p:nvSpPr>
+          <p:cNvPr id="150" name="Rectángulo 149">
+            <a:extLst>
+              <a:ext uri="{FF2B5EF4-FFF2-40B4-BE49-F238E27FC236}">
+                <a16:creationId xmlns:a16="http://schemas.microsoft.com/office/drawing/2014/main" id="{16560C1B-E99C-B915-4591-978481E004BC}"/>
+              </a:ext>
+            </a:extLst>
+          </p:cNvPr>
+          <p:cNvSpPr/>
+          <p:nvPr/>
+        </p:nvSpPr>
+        <p:spPr>
+          <a:xfrm>
+            <a:off x="2644729" y="4900606"/>
+            <a:ext cx="242819" cy="210409"/>
+          </a:xfrm>
+          <a:prstGeom prst="rect">
+            <a:avLst/>
+          </a:prstGeom>
+          <a:solidFill>
+            <a:schemeClr val="accent1"/>
+          </a:solidFill>
+          <a:ln>
+            <a:solidFill>
+              <a:schemeClr val="accent1"/>
+            </a:solidFill>
+          </a:ln>
+        </p:spPr>
+        <p:style>
+          <a:lnRef idx="2">
+            <a:schemeClr val="accent1">
+              <a:shade val="15000"/>
+            </a:schemeClr>
+          </a:lnRef>
+          <a:fillRef idx="1">
+            <a:schemeClr val="accent1"/>
+          </a:fillRef>
+          <a:effectRef idx="0">
+            <a:schemeClr val="accent1"/>
+          </a:effectRef>
+          <a:fontRef idx="minor">
+            <a:schemeClr val="lt1"/>
+          </a:fontRef>
+        </p:style>
+        <p:txBody>
+          <a:bodyPr rtlCol="0" anchor="ctr"/>
+          <a:lstStyle/>
+          <a:p>
+            <a:pPr algn="ctr"/>
+            <a:endParaRPr lang="es-ES"/>
+          </a:p>
+        </p:txBody>
+      </p:sp>
+    </p:spTree>
+    <p:extLst>
+      <p:ext uri="{BB962C8B-B14F-4D97-AF65-F5344CB8AC3E}">
+        <p14:creationId xmlns:p14="http://schemas.microsoft.com/office/powerpoint/2010/main" val="1064132073"/>
       </p:ext>
     </p:extLst>
   </p:cSld>
